--- a/GUI/UI presentation.pptx
+++ b/GUI/UI presentation.pptx
@@ -5,16 +5,17 @@
     <p:sldMasterId id="2147483712" r:id="rId1"/>
   </p:sldMasterIdLst>
   <p:notesMasterIdLst>
-    <p:notesMasterId r:id="rId9"/>
+    <p:notesMasterId r:id="rId10"/>
   </p:notesMasterIdLst>
   <p:sldIdLst>
     <p:sldId id="256" r:id="rId2"/>
     <p:sldId id="265" r:id="rId3"/>
     <p:sldId id="259" r:id="rId4"/>
-    <p:sldId id="261" r:id="rId5"/>
-    <p:sldId id="262" r:id="rId6"/>
+    <p:sldId id="266" r:id="rId5"/>
+    <p:sldId id="261" r:id="rId6"/>
     <p:sldId id="263" r:id="rId7"/>
     <p:sldId id="264" r:id="rId8"/>
+    <p:sldId id="269" r:id="rId9"/>
   </p:sldIdLst>
   <p:sldSz cx="12192000" cy="6858000"/>
   <p:notesSz cx="6858000" cy="9144000"/>
@@ -124,7 +125,7 @@
 <file path=ppt/revisionInfo.xml><?xml version="1.0" encoding="utf-8"?>
 <p1510:revInfo xmlns:a="http://schemas.openxmlformats.org/drawingml/2006/main" xmlns:r="http://schemas.openxmlformats.org/officeDocument/2006/relationships" xmlns:p1510="http://schemas.microsoft.com/office/powerpoint/2015/10/main">
   <p1510:revLst>
-    <p1510:client id="{4FCAD19E-C136-4DFE-AA01-E20E353064A5}" v="19" dt="2024-02-23T04:30:47.328"/>
+    <p1510:client id="{4FCAD19E-C136-4DFE-AA01-E20E353064A5}" v="15" dt="2024-02-22T13:24:54.073"/>
   </p1510:revLst>
 </p1510:revInfo>
 </file>
@@ -134,7 +135,7 @@
   <pc:docChgLst>
     <pc:chgData name="Bekele Samson Dawit" userId="7a2f564f-b7be-4502-8825-8dab2e58878a" providerId="ADAL" clId="{4FCAD19E-C136-4DFE-AA01-E20E353064A5}"/>
     <pc:docChg chg="custSel addSld delSld modSld">
-      <pc:chgData name="Bekele Samson Dawit" userId="7a2f564f-b7be-4502-8825-8dab2e58878a" providerId="ADAL" clId="{4FCAD19E-C136-4DFE-AA01-E20E353064A5}" dt="2024-02-23T04:31:50.882" v="285" actId="1076"/>
+      <pc:chgData name="Bekele Samson Dawit" userId="7a2f564f-b7be-4502-8825-8dab2e58878a" providerId="ADAL" clId="{4FCAD19E-C136-4DFE-AA01-E20E353064A5}" dt="2024-02-22T13:28:21.461" v="211" actId="14100"/>
       <pc:docMkLst>
         <pc:docMk/>
       </pc:docMkLst>
@@ -153,44 +154,14 @@
           </ac:spMkLst>
         </pc:spChg>
       </pc:sldChg>
-      <pc:sldChg chg="addSp modSp mod modAnim">
-        <pc:chgData name="Bekele Samson Dawit" userId="7a2f564f-b7be-4502-8825-8dab2e58878a" providerId="ADAL" clId="{4FCAD19E-C136-4DFE-AA01-E20E353064A5}" dt="2024-02-23T04:30:34.555" v="277" actId="14100"/>
-        <pc:sldMkLst>
-          <pc:docMk/>
-          <pc:sldMk cId="1989057776" sldId="261"/>
-        </pc:sldMkLst>
-        <pc:spChg chg="add mod">
-          <ac:chgData name="Bekele Samson Dawit" userId="7a2f564f-b7be-4502-8825-8dab2e58878a" providerId="ADAL" clId="{4FCAD19E-C136-4DFE-AA01-E20E353064A5}" dt="2024-02-23T04:30:34.555" v="277" actId="14100"/>
-          <ac:spMkLst>
-            <pc:docMk/>
-            <pc:sldMk cId="1989057776" sldId="261"/>
-            <ac:spMk id="4" creationId="{74E2B99A-0C54-B17F-C16B-D6613DF6A8FD}"/>
-          </ac:spMkLst>
-        </pc:spChg>
-      </pc:sldChg>
-      <pc:sldChg chg="addSp modSp modAnim">
-        <pc:chgData name="Bekele Samson Dawit" userId="7a2f564f-b7be-4502-8825-8dab2e58878a" providerId="ADAL" clId="{4FCAD19E-C136-4DFE-AA01-E20E353064A5}" dt="2024-02-23T04:30:47.328" v="278"/>
-        <pc:sldMkLst>
-          <pc:docMk/>
-          <pc:sldMk cId="3908141196" sldId="262"/>
-        </pc:sldMkLst>
-        <pc:spChg chg="add mod">
-          <ac:chgData name="Bekele Samson Dawit" userId="7a2f564f-b7be-4502-8825-8dab2e58878a" providerId="ADAL" clId="{4FCAD19E-C136-4DFE-AA01-E20E353064A5}" dt="2024-02-23T04:30:47.328" v="278"/>
-          <ac:spMkLst>
-            <pc:docMk/>
-            <pc:sldMk cId="3908141196" sldId="262"/>
-            <ac:spMk id="4" creationId="{AD0DDD01-C327-5EF9-5088-559C2500F569}"/>
-          </ac:spMkLst>
-        </pc:spChg>
-      </pc:sldChg>
       <pc:sldChg chg="modSp mod">
-        <pc:chgData name="Bekele Samson Dawit" userId="7a2f564f-b7be-4502-8825-8dab2e58878a" providerId="ADAL" clId="{4FCAD19E-C136-4DFE-AA01-E20E353064A5}" dt="2024-02-23T04:31:50.882" v="285" actId="1076"/>
+        <pc:chgData name="Bekele Samson Dawit" userId="7a2f564f-b7be-4502-8825-8dab2e58878a" providerId="ADAL" clId="{4FCAD19E-C136-4DFE-AA01-E20E353064A5}" dt="2024-02-22T13:24:20.257" v="149" actId="20577"/>
         <pc:sldMkLst>
           <pc:docMk/>
           <pc:sldMk cId="2870169506" sldId="263"/>
         </pc:sldMkLst>
         <pc:spChg chg="mod">
-          <ac:chgData name="Bekele Samson Dawit" userId="7a2f564f-b7be-4502-8825-8dab2e58878a" providerId="ADAL" clId="{4FCAD19E-C136-4DFE-AA01-E20E353064A5}" dt="2024-02-23T04:31:50.882" v="285" actId="1076"/>
+          <ac:chgData name="Bekele Samson Dawit" userId="7a2f564f-b7be-4502-8825-8dab2e58878a" providerId="ADAL" clId="{4FCAD19E-C136-4DFE-AA01-E20E353064A5}" dt="2024-02-22T13:24:20.257" v="149" actId="20577"/>
           <ac:spMkLst>
             <pc:docMk/>
             <pc:sldMk cId="2870169506" sldId="263"/>
@@ -198,8 +169,8 @@
           </ac:spMkLst>
         </pc:spChg>
       </pc:sldChg>
-      <pc:sldChg chg="addSp delSp modSp new mod modNotesTx">
-        <pc:chgData name="Bekele Samson Dawit" userId="7a2f564f-b7be-4502-8825-8dab2e58878a" providerId="ADAL" clId="{4FCAD19E-C136-4DFE-AA01-E20E353064A5}" dt="2024-02-23T04:30:10.480" v="271"/>
+      <pc:sldChg chg="addSp delSp modSp new mod">
+        <pc:chgData name="Bekele Samson Dawit" userId="7a2f564f-b7be-4502-8825-8dab2e58878a" providerId="ADAL" clId="{4FCAD19E-C136-4DFE-AA01-E20E353064A5}" dt="2024-02-22T13:28:21.461" v="211" actId="14100"/>
         <pc:sldMkLst>
           <pc:docMk/>
           <pc:sldMk cId="4096224290" sldId="265"/>
@@ -253,7 +224,7 @@
           </ac:spMkLst>
         </pc:spChg>
         <pc:spChg chg="add mod">
-          <ac:chgData name="Bekele Samson Dawit" userId="7a2f564f-b7be-4502-8825-8dab2e58878a" providerId="ADAL" clId="{4FCAD19E-C136-4DFE-AA01-E20E353064A5}" dt="2024-02-22T13:34:08.647" v="255" actId="20577"/>
+          <ac:chgData name="Bekele Samson Dawit" userId="7a2f564f-b7be-4502-8825-8dab2e58878a" providerId="ADAL" clId="{4FCAD19E-C136-4DFE-AA01-E20E353064A5}" dt="2024-02-22T13:20:57.306" v="30" actId="208"/>
           <ac:spMkLst>
             <pc:docMk/>
             <pc:sldMk cId="4096224290" sldId="265"/>
@@ -261,7 +232,7 @@
           </ac:spMkLst>
         </pc:spChg>
         <pc:spChg chg="add mod">
-          <ac:chgData name="Bekele Samson Dawit" userId="7a2f564f-b7be-4502-8825-8dab2e58878a" providerId="ADAL" clId="{4FCAD19E-C136-4DFE-AA01-E20E353064A5}" dt="2024-02-23T04:30:03.153" v="270" actId="1076"/>
+          <ac:chgData name="Bekele Samson Dawit" userId="7a2f564f-b7be-4502-8825-8dab2e58878a" providerId="ADAL" clId="{4FCAD19E-C136-4DFE-AA01-E20E353064A5}" dt="2024-02-22T13:28:21.461" v="211" actId="14100"/>
           <ac:spMkLst>
             <pc:docMk/>
             <pc:sldMk cId="4096224290" sldId="265"/>
@@ -420,7 +391,7 @@
           <a:p>
             <a:fld id="{9E1BFD65-BBCE-48D7-B475-A628E35E8C9B}" type="datetimeFigureOut">
               <a:rPr lang="en-US" smtClean="0"/>
-              <a:t>2/23/2024</a:t>
+              <a:t>3/21/2024</a:t>
             </a:fld>
             <a:endParaRPr lang="en-US"/>
           </a:p>
@@ -685,226 +656,6 @@
     </a:lvl9pPr>
   </p:notesStyle>
 </p:notesMaster>
-</file>
-
-<file path=ppt/notesSlides/notesSlide1.xml><?xml version="1.0" encoding="utf-8"?>
-<p:notes xmlns:a="http://schemas.openxmlformats.org/drawingml/2006/main" xmlns:r="http://schemas.openxmlformats.org/officeDocument/2006/relationships" xmlns:p="http://schemas.openxmlformats.org/presentationml/2006/main">
-  <p:cSld>
-    <p:spTree>
-      <p:nvGrpSpPr>
-        <p:cNvPr id="1" name=""/>
-        <p:cNvGrpSpPr/>
-        <p:nvPr/>
-      </p:nvGrpSpPr>
-      <p:grpSpPr>
-        <a:xfrm>
-          <a:off x="0" y="0"/>
-          <a:ext cx="0" cy="0"/>
-          <a:chOff x="0" y="0"/>
-          <a:chExt cx="0" cy="0"/>
-        </a:xfrm>
-      </p:grpSpPr>
-      <p:sp>
-        <p:nvSpPr>
-          <p:cNvPr id="2" name="Slide Image Placeholder 1"/>
-          <p:cNvSpPr>
-            <a:spLocks noGrp="1" noRot="1" noChangeAspect="1"/>
-          </p:cNvSpPr>
-          <p:nvPr>
-            <p:ph type="sldImg"/>
-          </p:nvPr>
-        </p:nvSpPr>
-        <p:spPr/>
-      </p:sp>
-      <p:sp>
-        <p:nvSpPr>
-          <p:cNvPr id="3" name="Notes Placeholder 2"/>
-          <p:cNvSpPr>
-            <a:spLocks noGrp="1"/>
-          </p:cNvSpPr>
-          <p:nvPr>
-            <p:ph type="body" idx="1"/>
-          </p:nvPr>
-        </p:nvSpPr>
-        <p:spPr/>
-        <p:txBody>
-          <a:bodyPr/>
-          <a:lstStyle/>
-          <a:p>
-            <a:pPr marL="0" marR="0" lvl="0" indent="0" algn="l" defTabSz="914400" rtl="0" eaLnBrk="1" fontAlgn="auto" latinLnBrk="0" hangingPunct="1">
-              <a:lnSpc>
-                <a:spcPct val="100000"/>
-              </a:lnSpc>
-              <a:spcBef>
-                <a:spcPts val="0"/>
-              </a:spcBef>
-              <a:spcAft>
-                <a:spcPts val="0"/>
-              </a:spcAft>
-              <a:buClrTx/>
-              <a:buSzTx/>
-              <a:buFontTx/>
-              <a:buNone/>
-              <a:tabLst/>
-              <a:defRPr/>
-            </a:pPr>
-            <a:r>
-              <a:rPr lang="en-US" b="0" i="0" dirty="0">
-                <a:solidFill>
-                  <a:srgbClr val="ECECEC"/>
-                </a:solidFill>
-                <a:effectLst/>
-                <a:latin typeface="Söhne"/>
-              </a:rPr>
-              <a:t>Predicting enables educators and learning systems to identify individual learners' strengths, weaknesses, and learning preferences</a:t>
-            </a:r>
-            <a:endParaRPr lang="en-US" dirty="0"/>
-          </a:p>
-          <a:p>
-            <a:endParaRPr lang="en-US" dirty="0"/>
-          </a:p>
-        </p:txBody>
-      </p:sp>
-      <p:sp>
-        <p:nvSpPr>
-          <p:cNvPr id="4" name="Slide Number Placeholder 3"/>
-          <p:cNvSpPr>
-            <a:spLocks noGrp="1"/>
-          </p:cNvSpPr>
-          <p:nvPr>
-            <p:ph type="sldNum" sz="quarter" idx="5"/>
-          </p:nvPr>
-        </p:nvSpPr>
-        <p:spPr/>
-        <p:txBody>
-          <a:bodyPr/>
-          <a:lstStyle/>
-          <a:p>
-            <a:fld id="{83C644D2-586B-4795-A852-F2D233025513}" type="slidenum">
-              <a:rPr lang="en-US" smtClean="0"/>
-              <a:t>2</a:t>
-            </a:fld>
-            <a:endParaRPr lang="en-US"/>
-          </a:p>
-        </p:txBody>
-      </p:sp>
-    </p:spTree>
-    <p:extLst>
-      <p:ext uri="{BB962C8B-B14F-4D97-AF65-F5344CB8AC3E}">
-        <p14:creationId xmlns:p14="http://schemas.microsoft.com/office/powerpoint/2010/main" val="3446396027"/>
-      </p:ext>
-    </p:extLst>
-  </p:cSld>
-  <p:clrMapOvr>
-    <a:masterClrMapping/>
-  </p:clrMapOvr>
-</p:notes>
-</file>
-
-<file path=ppt/notesSlides/notesSlide2.xml><?xml version="1.0" encoding="utf-8"?>
-<p:notes xmlns:a="http://schemas.openxmlformats.org/drawingml/2006/main" xmlns:r="http://schemas.openxmlformats.org/officeDocument/2006/relationships" xmlns:p="http://schemas.openxmlformats.org/presentationml/2006/main">
-  <p:cSld>
-    <p:spTree>
-      <p:nvGrpSpPr>
-        <p:cNvPr id="1" name=""/>
-        <p:cNvGrpSpPr/>
-        <p:nvPr/>
-      </p:nvGrpSpPr>
-      <p:grpSpPr>
-        <a:xfrm>
-          <a:off x="0" y="0"/>
-          <a:ext cx="0" cy="0"/>
-          <a:chOff x="0" y="0"/>
-          <a:chExt cx="0" cy="0"/>
-        </a:xfrm>
-      </p:grpSpPr>
-      <p:sp>
-        <p:nvSpPr>
-          <p:cNvPr id="2" name="Slide Image Placeholder 1"/>
-          <p:cNvSpPr>
-            <a:spLocks noGrp="1" noRot="1" noChangeAspect="1"/>
-          </p:cNvSpPr>
-          <p:nvPr>
-            <p:ph type="sldImg"/>
-          </p:nvPr>
-        </p:nvSpPr>
-        <p:spPr/>
-      </p:sp>
-      <p:sp>
-        <p:nvSpPr>
-          <p:cNvPr id="3" name="Notes Placeholder 2"/>
-          <p:cNvSpPr>
-            <a:spLocks noGrp="1"/>
-          </p:cNvSpPr>
-          <p:nvPr>
-            <p:ph type="body" idx="1"/>
-          </p:nvPr>
-        </p:nvSpPr>
-        <p:spPr/>
-        <p:txBody>
-          <a:bodyPr/>
-          <a:lstStyle/>
-          <a:p>
-            <a:r>
-              <a:rPr lang="en-US" b="0" i="0" dirty="0">
-                <a:solidFill>
-                  <a:srgbClr val="ECECEC"/>
-                </a:solidFill>
-                <a:effectLst/>
-                <a:latin typeface="Söhne"/>
-              </a:rPr>
-              <a:t>By understanding which features are most important, educators and the AI system can understand what impacts student performance the most. For instance, if 'Tuition fees up to date' has high importance, it might indicate financial stability is a significant predictor of academic success.</a:t>
-            </a:r>
-          </a:p>
-          <a:p>
-            <a:r>
-              <a:rPr lang="en-US" b="0" i="0" dirty="0">
-                <a:solidFill>
-                  <a:srgbClr val="ECECEC"/>
-                </a:solidFill>
-                <a:effectLst/>
-                <a:latin typeface="Söhne"/>
-              </a:rPr>
-              <a:t>If certain academic-related features, such as 'Curricular units 2nd semester (grade)', are identified as highly important, this suggests that recent academic performance should weigh heavily in personalizing future course recommendations.</a:t>
-            </a:r>
-            <a:endParaRPr lang="en-US" dirty="0"/>
-          </a:p>
-        </p:txBody>
-      </p:sp>
-      <p:sp>
-        <p:nvSpPr>
-          <p:cNvPr id="4" name="Slide Number Placeholder 3"/>
-          <p:cNvSpPr>
-            <a:spLocks noGrp="1"/>
-          </p:cNvSpPr>
-          <p:nvPr>
-            <p:ph type="sldNum" sz="quarter" idx="5"/>
-          </p:nvPr>
-        </p:nvSpPr>
-        <p:spPr/>
-        <p:txBody>
-          <a:bodyPr/>
-          <a:lstStyle/>
-          <a:p>
-            <a:fld id="{B32AE066-2C30-44CA-AA85-868C2EABD93E}" type="slidenum">
-              <a:rPr lang="en-US" smtClean="0"/>
-              <a:t>5</a:t>
-            </a:fld>
-            <a:endParaRPr lang="en-US"/>
-          </a:p>
-        </p:txBody>
-      </p:sp>
-    </p:spTree>
-    <p:extLst>
-      <p:ext uri="{BB962C8B-B14F-4D97-AF65-F5344CB8AC3E}">
-        <p14:creationId xmlns:p14="http://schemas.microsoft.com/office/powerpoint/2010/main" val="2986858031"/>
-      </p:ext>
-    </p:extLst>
-  </p:cSld>
-  <p:clrMapOvr>
-    <a:masterClrMapping/>
-  </p:clrMapOvr>
-</p:notes>
 </file>
 
 <file path=ppt/slideLayouts/slideLayout1.xml><?xml version="1.0" encoding="utf-8"?>
@@ -1220,7 +971,7 @@
           <a:p>
             <a:fld id="{1E351CED-465B-40B5-ADCE-957C918F227B}" type="datetimeFigureOut">
               <a:rPr lang="en-US" smtClean="0"/>
-              <a:t>2/23/2024</a:t>
+              <a:t>3/21/2024</a:t>
             </a:fld>
             <a:endParaRPr lang="en-US"/>
           </a:p>
@@ -1428,7 +1179,7 @@
           <a:p>
             <a:fld id="{1E351CED-465B-40B5-ADCE-957C918F227B}" type="datetimeFigureOut">
               <a:rPr lang="en-US" smtClean="0"/>
-              <a:t>2/23/2024</a:t>
+              <a:t>3/21/2024</a:t>
             </a:fld>
             <a:endParaRPr lang="en-US"/>
           </a:p>
@@ -1638,7 +1389,7 @@
           <a:p>
             <a:fld id="{1E351CED-465B-40B5-ADCE-957C918F227B}" type="datetimeFigureOut">
               <a:rPr lang="en-US" smtClean="0"/>
-              <a:t>2/23/2024</a:t>
+              <a:t>3/21/2024</a:t>
             </a:fld>
             <a:endParaRPr lang="en-US"/>
           </a:p>
@@ -1838,7 +1589,7 @@
           <a:p>
             <a:fld id="{1E351CED-465B-40B5-ADCE-957C918F227B}" type="datetimeFigureOut">
               <a:rPr lang="en-US" smtClean="0"/>
-              <a:t>2/23/2024</a:t>
+              <a:t>3/21/2024</a:t>
             </a:fld>
             <a:endParaRPr lang="en-US"/>
           </a:p>
@@ -2416,7 +2167,7 @@
           <a:p>
             <a:fld id="{1E351CED-465B-40B5-ADCE-957C918F227B}" type="datetimeFigureOut">
               <a:rPr lang="en-US" smtClean="0"/>
-              <a:t>2/23/2024</a:t>
+              <a:t>3/21/2024</a:t>
             </a:fld>
             <a:endParaRPr lang="en-US"/>
           </a:p>
@@ -2689,7 +2440,7 @@
           <a:p>
             <a:fld id="{1E351CED-465B-40B5-ADCE-957C918F227B}" type="datetimeFigureOut">
               <a:rPr lang="en-US" smtClean="0"/>
-              <a:t>2/23/2024</a:t>
+              <a:t>3/21/2024</a:t>
             </a:fld>
             <a:endParaRPr lang="en-US"/>
           </a:p>
@@ -3106,7 +2857,7 @@
           <a:p>
             <a:fld id="{1E351CED-465B-40B5-ADCE-957C918F227B}" type="datetimeFigureOut">
               <a:rPr lang="en-US" smtClean="0"/>
-              <a:t>2/23/2024</a:t>
+              <a:t>3/21/2024</a:t>
             </a:fld>
             <a:endParaRPr lang="en-US"/>
           </a:p>
@@ -3253,7 +3004,7 @@
           <a:p>
             <a:fld id="{1E351CED-465B-40B5-ADCE-957C918F227B}" type="datetimeFigureOut">
               <a:rPr lang="en-US" smtClean="0"/>
-              <a:t>2/23/2024</a:t>
+              <a:t>3/21/2024</a:t>
             </a:fld>
             <a:endParaRPr lang="en-US"/>
           </a:p>
@@ -3366,7 +3117,7 @@
           <a:p>
             <a:fld id="{1E351CED-465B-40B5-ADCE-957C918F227B}" type="datetimeFigureOut">
               <a:rPr lang="en-US" smtClean="0"/>
-              <a:t>2/23/2024</a:t>
+              <a:t>3/21/2024</a:t>
             </a:fld>
             <a:endParaRPr lang="en-US"/>
           </a:p>
@@ -3681,7 +3432,7 @@
           <a:p>
             <a:fld id="{1E351CED-465B-40B5-ADCE-957C918F227B}" type="datetimeFigureOut">
               <a:rPr lang="en-US" smtClean="0"/>
-              <a:t>2/23/2024</a:t>
+              <a:t>3/21/2024</a:t>
             </a:fld>
             <a:endParaRPr lang="en-US"/>
           </a:p>
@@ -3975,7 +3726,7 @@
           <a:p>
             <a:fld id="{1E351CED-465B-40B5-ADCE-957C918F227B}" type="datetimeFigureOut">
               <a:rPr lang="en-US" smtClean="0"/>
-              <a:t>2/23/2024</a:t>
+              <a:t>3/21/2024</a:t>
             </a:fld>
             <a:endParaRPr lang="en-US"/>
           </a:p>
@@ -4216,7 +3967,7 @@
           <a:p>
             <a:fld id="{1E351CED-465B-40B5-ADCE-957C918F227B}" type="datetimeFigureOut">
               <a:rPr lang="en-US" smtClean="0"/>
-              <a:t>2/23/2024</a:t>
+              <a:t>3/21/2024</a:t>
             </a:fld>
             <a:endParaRPr lang="en-US"/>
           </a:p>
@@ -4731,7 +4482,7 @@
         </p:nvSpPr>
         <p:spPr>
           <a:xfrm>
-            <a:off x="354434" y="1894103"/>
+            <a:off x="354434" y="1786313"/>
             <a:ext cx="11483131" cy="1257299"/>
           </a:xfrm>
         </p:spPr>
@@ -4747,14 +4498,14 @@
               </a:lnSpc>
             </a:pPr>
             <a:r>
-              <a:rPr lang="en-US" sz="4400" dirty="0"/>
+              <a:rPr lang="en-US" sz="3200" dirty="0"/>
               <a:t>Predicting Academic Success: </a:t>
             </a:r>
             <a:br>
-              <a:rPr lang="en-US" sz="4400" dirty="0"/>
+              <a:rPr lang="en-US" sz="3200" dirty="0"/>
             </a:br>
             <a:r>
-              <a:rPr lang="en-US" sz="4400" dirty="0"/>
+              <a:rPr lang="en-US" sz="3200" dirty="0"/>
               <a:t>A foundational step towards personalized education</a:t>
             </a:r>
           </a:p>
@@ -4836,7 +4587,7 @@
             </a:r>
             <a:r>
               <a:rPr lang="en-US" dirty="0"/>
-              <a:t>Assoc. Prof., PhD, </a:t>
+              <a:t>Assoc. Prof. </a:t>
             </a:r>
             <a:r>
               <a:rPr lang="en-US" dirty="0" err="1"/>
@@ -4844,12 +4595,11 @@
             </a:r>
             <a:r>
               <a:rPr lang="en-US" dirty="0"/>
-              <a:t> Timur </a:t>
-            </a:r>
-            <a:r>
-              <a:rPr lang="en-US" dirty="0" err="1"/>
-              <a:t>Sakenovich</a:t>
-            </a:r>
+              <a:t> Timur (PhD)</a:t>
+            </a:r>
+          </a:p>
+          <a:p>
+            <a:pPr indent="-228600"/>
             <a:endParaRPr lang="en-US" dirty="0"/>
           </a:p>
           <a:p>
@@ -5132,7 +4882,70 @@
             </a:r>
             <a:r>
               <a:rPr lang="en-US" dirty="0"/>
-              <a:t>, February 2024</a:t>
+              <a:t>, March 2024</a:t>
+            </a:r>
+          </a:p>
+        </p:txBody>
+      </p:sp>
+      <p:sp>
+        <p:nvSpPr>
+          <p:cNvPr id="6" name="Title 1">
+            <a:extLst>
+              <a:ext uri="{FF2B5EF4-FFF2-40B4-BE49-F238E27FC236}">
+                <a16:creationId xmlns:a16="http://schemas.microsoft.com/office/drawing/2014/main" id="{A7B9181F-6041-A3DB-D7DE-6FEC65B656EB}"/>
+              </a:ext>
+            </a:extLst>
+          </p:cNvPr>
+          <p:cNvSpPr txBox="1">
+            <a:spLocks/>
+          </p:cNvSpPr>
+          <p:nvPr/>
+        </p:nvSpPr>
+        <p:spPr>
+          <a:xfrm>
+            <a:off x="4928873" y="3017748"/>
+            <a:ext cx="2334251" cy="533338"/>
+          </a:xfrm>
+          <a:prstGeom prst="rect">
+            <a:avLst/>
+          </a:prstGeom>
+        </p:spPr>
+        <p:txBody>
+          <a:bodyPr vert="horz" lIns="91440" tIns="45720" rIns="91440" bIns="45720" rtlCol="0" anchor="ctr">
+            <a:noAutofit/>
+          </a:bodyPr>
+          <a:lstStyle>
+            <a:lvl1pPr algn="l" defTabSz="914400" rtl="0" eaLnBrk="1" latinLnBrk="0" hangingPunct="1">
+              <a:lnSpc>
+                <a:spcPct val="100000"/>
+              </a:lnSpc>
+              <a:spcBef>
+                <a:spcPct val="0"/>
+              </a:spcBef>
+              <a:buNone/>
+              <a:defRPr sz="3600" b="1" kern="1200">
+                <a:solidFill>
+                  <a:schemeClr val="tx1"/>
+                </a:solidFill>
+                <a:latin typeface="+mj-lt"/>
+                <a:ea typeface="+mj-ea"/>
+                <a:cs typeface="+mj-cs"/>
+              </a:defRPr>
+            </a:lvl1pPr>
+          </a:lstStyle>
+          <a:p>
+            <a:pPr algn="ctr">
+              <a:lnSpc>
+                <a:spcPct val="90000"/>
+              </a:lnSpc>
+            </a:pPr>
+            <a:r>
+              <a:rPr lang="en-US" sz="2400" dirty="0">
+                <a:solidFill>
+                  <a:srgbClr val="FF0000"/>
+                </a:solidFill>
+              </a:rPr>
+              <a:t>User Interface</a:t>
             </a:r>
           </a:p>
         </p:txBody>
@@ -5186,7 +4999,7 @@
         <p:spPr>
           <a:xfrm>
             <a:off x="192948" y="119235"/>
-            <a:ext cx="4320330" cy="954088"/>
+            <a:ext cx="11694252" cy="1466284"/>
           </a:xfrm>
           <a:prstGeom prst="rect">
             <a:avLst/>
@@ -5216,19 +5029,32 @@
             </a:lvl1pPr>
           </a:lstStyle>
           <a:p>
+            <a:pPr algn="ctr"/>
             <a:r>
               <a:rPr lang="en-US" sz="3400" dirty="0"/>
-              <a:t>Previous Studies</a:t>
+              <a:t>Academic Success Predictor - a </a:t>
+            </a:r>
+            <a:r>
+              <a:rPr lang="en-US" sz="3400" dirty="0">
+                <a:solidFill>
+                  <a:srgbClr val="FF0000"/>
+                </a:solidFill>
+              </a:rPr>
+              <a:t>critical first step </a:t>
+            </a:r>
+            <a:r>
+              <a:rPr lang="en-US" sz="3400" dirty="0"/>
+              <a:t>towards personalized education</a:t>
             </a:r>
           </a:p>
         </p:txBody>
       </p:sp>
       <p:sp>
         <p:nvSpPr>
-          <p:cNvPr id="5" name="Content Placeholder 2">
+          <p:cNvPr id="11" name="Content Placeholder 2">
             <a:extLst>
               <a:ext uri="{FF2B5EF4-FFF2-40B4-BE49-F238E27FC236}">
-                <a16:creationId xmlns:a16="http://schemas.microsoft.com/office/drawing/2014/main" id="{D034AA08-2F3B-522C-4D91-903777A78AA4}"/>
+                <a16:creationId xmlns:a16="http://schemas.microsoft.com/office/drawing/2014/main" id="{251AFA8B-F1A5-255D-89CB-C11ABAA4668F}"/>
               </a:ext>
             </a:extLst>
           </p:cNvPr>
@@ -5239,8 +5065,8 @@
         </p:nvSpPr>
         <p:spPr>
           <a:xfrm>
-            <a:off x="289421" y="5615123"/>
-            <a:ext cx="5461994" cy="1067168"/>
+            <a:off x="785364" y="2343086"/>
+            <a:ext cx="10319267" cy="3223214"/>
           </a:xfrm>
           <a:prstGeom prst="rect">
             <a:avLst/>
@@ -5415,481 +5241,22 @@
             </a:lvl9pPr>
           </a:lstStyle>
           <a:p>
+            <a:pPr algn="just"/>
+            <a:r>
+              <a:rPr lang="en-US" sz="2000" dirty="0"/>
+              <a:t>Recommending courses based on learning preference and academic performance is </a:t>
+            </a:r>
             <a:r>
               <a:rPr lang="en-US" sz="2000" dirty="0">
                 <a:solidFill>
                   <a:srgbClr val="FF0000"/>
                 </a:solidFill>
               </a:rPr>
-              <a:t>One-size-fits-all</a:t>
+              <a:t>almost impossible </a:t>
             </a:r>
             <a:r>
               <a:rPr lang="en-US" sz="2000" dirty="0"/>
-              <a:t> education model</a:t>
-            </a:r>
-          </a:p>
-          <a:p>
-            <a:r>
-              <a:rPr lang="en-US" sz="2000" dirty="0">
-                <a:solidFill>
-                  <a:srgbClr val="FF0000"/>
-                </a:solidFill>
-              </a:rPr>
-              <a:t>Lack of data</a:t>
-            </a:r>
-          </a:p>
-        </p:txBody>
-      </p:sp>
-      <p:cxnSp>
-        <p:nvCxnSpPr>
-          <p:cNvPr id="6" name="Straight Connector 5">
-            <a:extLst>
-              <a:ext uri="{FF2B5EF4-FFF2-40B4-BE49-F238E27FC236}">
-                <a16:creationId xmlns:a16="http://schemas.microsoft.com/office/drawing/2014/main" id="{E6B29D36-395C-2B68-0979-226D21C9634B}"/>
-              </a:ext>
-            </a:extLst>
-          </p:cNvPr>
-          <p:cNvCxnSpPr/>
-          <p:nvPr/>
-        </p:nvCxnSpPr>
-        <p:spPr>
-          <a:xfrm>
-            <a:off x="6110790" y="0"/>
-            <a:ext cx="0" cy="6858000"/>
-          </a:xfrm>
-          <a:prstGeom prst="line">
-            <a:avLst/>
-          </a:prstGeom>
-        </p:spPr>
-        <p:style>
-          <a:lnRef idx="1">
-            <a:schemeClr val="dk1"/>
-          </a:lnRef>
-          <a:fillRef idx="0">
-            <a:schemeClr val="dk1"/>
-          </a:fillRef>
-          <a:effectRef idx="0">
-            <a:schemeClr val="dk1"/>
-          </a:effectRef>
-          <a:fontRef idx="minor">
-            <a:schemeClr val="tx1"/>
-          </a:fontRef>
-        </p:style>
-      </p:cxnSp>
-      <p:cxnSp>
-        <p:nvCxnSpPr>
-          <p:cNvPr id="7" name="Straight Connector 6">
-            <a:extLst>
-              <a:ext uri="{FF2B5EF4-FFF2-40B4-BE49-F238E27FC236}">
-                <a16:creationId xmlns:a16="http://schemas.microsoft.com/office/drawing/2014/main" id="{477113B6-EF23-B1D0-CA1F-32CD7578272D}"/>
-              </a:ext>
-            </a:extLst>
-          </p:cNvPr>
-          <p:cNvCxnSpPr>
-            <a:cxnSpLocks/>
-          </p:cNvCxnSpPr>
-          <p:nvPr/>
-        </p:nvCxnSpPr>
-        <p:spPr>
-          <a:xfrm flipH="1">
-            <a:off x="0" y="4848947"/>
-            <a:ext cx="6096000" cy="0"/>
-          </a:xfrm>
-          <a:prstGeom prst="line">
-            <a:avLst/>
-          </a:prstGeom>
-        </p:spPr>
-        <p:style>
-          <a:lnRef idx="1">
-            <a:schemeClr val="dk1"/>
-          </a:lnRef>
-          <a:fillRef idx="0">
-            <a:schemeClr val="dk1"/>
-          </a:fillRef>
-          <a:effectRef idx="0">
-            <a:schemeClr val="dk1"/>
-          </a:effectRef>
-          <a:fontRef idx="minor">
-            <a:schemeClr val="tx1"/>
-          </a:fontRef>
-        </p:style>
-      </p:cxnSp>
-      <p:sp>
-        <p:nvSpPr>
-          <p:cNvPr id="9" name="Title 1">
-            <a:extLst>
-              <a:ext uri="{FF2B5EF4-FFF2-40B4-BE49-F238E27FC236}">
-                <a16:creationId xmlns:a16="http://schemas.microsoft.com/office/drawing/2014/main" id="{6D8C01FC-DC4A-DCB6-74B7-3ACD8BB7B5D1}"/>
-              </a:ext>
-            </a:extLst>
-          </p:cNvPr>
-          <p:cNvSpPr txBox="1">
-            <a:spLocks/>
-          </p:cNvSpPr>
-          <p:nvPr/>
-        </p:nvSpPr>
-        <p:spPr>
-          <a:xfrm>
-            <a:off x="117447" y="4848947"/>
-            <a:ext cx="4320330" cy="954088"/>
-          </a:xfrm>
-          <a:prstGeom prst="rect">
-            <a:avLst/>
-          </a:prstGeom>
-        </p:spPr>
-        <p:txBody>
-          <a:bodyPr vert="horz" lIns="91440" tIns="45720" rIns="91440" bIns="45720" rtlCol="0" anchor="t">
-            <a:normAutofit fontScale="97500"/>
-          </a:bodyPr>
-          <a:lstStyle>
-            <a:lvl1pPr algn="l" defTabSz="914400" rtl="0" eaLnBrk="1" latinLnBrk="0" hangingPunct="1">
-              <a:lnSpc>
-                <a:spcPct val="100000"/>
-              </a:lnSpc>
-              <a:spcBef>
-                <a:spcPct val="0"/>
-              </a:spcBef>
-              <a:buNone/>
-              <a:defRPr sz="4400" b="1" kern="1200">
-                <a:solidFill>
-                  <a:schemeClr val="tx1"/>
-                </a:solidFill>
-                <a:latin typeface="+mj-lt"/>
-                <a:ea typeface="+mj-ea"/>
-                <a:cs typeface="+mj-cs"/>
-              </a:defRPr>
-            </a:lvl1pPr>
-          </a:lstStyle>
-          <a:p>
-            <a:r>
-              <a:rPr lang="en-US" sz="3500" dirty="0"/>
-              <a:t>Problem Statement</a:t>
-            </a:r>
-          </a:p>
-        </p:txBody>
-      </p:sp>
-      <p:sp>
-        <p:nvSpPr>
-          <p:cNvPr id="10" name="TextBox 9">
-            <a:extLst>
-              <a:ext uri="{FF2B5EF4-FFF2-40B4-BE49-F238E27FC236}">
-                <a16:creationId xmlns:a16="http://schemas.microsoft.com/office/drawing/2014/main" id="{F4A461BD-F20C-CAB4-F749-D439C69797DC}"/>
-              </a:ext>
-            </a:extLst>
-          </p:cNvPr>
-          <p:cNvSpPr txBox="1"/>
-          <p:nvPr/>
-        </p:nvSpPr>
-        <p:spPr>
-          <a:xfrm>
-            <a:off x="267687" y="3878537"/>
-            <a:ext cx="5712438" cy="830997"/>
-          </a:xfrm>
-          <a:prstGeom prst="rect">
-            <a:avLst/>
-          </a:prstGeom>
-          <a:ln>
-            <a:solidFill>
-              <a:srgbClr val="FF0000"/>
-            </a:solidFill>
-          </a:ln>
-        </p:spPr>
-        <p:style>
-          <a:lnRef idx="2">
-            <a:schemeClr val="accent5"/>
-          </a:lnRef>
-          <a:fillRef idx="1">
-            <a:schemeClr val="lt1"/>
-          </a:fillRef>
-          <a:effectRef idx="0">
-            <a:schemeClr val="accent5"/>
-          </a:effectRef>
-          <a:fontRef idx="minor">
-            <a:schemeClr val="dk1"/>
-          </a:fontRef>
-        </p:style>
-        <p:txBody>
-          <a:bodyPr wrap="square" rtlCol="0">
-            <a:spAutoFit/>
-          </a:bodyPr>
-          <a:lstStyle/>
-          <a:p>
-            <a:r>
-              <a:rPr lang="en-US" sz="1600" b="1" i="1" dirty="0"/>
-              <a:t>Note: </a:t>
-            </a:r>
-            <a:r>
-              <a:rPr lang="en-US" sz="1600" dirty="0"/>
-              <a:t>Most studies highlight the challenge faced by personalizing education due to lack of data. All don’t consider student preference </a:t>
-            </a:r>
-            <a:r>
-              <a:rPr lang="en-US" sz="1600" b="1" dirty="0"/>
-              <a:t>AND</a:t>
-            </a:r>
-            <a:r>
-              <a:rPr lang="en-US" sz="1600" dirty="0"/>
-              <a:t> performance.</a:t>
-            </a:r>
-          </a:p>
-        </p:txBody>
-      </p:sp>
-      <p:sp>
-        <p:nvSpPr>
-          <p:cNvPr id="11" name="Content Placeholder 2">
-            <a:extLst>
-              <a:ext uri="{FF2B5EF4-FFF2-40B4-BE49-F238E27FC236}">
-                <a16:creationId xmlns:a16="http://schemas.microsoft.com/office/drawing/2014/main" id="{251AFA8B-F1A5-255D-89CB-C11ABAA4668F}"/>
-              </a:ext>
-            </a:extLst>
-          </p:cNvPr>
-          <p:cNvSpPr txBox="1">
-            <a:spLocks/>
-          </p:cNvSpPr>
-          <p:nvPr/>
-        </p:nvSpPr>
-        <p:spPr>
-          <a:xfrm>
-            <a:off x="6267974" y="1177983"/>
-            <a:ext cx="5501489" cy="5130538"/>
-          </a:xfrm>
-          <a:prstGeom prst="rect">
-            <a:avLst/>
-          </a:prstGeom>
-        </p:spPr>
-        <p:txBody>
-          <a:bodyPr vert="horz" lIns="91440" tIns="45720" rIns="91440" bIns="45720" rtlCol="0">
-            <a:normAutofit/>
-          </a:bodyPr>
-          <a:lstStyle>
-            <a:lvl1pPr marL="228600" indent="-228600" algn="l" defTabSz="914400" rtl="0" eaLnBrk="1" latinLnBrk="0" hangingPunct="1">
-              <a:lnSpc>
-                <a:spcPct val="100000"/>
-              </a:lnSpc>
-              <a:spcBef>
-                <a:spcPts val="1000"/>
-              </a:spcBef>
-              <a:buFont typeface="System Font Regular"/>
-              <a:buChar char="–"/>
-              <a:defRPr sz="2400" b="0" i="0" kern="1200">
-                <a:solidFill>
-                  <a:schemeClr val="tx1"/>
-                </a:solidFill>
-                <a:latin typeface="+mn-lt"/>
-                <a:ea typeface="+mn-ea"/>
-                <a:cs typeface="+mn-cs"/>
-              </a:defRPr>
-            </a:lvl1pPr>
-            <a:lvl2pPr marL="685800" indent="-228600" algn="l" defTabSz="914400" rtl="0" eaLnBrk="1" latinLnBrk="0" hangingPunct="1">
-              <a:lnSpc>
-                <a:spcPct val="100000"/>
-              </a:lnSpc>
-              <a:spcBef>
-                <a:spcPts val="500"/>
-              </a:spcBef>
-              <a:buFont typeface="System Font Regular"/>
-              <a:buChar char="–"/>
-              <a:defRPr sz="2000" b="0" i="0" kern="1200">
-                <a:solidFill>
-                  <a:schemeClr val="tx1"/>
-                </a:solidFill>
-                <a:latin typeface="+mn-lt"/>
-                <a:ea typeface="+mn-ea"/>
-                <a:cs typeface="+mn-cs"/>
-              </a:defRPr>
-            </a:lvl2pPr>
-            <a:lvl3pPr marL="1143000" indent="-228600" algn="l" defTabSz="914400" rtl="0" eaLnBrk="1" latinLnBrk="0" hangingPunct="1">
-              <a:lnSpc>
-                <a:spcPct val="100000"/>
-              </a:lnSpc>
-              <a:spcBef>
-                <a:spcPts val="500"/>
-              </a:spcBef>
-              <a:buFont typeface="System Font Regular"/>
-              <a:buChar char="–"/>
-              <a:defRPr sz="1800" b="0" i="0" kern="1200">
-                <a:solidFill>
-                  <a:schemeClr val="tx1"/>
-                </a:solidFill>
-                <a:latin typeface="+mn-lt"/>
-                <a:ea typeface="+mn-ea"/>
-                <a:cs typeface="+mn-cs"/>
-              </a:defRPr>
-            </a:lvl3pPr>
-            <a:lvl4pPr marL="1600200" indent="-228600" algn="l" defTabSz="914400" rtl="0" eaLnBrk="1" latinLnBrk="0" hangingPunct="1">
-              <a:lnSpc>
-                <a:spcPct val="100000"/>
-              </a:lnSpc>
-              <a:spcBef>
-                <a:spcPts val="500"/>
-              </a:spcBef>
-              <a:buFont typeface="System Font Regular"/>
-              <a:buChar char="–"/>
-              <a:defRPr sz="1600" b="0" i="0" kern="1200">
-                <a:solidFill>
-                  <a:schemeClr val="tx1"/>
-                </a:solidFill>
-                <a:latin typeface="+mn-lt"/>
-                <a:ea typeface="+mn-ea"/>
-                <a:cs typeface="+mn-cs"/>
-              </a:defRPr>
-            </a:lvl4pPr>
-            <a:lvl5pPr marL="2057400" indent="-228600" algn="l" defTabSz="914400" rtl="0" eaLnBrk="1" latinLnBrk="0" hangingPunct="1">
-              <a:lnSpc>
-                <a:spcPct val="100000"/>
-              </a:lnSpc>
-              <a:spcBef>
-                <a:spcPts val="500"/>
-              </a:spcBef>
-              <a:buFont typeface="System Font Regular"/>
-              <a:buChar char="–"/>
-              <a:defRPr sz="1600" b="0" i="0" kern="1200">
-                <a:solidFill>
-                  <a:schemeClr val="tx1"/>
-                </a:solidFill>
-                <a:latin typeface="+mn-lt"/>
-                <a:ea typeface="+mn-ea"/>
-                <a:cs typeface="+mn-cs"/>
-              </a:defRPr>
-            </a:lvl5pPr>
-            <a:lvl6pPr marL="2514600" indent="-228600" algn="l" defTabSz="914400" rtl="0" eaLnBrk="1" latinLnBrk="0" hangingPunct="1">
-              <a:lnSpc>
-                <a:spcPct val="90000"/>
-              </a:lnSpc>
-              <a:spcBef>
-                <a:spcPts val="500"/>
-              </a:spcBef>
-              <a:buFont typeface="Arial" panose="020B0604020202020204" pitchFamily="34" charset="0"/>
-              <a:buChar char="•"/>
-              <a:defRPr sz="1800" kern="1200">
-                <a:solidFill>
-                  <a:schemeClr val="tx1"/>
-                </a:solidFill>
-                <a:latin typeface="+mn-lt"/>
-                <a:ea typeface="+mn-ea"/>
-                <a:cs typeface="+mn-cs"/>
-              </a:defRPr>
-            </a:lvl6pPr>
-            <a:lvl7pPr marL="2971800" indent="-228600" algn="l" defTabSz="914400" rtl="0" eaLnBrk="1" latinLnBrk="0" hangingPunct="1">
-              <a:lnSpc>
-                <a:spcPct val="90000"/>
-              </a:lnSpc>
-              <a:spcBef>
-                <a:spcPts val="500"/>
-              </a:spcBef>
-              <a:buFont typeface="Arial" panose="020B0604020202020204" pitchFamily="34" charset="0"/>
-              <a:buChar char="•"/>
-              <a:defRPr sz="1800" kern="1200">
-                <a:solidFill>
-                  <a:schemeClr val="tx1"/>
-                </a:solidFill>
-                <a:latin typeface="+mn-lt"/>
-                <a:ea typeface="+mn-ea"/>
-                <a:cs typeface="+mn-cs"/>
-              </a:defRPr>
-            </a:lvl7pPr>
-            <a:lvl8pPr marL="3429000" indent="-228600" algn="l" defTabSz="914400" rtl="0" eaLnBrk="1" latinLnBrk="0" hangingPunct="1">
-              <a:lnSpc>
-                <a:spcPct val="90000"/>
-              </a:lnSpc>
-              <a:spcBef>
-                <a:spcPts val="500"/>
-              </a:spcBef>
-              <a:buFont typeface="Arial" panose="020B0604020202020204" pitchFamily="34" charset="0"/>
-              <a:buChar char="•"/>
-              <a:defRPr sz="1800" kern="1200">
-                <a:solidFill>
-                  <a:schemeClr val="tx1"/>
-                </a:solidFill>
-                <a:latin typeface="+mn-lt"/>
-                <a:ea typeface="+mn-ea"/>
-                <a:cs typeface="+mn-cs"/>
-              </a:defRPr>
-            </a:lvl8pPr>
-            <a:lvl9pPr marL="3886200" indent="-228600" algn="l" defTabSz="914400" rtl="0" eaLnBrk="1" latinLnBrk="0" hangingPunct="1">
-              <a:lnSpc>
-                <a:spcPct val="90000"/>
-              </a:lnSpc>
-              <a:spcBef>
-                <a:spcPts val="500"/>
-              </a:spcBef>
-              <a:buFont typeface="Arial" panose="020B0604020202020204" pitchFamily="34" charset="0"/>
-              <a:buChar char="•"/>
-              <a:defRPr sz="1800" kern="1200">
-                <a:solidFill>
-                  <a:schemeClr val="tx1"/>
-                </a:solidFill>
-                <a:latin typeface="+mn-lt"/>
-                <a:ea typeface="+mn-ea"/>
-                <a:cs typeface="+mn-cs"/>
-              </a:defRPr>
-            </a:lvl9pPr>
-          </a:lstStyle>
-          <a:p>
-            <a:pPr algn="just"/>
-            <a:r>
-              <a:rPr lang="en-US" sz="2000" dirty="0"/>
-              <a:t>Predicting academic success </a:t>
-            </a:r>
-            <a:r>
-              <a:rPr lang="en-US" sz="2000" dirty="0">
-                <a:solidFill>
-                  <a:srgbClr val="FF0000"/>
-                </a:solidFill>
-              </a:rPr>
-              <a:t>is a critical first step</a:t>
-            </a:r>
-            <a:r>
-              <a:rPr lang="en-US" sz="2000" dirty="0"/>
-              <a:t> towards personalized education. </a:t>
-            </a:r>
-          </a:p>
-          <a:p>
-            <a:pPr marL="0" indent="0" algn="just">
-              <a:buNone/>
-            </a:pPr>
-            <a:endParaRPr lang="en-US" sz="2000" dirty="0"/>
-          </a:p>
-          <a:p>
-            <a:pPr algn="just"/>
-            <a:r>
-              <a:rPr lang="en-US" sz="2000" dirty="0"/>
-              <a:t>It </a:t>
-            </a:r>
-            <a:r>
-              <a:rPr lang="en-US" sz="2000" dirty="0">
-                <a:solidFill>
-                  <a:srgbClr val="FF0000"/>
-                </a:solidFill>
-              </a:rPr>
-              <a:t>enables</a:t>
-            </a:r>
-            <a:r>
-              <a:rPr lang="en-US" sz="2000" dirty="0"/>
-              <a:t> </a:t>
-            </a:r>
-            <a:r>
-              <a:rPr lang="en-US" sz="2000" dirty="0">
-                <a:solidFill>
-                  <a:srgbClr val="FF0000"/>
-                </a:solidFill>
-              </a:rPr>
-              <a:t>educators</a:t>
-            </a:r>
-            <a:r>
-              <a:rPr lang="en-US" sz="2000" dirty="0"/>
-              <a:t> to </a:t>
-            </a:r>
-            <a:r>
-              <a:rPr lang="en-US" sz="2000" dirty="0">
-                <a:solidFill>
-                  <a:srgbClr val="FF0000"/>
-                </a:solidFill>
-              </a:rPr>
-              <a:t>identify </a:t>
-            </a:r>
-            <a:r>
-              <a:rPr lang="en-US" sz="2000" dirty="0"/>
-              <a:t>individual learners' strengths, weaknesses, and learning preferences.</a:t>
+              <a:t>as shown by previous studies. </a:t>
             </a:r>
           </a:p>
           <a:p>
@@ -5900,7 +5267,7 @@
             <a:pPr algn="just"/>
             <a:r>
               <a:rPr lang="en-US" sz="2000" dirty="0"/>
-              <a:t>The built model identifies </a:t>
+              <a:t>This is because of the </a:t>
             </a:r>
             <a:r>
               <a:rPr lang="en-US" sz="2000" dirty="0">
@@ -5908,24 +5275,34 @@
                   <a:srgbClr val="FF0000"/>
                 </a:solidFill>
               </a:rPr>
-              <a:t>key features and patterns</a:t>
+              <a:t>lack of appropriate datasets</a:t>
             </a:r>
             <a:r>
               <a:rPr lang="en-US" sz="2000" dirty="0"/>
-              <a:t> that influence academic outcomes.</a:t>
-            </a:r>
-          </a:p>
-          <a:p>
-            <a:pPr marL="0" indent="0" algn="just">
-              <a:buNone/>
-            </a:pPr>
+              <a:t>, however, we propose to </a:t>
+            </a:r>
+            <a:r>
+              <a:rPr lang="en-US" sz="2000" dirty="0">
+                <a:solidFill>
+                  <a:srgbClr val="FF0000"/>
+                </a:solidFill>
+              </a:rPr>
+              <a:t>predict academic success </a:t>
+            </a:r>
+            <a:r>
+              <a:rPr lang="en-US" sz="2000" dirty="0"/>
+              <a:t>as it is a first critical step towards personalized education.</a:t>
+            </a:r>
+          </a:p>
+          <a:p>
+            <a:pPr algn="just"/>
             <a:endParaRPr lang="en-US" sz="2000" dirty="0"/>
           </a:p>
           <a:p>
             <a:pPr algn="just"/>
             <a:r>
               <a:rPr lang="en-US" sz="2000" dirty="0"/>
-              <a:t>Allows for </a:t>
+              <a:t>We have developed a user interface for our trained models, serving as a </a:t>
             </a:r>
             <a:r>
               <a:rPr lang="en-US" sz="2000" dirty="0">
@@ -5933,312 +5310,12 @@
                   <a:srgbClr val="FF0000"/>
                 </a:solidFill>
               </a:rPr>
-              <a:t>early interventions </a:t>
+              <a:t>proof of concept </a:t>
             </a:r>
             <a:r>
               <a:rPr lang="en-US" sz="2000" dirty="0"/>
-              <a:t>and the proactive design of tailored resources and learning strategies.</a:t>
-            </a:r>
-          </a:p>
-        </p:txBody>
-      </p:sp>
-      <p:sp>
-        <p:nvSpPr>
-          <p:cNvPr id="12" name="Title 1">
-            <a:extLst>
-              <a:ext uri="{FF2B5EF4-FFF2-40B4-BE49-F238E27FC236}">
-                <a16:creationId xmlns:a16="http://schemas.microsoft.com/office/drawing/2014/main" id="{C5E80CB9-E0A0-C41D-F076-62DCF2A20D37}"/>
-              </a:ext>
-            </a:extLst>
-          </p:cNvPr>
-          <p:cNvSpPr txBox="1">
-            <a:spLocks/>
-          </p:cNvSpPr>
-          <p:nvPr/>
-        </p:nvSpPr>
-        <p:spPr>
-          <a:xfrm>
-            <a:off x="6422824" y="119235"/>
-            <a:ext cx="4320330" cy="671492"/>
-          </a:xfrm>
-          <a:prstGeom prst="rect">
-            <a:avLst/>
-          </a:prstGeom>
-        </p:spPr>
-        <p:txBody>
-          <a:bodyPr vert="horz" lIns="91440" tIns="45720" rIns="91440" bIns="45720" rtlCol="0" anchor="t">
-            <a:normAutofit fontScale="97500"/>
-          </a:bodyPr>
-          <a:lstStyle>
-            <a:lvl1pPr algn="l" defTabSz="914400" rtl="0" eaLnBrk="1" latinLnBrk="0" hangingPunct="1">
-              <a:lnSpc>
-                <a:spcPct val="100000"/>
-              </a:lnSpc>
-              <a:spcBef>
-                <a:spcPct val="0"/>
-              </a:spcBef>
-              <a:buNone/>
-              <a:defRPr sz="4400" b="1" kern="1200">
-                <a:solidFill>
-                  <a:schemeClr val="tx1"/>
-                </a:solidFill>
-                <a:latin typeface="+mj-lt"/>
-                <a:ea typeface="+mj-ea"/>
-                <a:cs typeface="+mj-cs"/>
-              </a:defRPr>
-            </a:lvl1pPr>
-          </a:lstStyle>
-          <a:p>
-            <a:r>
-              <a:rPr lang="en-US" sz="3500" dirty="0"/>
-              <a:t>Proposed Solution</a:t>
-            </a:r>
-          </a:p>
-        </p:txBody>
-      </p:sp>
-      <p:sp>
-        <p:nvSpPr>
-          <p:cNvPr id="19" name="Content Placeholder 2">
-            <a:extLst>
-              <a:ext uri="{FF2B5EF4-FFF2-40B4-BE49-F238E27FC236}">
-                <a16:creationId xmlns:a16="http://schemas.microsoft.com/office/drawing/2014/main" id="{EDC89C60-16AC-7ECB-190B-10817BF89CBA}"/>
-              </a:ext>
-            </a:extLst>
-          </p:cNvPr>
-          <p:cNvSpPr txBox="1">
-            <a:spLocks/>
-          </p:cNvSpPr>
-          <p:nvPr/>
-        </p:nvSpPr>
-        <p:spPr>
-          <a:xfrm>
-            <a:off x="35313" y="933909"/>
-            <a:ext cx="6025373" cy="2960951"/>
-          </a:xfrm>
-          <a:prstGeom prst="rect">
-            <a:avLst/>
-          </a:prstGeom>
-        </p:spPr>
-        <p:txBody>
-          <a:bodyPr vert="horz" lIns="91440" tIns="45720" rIns="91440" bIns="45720" rtlCol="0">
-            <a:normAutofit/>
-          </a:bodyPr>
-          <a:lstStyle>
-            <a:lvl1pPr marL="228600" indent="-228600" algn="l" defTabSz="914400" rtl="0" eaLnBrk="1" latinLnBrk="0" hangingPunct="1">
-              <a:lnSpc>
-                <a:spcPct val="100000"/>
-              </a:lnSpc>
-              <a:spcBef>
-                <a:spcPts val="1000"/>
-              </a:spcBef>
-              <a:buFont typeface="System Font Regular"/>
-              <a:buChar char="–"/>
-              <a:defRPr sz="2400" b="0" i="0" kern="1200">
-                <a:solidFill>
-                  <a:schemeClr val="tx1"/>
-                </a:solidFill>
-                <a:latin typeface="+mn-lt"/>
-                <a:ea typeface="+mn-ea"/>
-                <a:cs typeface="+mn-cs"/>
-              </a:defRPr>
-            </a:lvl1pPr>
-            <a:lvl2pPr marL="685800" indent="-228600" algn="l" defTabSz="914400" rtl="0" eaLnBrk="1" latinLnBrk="0" hangingPunct="1">
-              <a:lnSpc>
-                <a:spcPct val="100000"/>
-              </a:lnSpc>
-              <a:spcBef>
-                <a:spcPts val="500"/>
-              </a:spcBef>
-              <a:buFont typeface="System Font Regular"/>
-              <a:buChar char="–"/>
-              <a:defRPr sz="2000" b="0" i="0" kern="1200">
-                <a:solidFill>
-                  <a:schemeClr val="tx1"/>
-                </a:solidFill>
-                <a:latin typeface="+mn-lt"/>
-                <a:ea typeface="+mn-ea"/>
-                <a:cs typeface="+mn-cs"/>
-              </a:defRPr>
-            </a:lvl2pPr>
-            <a:lvl3pPr marL="1143000" indent="-228600" algn="l" defTabSz="914400" rtl="0" eaLnBrk="1" latinLnBrk="0" hangingPunct="1">
-              <a:lnSpc>
-                <a:spcPct val="100000"/>
-              </a:lnSpc>
-              <a:spcBef>
-                <a:spcPts val="500"/>
-              </a:spcBef>
-              <a:buFont typeface="System Font Regular"/>
-              <a:buChar char="–"/>
-              <a:defRPr sz="1800" b="0" i="0" kern="1200">
-                <a:solidFill>
-                  <a:schemeClr val="tx1"/>
-                </a:solidFill>
-                <a:latin typeface="+mn-lt"/>
-                <a:ea typeface="+mn-ea"/>
-                <a:cs typeface="+mn-cs"/>
-              </a:defRPr>
-            </a:lvl3pPr>
-            <a:lvl4pPr marL="1600200" indent="-228600" algn="l" defTabSz="914400" rtl="0" eaLnBrk="1" latinLnBrk="0" hangingPunct="1">
-              <a:lnSpc>
-                <a:spcPct val="100000"/>
-              </a:lnSpc>
-              <a:spcBef>
-                <a:spcPts val="500"/>
-              </a:spcBef>
-              <a:buFont typeface="System Font Regular"/>
-              <a:buChar char="–"/>
-              <a:defRPr sz="1600" b="0" i="0" kern="1200">
-                <a:solidFill>
-                  <a:schemeClr val="tx1"/>
-                </a:solidFill>
-                <a:latin typeface="+mn-lt"/>
-                <a:ea typeface="+mn-ea"/>
-                <a:cs typeface="+mn-cs"/>
-              </a:defRPr>
-            </a:lvl4pPr>
-            <a:lvl5pPr marL="2057400" indent="-228600" algn="l" defTabSz="914400" rtl="0" eaLnBrk="1" latinLnBrk="0" hangingPunct="1">
-              <a:lnSpc>
-                <a:spcPct val="100000"/>
-              </a:lnSpc>
-              <a:spcBef>
-                <a:spcPts val="500"/>
-              </a:spcBef>
-              <a:buFont typeface="System Font Regular"/>
-              <a:buChar char="–"/>
-              <a:defRPr sz="1600" b="0" i="0" kern="1200">
-                <a:solidFill>
-                  <a:schemeClr val="tx1"/>
-                </a:solidFill>
-                <a:latin typeface="+mn-lt"/>
-                <a:ea typeface="+mn-ea"/>
-                <a:cs typeface="+mn-cs"/>
-              </a:defRPr>
-            </a:lvl5pPr>
-            <a:lvl6pPr marL="2514600" indent="-228600" algn="l" defTabSz="914400" rtl="0" eaLnBrk="1" latinLnBrk="0" hangingPunct="1">
-              <a:lnSpc>
-                <a:spcPct val="90000"/>
-              </a:lnSpc>
-              <a:spcBef>
-                <a:spcPts val="500"/>
-              </a:spcBef>
-              <a:buFont typeface="Arial" panose="020B0604020202020204" pitchFamily="34" charset="0"/>
-              <a:buChar char="•"/>
-              <a:defRPr sz="1800" kern="1200">
-                <a:solidFill>
-                  <a:schemeClr val="tx1"/>
-                </a:solidFill>
-                <a:latin typeface="+mn-lt"/>
-                <a:ea typeface="+mn-ea"/>
-                <a:cs typeface="+mn-cs"/>
-              </a:defRPr>
-            </a:lvl6pPr>
-            <a:lvl7pPr marL="2971800" indent="-228600" algn="l" defTabSz="914400" rtl="0" eaLnBrk="1" latinLnBrk="0" hangingPunct="1">
-              <a:lnSpc>
-                <a:spcPct val="90000"/>
-              </a:lnSpc>
-              <a:spcBef>
-                <a:spcPts val="500"/>
-              </a:spcBef>
-              <a:buFont typeface="Arial" panose="020B0604020202020204" pitchFamily="34" charset="0"/>
-              <a:buChar char="•"/>
-              <a:defRPr sz="1800" kern="1200">
-                <a:solidFill>
-                  <a:schemeClr val="tx1"/>
-                </a:solidFill>
-                <a:latin typeface="+mn-lt"/>
-                <a:ea typeface="+mn-ea"/>
-                <a:cs typeface="+mn-cs"/>
-              </a:defRPr>
-            </a:lvl7pPr>
-            <a:lvl8pPr marL="3429000" indent="-228600" algn="l" defTabSz="914400" rtl="0" eaLnBrk="1" latinLnBrk="0" hangingPunct="1">
-              <a:lnSpc>
-                <a:spcPct val="90000"/>
-              </a:lnSpc>
-              <a:spcBef>
-                <a:spcPts val="500"/>
-              </a:spcBef>
-              <a:buFont typeface="Arial" panose="020B0604020202020204" pitchFamily="34" charset="0"/>
-              <a:buChar char="•"/>
-              <a:defRPr sz="1800" kern="1200">
-                <a:solidFill>
-                  <a:schemeClr val="tx1"/>
-                </a:solidFill>
-                <a:latin typeface="+mn-lt"/>
-                <a:ea typeface="+mn-ea"/>
-                <a:cs typeface="+mn-cs"/>
-              </a:defRPr>
-            </a:lvl8pPr>
-            <a:lvl9pPr marL="3886200" indent="-228600" algn="l" defTabSz="914400" rtl="0" eaLnBrk="1" latinLnBrk="0" hangingPunct="1">
-              <a:lnSpc>
-                <a:spcPct val="90000"/>
-              </a:lnSpc>
-              <a:spcBef>
-                <a:spcPts val="500"/>
-              </a:spcBef>
-              <a:buFont typeface="Arial" panose="020B0604020202020204" pitchFamily="34" charset="0"/>
-              <a:buChar char="•"/>
-              <a:defRPr sz="1800" kern="1200">
-                <a:solidFill>
-                  <a:schemeClr val="tx1"/>
-                </a:solidFill>
-                <a:latin typeface="+mn-lt"/>
-                <a:ea typeface="+mn-ea"/>
-                <a:cs typeface="+mn-cs"/>
-              </a:defRPr>
-            </a:lvl9pPr>
-          </a:lstStyle>
-          <a:p>
-            <a:pPr algn="just"/>
-            <a:r>
-              <a:rPr lang="en-US" sz="1600" dirty="0"/>
-              <a:t>Luan, H., &amp; Tsai, C.-C. (2021). </a:t>
-            </a:r>
-            <a:r>
-              <a:rPr lang="en-US" sz="1600" b="1" dirty="0"/>
-              <a:t>A Review of Using Machine Learning Approaches for Precision Education. </a:t>
-            </a:r>
-            <a:r>
-              <a:rPr lang="en-US" sz="1600" dirty="0"/>
-              <a:t>Educational Technology &amp; Society, 24(1), 250–266. </a:t>
-            </a:r>
-          </a:p>
-          <a:p>
-            <a:pPr algn="just"/>
-            <a:r>
-              <a:rPr lang="en-US" sz="1600" dirty="0"/>
-              <a:t>Ng, Y.-K., &amp; Linn, J. (2017). </a:t>
-            </a:r>
-            <a:r>
-              <a:rPr lang="en-US" sz="1600" b="1" dirty="0" err="1"/>
-              <a:t>CrsRecs</a:t>
-            </a:r>
-            <a:r>
-              <a:rPr lang="en-US" sz="1600" b="1" dirty="0"/>
-              <a:t>: A personalized course recommendation system for college students</a:t>
-            </a:r>
-            <a:r>
-              <a:rPr lang="en-US" sz="1600" dirty="0"/>
-              <a:t>. 2017 8th International Conference on Information, Intelligence, Systems &amp; Applications (IISA). </a:t>
-            </a:r>
-          </a:p>
-          <a:p>
-            <a:pPr algn="just"/>
-            <a:r>
-              <a:rPr lang="en-US" sz="1600" dirty="0"/>
-              <a:t>Shawky, D.M., &amp; Badawi, A.H. (2018). </a:t>
-            </a:r>
-            <a:r>
-              <a:rPr lang="en-US" sz="1600" b="1" dirty="0"/>
-              <a:t>Towards a Personalized Learning Experience Using Reinforcement Learning. </a:t>
-            </a:r>
-            <a:r>
-              <a:rPr lang="en-US" sz="1600" dirty="0"/>
-              <a:t>Machine Learning Paradigms.</a:t>
-            </a:r>
-          </a:p>
-          <a:p>
-            <a:pPr algn="just"/>
-            <a:endParaRPr lang="en-US" sz="1600" dirty="0"/>
+              <a:t>to illustrate the potential applications in personalized education.</a:t>
+            </a:r>
           </a:p>
         </p:txBody>
       </p:sp>
@@ -6252,6 +5329,134 @@
   <p:clrMapOvr>
     <a:masterClrMapping/>
   </p:clrMapOvr>
+  <p:timing>
+    <p:tnLst>
+      <p:par>
+        <p:cTn id="1" dur="indefinite" restart="never" nodeType="tmRoot">
+          <p:childTnLst>
+            <p:seq concurrent="1" nextAc="seek">
+              <p:cTn id="2" dur="indefinite" nodeType="mainSeq">
+                <p:childTnLst>
+                  <p:par>
+                    <p:cTn id="3" fill="hold">
+                      <p:stCondLst>
+                        <p:cond delay="indefinite"/>
+                      </p:stCondLst>
+                      <p:childTnLst>
+                        <p:par>
+                          <p:cTn id="4" fill="hold">
+                            <p:stCondLst>
+                              <p:cond delay="0"/>
+                            </p:stCondLst>
+                            <p:childTnLst>
+                              <p:par>
+                                <p:cTn id="5" presetID="1" presetClass="entr" presetSubtype="0" fill="hold" nodeType="clickEffect">
+                                  <p:stCondLst>
+                                    <p:cond delay="0"/>
+                                  </p:stCondLst>
+                                  <p:childTnLst>
+                                    <p:set>
+                                      <p:cBhvr>
+                                        <p:cTn id="6" dur="1" fill="hold">
+                                          <p:stCondLst>
+                                            <p:cond delay="0"/>
+                                          </p:stCondLst>
+                                        </p:cTn>
+                                        <p:tgtEl>
+                                          <p:spTgt spid="11">
+                                            <p:txEl>
+                                              <p:pRg st="2" end="2"/>
+                                            </p:txEl>
+                                          </p:spTgt>
+                                        </p:tgtEl>
+                                        <p:attrNameLst>
+                                          <p:attrName>style.visibility</p:attrName>
+                                        </p:attrNameLst>
+                                      </p:cBhvr>
+                                      <p:to>
+                                        <p:strVal val="visible"/>
+                                      </p:to>
+                                    </p:set>
+                                  </p:childTnLst>
+                                </p:cTn>
+                              </p:par>
+                            </p:childTnLst>
+                          </p:cTn>
+                        </p:par>
+                      </p:childTnLst>
+                    </p:cTn>
+                  </p:par>
+                  <p:par>
+                    <p:cTn id="7" fill="hold">
+                      <p:stCondLst>
+                        <p:cond delay="indefinite"/>
+                      </p:stCondLst>
+                      <p:childTnLst>
+                        <p:par>
+                          <p:cTn id="8" fill="hold">
+                            <p:stCondLst>
+                              <p:cond delay="0"/>
+                            </p:stCondLst>
+                            <p:childTnLst>
+                              <p:par>
+                                <p:cTn id="9" presetID="1" presetClass="entr" presetSubtype="0" fill="hold" nodeType="clickEffect">
+                                  <p:stCondLst>
+                                    <p:cond delay="0"/>
+                                  </p:stCondLst>
+                                  <p:childTnLst>
+                                    <p:set>
+                                      <p:cBhvr>
+                                        <p:cTn id="10" dur="1" fill="hold">
+                                          <p:stCondLst>
+                                            <p:cond delay="0"/>
+                                          </p:stCondLst>
+                                        </p:cTn>
+                                        <p:tgtEl>
+                                          <p:spTgt spid="11">
+                                            <p:txEl>
+                                              <p:pRg st="4" end="4"/>
+                                            </p:txEl>
+                                          </p:spTgt>
+                                        </p:tgtEl>
+                                        <p:attrNameLst>
+                                          <p:attrName>style.visibility</p:attrName>
+                                        </p:attrNameLst>
+                                      </p:cBhvr>
+                                      <p:to>
+                                        <p:strVal val="visible"/>
+                                      </p:to>
+                                    </p:set>
+                                  </p:childTnLst>
+                                </p:cTn>
+                              </p:par>
+                            </p:childTnLst>
+                          </p:cTn>
+                        </p:par>
+                      </p:childTnLst>
+                    </p:cTn>
+                  </p:par>
+                </p:childTnLst>
+              </p:cTn>
+              <p:prevCondLst>
+                <p:cond evt="onPrev" delay="0">
+                  <p:tgtEl>
+                    <p:sldTgt/>
+                  </p:tgtEl>
+                </p:cond>
+              </p:prevCondLst>
+              <p:nextCondLst>
+                <p:cond evt="onNext" delay="0">
+                  <p:tgtEl>
+                    <p:sldTgt/>
+                  </p:tgtEl>
+                </p:cond>
+              </p:nextCondLst>
+            </p:seq>
+          </p:childTnLst>
+        </p:cTn>
+      </p:par>
+    </p:tnLst>
+  </p:timing>
 </p:sld>
 </file>
 
@@ -6288,8 +5493,8 @@
         </p:nvSpPr>
         <p:spPr>
           <a:xfrm>
-            <a:off x="179723" y="7459"/>
-            <a:ext cx="11671965" cy="816746"/>
+            <a:off x="2510884" y="461219"/>
+            <a:ext cx="7170231" cy="816746"/>
           </a:xfrm>
           <a:prstGeom prst="rect">
             <a:avLst/>
@@ -6321,7 +5526,7 @@
           <a:p>
             <a:r>
               <a:rPr lang="en-US" sz="4000" b="1" dirty="0"/>
-              <a:t>1. Dataset</a:t>
+              <a:t>User Interface – Tech Stack </a:t>
             </a:r>
           </a:p>
         </p:txBody>
@@ -6379,10 +5584,10 @@
       </p:sp>
       <p:sp>
         <p:nvSpPr>
-          <p:cNvPr id="10" name="Content Placeholder 2">
+          <p:cNvPr id="2" name="Content Placeholder 2">
             <a:extLst>
               <a:ext uri="{FF2B5EF4-FFF2-40B4-BE49-F238E27FC236}">
-                <a16:creationId xmlns:a16="http://schemas.microsoft.com/office/drawing/2014/main" id="{AAF7AC6A-45BD-A246-22C3-8EFAE73FD89D}"/>
+                <a16:creationId xmlns:a16="http://schemas.microsoft.com/office/drawing/2014/main" id="{4C1A985E-566D-725B-F11D-9C9FC273B373}"/>
               </a:ext>
             </a:extLst>
           </p:cNvPr>
@@ -6393,8 +5598,8 @@
         </p:nvSpPr>
         <p:spPr>
           <a:xfrm>
-            <a:off x="297015" y="937686"/>
-            <a:ext cx="10801620" cy="2960951"/>
+            <a:off x="545991" y="1881385"/>
+            <a:ext cx="10319267" cy="4434916"/>
           </a:xfrm>
           <a:prstGeom prst="rect">
             <a:avLst/>
@@ -6569,54 +5774,170 @@
             </a:lvl9pPr>
           </a:lstStyle>
           <a:p>
-            <a:r>
-              <a:rPr lang="en-US" sz="1800" b="1" dirty="0"/>
-              <a:t>Real dataset </a:t>
-            </a:r>
-            <a:r>
-              <a:rPr lang="en-US" sz="1800" dirty="0"/>
-              <a:t>from a higher education institution in Portugal, containing 4424 student datapoints.</a:t>
-            </a:r>
-          </a:p>
-          <a:p>
-            <a:r>
-              <a:rPr lang="en-US" sz="1800" dirty="0"/>
-              <a:t>36 </a:t>
-            </a:r>
-            <a:r>
-              <a:rPr lang="en-US" sz="1800" b="1" dirty="0"/>
-              <a:t>academic, demographic, macro and academic enrollment, and socio-economic </a:t>
-            </a:r>
-            <a:r>
-              <a:rPr lang="en-US" sz="1800" dirty="0"/>
-              <a:t>features</a:t>
-            </a:r>
-          </a:p>
-          <a:p>
-            <a:r>
-              <a:rPr lang="en-US" sz="1800" dirty="0"/>
-              <a:t>The dataset was</a:t>
-            </a:r>
-            <a:r>
-              <a:rPr lang="en-US" sz="1800" b="1" dirty="0"/>
-              <a:t> preprocessed and cleaned </a:t>
-            </a:r>
-            <a:r>
-              <a:rPr lang="en-US" sz="1800" dirty="0"/>
-              <a:t>before the training process</a:t>
-            </a:r>
-          </a:p>
-          <a:p>
-            <a:endParaRPr lang="en-US" sz="1800" dirty="0"/>
+            <a:pPr algn="just"/>
+            <a:r>
+              <a:rPr lang="en-US" sz="2000" dirty="0"/>
+              <a:t>The user interface was made using a python framework called </a:t>
+            </a:r>
+            <a:r>
+              <a:rPr lang="en-US" sz="2000" dirty="0" err="1">
+                <a:solidFill>
+                  <a:srgbClr val="FF0000"/>
+                </a:solidFill>
+              </a:rPr>
+              <a:t>Streamlit</a:t>
+            </a:r>
+            <a:r>
+              <a:rPr lang="en-US" sz="2000" dirty="0">
+                <a:solidFill>
+                  <a:srgbClr val="FF0000"/>
+                </a:solidFill>
+              </a:rPr>
+              <a:t>.</a:t>
+            </a:r>
+          </a:p>
+          <a:p>
+            <a:pPr marL="0" indent="0" algn="just">
+              <a:buNone/>
+            </a:pPr>
+            <a:endParaRPr lang="en-US" sz="2000" dirty="0">
+              <a:solidFill>
+                <a:srgbClr val="FF0000"/>
+              </a:solidFill>
+            </a:endParaRPr>
+          </a:p>
+          <a:p>
+            <a:pPr algn="just"/>
+            <a:r>
+              <a:rPr lang="en-US" sz="2000" dirty="0"/>
+              <a:t>It is a framework to build </a:t>
+            </a:r>
+            <a:r>
+              <a:rPr lang="en-US" sz="2000" dirty="0">
+                <a:solidFill>
+                  <a:srgbClr val="FF0000"/>
+                </a:solidFill>
+              </a:rPr>
+              <a:t>web applications for machine learning.</a:t>
+            </a:r>
+          </a:p>
+          <a:p>
+            <a:pPr algn="just"/>
+            <a:endParaRPr lang="en-US" sz="2000" dirty="0">
+              <a:solidFill>
+                <a:srgbClr val="FF0000"/>
+              </a:solidFill>
+            </a:endParaRPr>
+          </a:p>
+          <a:p>
+            <a:pPr algn="just"/>
+            <a:r>
+              <a:rPr lang="en-US" sz="2000" dirty="0"/>
+              <a:t>The UI built allows educators, administrators, and students </a:t>
+            </a:r>
+            <a:r>
+              <a:rPr lang="en-US" sz="2000" dirty="0">
+                <a:solidFill>
+                  <a:srgbClr val="FF0000"/>
+                </a:solidFill>
+              </a:rPr>
+              <a:t>predict academic outcomes </a:t>
+            </a:r>
+            <a:r>
+              <a:rPr lang="en-US" sz="2000" dirty="0"/>
+              <a:t>based on </a:t>
+            </a:r>
+            <a:r>
+              <a:rPr lang="en-US" sz="2000" dirty="0">
+                <a:solidFill>
+                  <a:srgbClr val="FF0000"/>
+                </a:solidFill>
+              </a:rPr>
+              <a:t>academic, socio-economic, demographic, </a:t>
+            </a:r>
+            <a:r>
+              <a:rPr lang="en-US" sz="2000" dirty="0">
+                <a:solidFill>
+                  <a:schemeClr val="tx2"/>
+                </a:solidFill>
+              </a:rPr>
+              <a:t>and</a:t>
+            </a:r>
+            <a:r>
+              <a:rPr lang="en-US" sz="2000" dirty="0">
+                <a:solidFill>
+                  <a:srgbClr val="FF0000"/>
+                </a:solidFill>
+              </a:rPr>
+              <a:t> social features. </a:t>
+            </a:r>
+          </a:p>
+          <a:p>
+            <a:pPr algn="just"/>
+            <a:endParaRPr lang="en-US" sz="2000" dirty="0">
+              <a:solidFill>
+                <a:srgbClr val="FF0000"/>
+              </a:solidFill>
+            </a:endParaRPr>
+          </a:p>
+          <a:p>
+            <a:pPr algn="just"/>
+            <a:r>
+              <a:rPr lang="en-US" sz="2000" dirty="0">
+                <a:solidFill>
+                  <a:schemeClr val="tx2"/>
+                </a:solidFill>
+              </a:rPr>
+              <a:t>There are a total of </a:t>
+            </a:r>
+            <a:r>
+              <a:rPr lang="en-US" sz="2000" dirty="0">
+                <a:solidFill>
+                  <a:srgbClr val="FF0000"/>
+                </a:solidFill>
+              </a:rPr>
+              <a:t>4 models </a:t>
+            </a:r>
+            <a:r>
+              <a:rPr lang="en-US" sz="2000" dirty="0">
+                <a:solidFill>
+                  <a:schemeClr val="tx2"/>
+                </a:solidFill>
+              </a:rPr>
+              <a:t>to make predictions of various academic outcomes</a:t>
+            </a:r>
+          </a:p>
+          <a:p>
+            <a:pPr algn="just"/>
+            <a:endParaRPr lang="en-US" sz="2000" dirty="0">
+              <a:solidFill>
+                <a:srgbClr val="FF0000"/>
+              </a:solidFill>
+            </a:endParaRPr>
+          </a:p>
+          <a:p>
+            <a:pPr algn="just"/>
+            <a:r>
+              <a:rPr lang="en-US" sz="2000" dirty="0">
+                <a:solidFill>
+                  <a:srgbClr val="FF0000"/>
+                </a:solidFill>
+              </a:rPr>
+              <a:t>SQLite3</a:t>
+            </a:r>
+            <a:r>
+              <a:rPr lang="en-US" sz="2000" dirty="0"/>
+              <a:t> was used to store the datasets in different tables of a database.</a:t>
+            </a:r>
           </a:p>
         </p:txBody>
       </p:sp>
       <p:pic>
         <p:nvPicPr>
-          <p:cNvPr id="1026" name="Picture 2">
+          <p:cNvPr id="3" name="Picture 2" descr="Python Tutorial: Streamlit | DataCamp">
             <a:extLst>
               <a:ext uri="{FF2B5EF4-FFF2-40B4-BE49-F238E27FC236}">
-                <a16:creationId xmlns:a16="http://schemas.microsoft.com/office/drawing/2014/main" id="{67DC2268-4093-3C4F-C155-E8E83411CBBF}"/>
+                <a16:creationId xmlns:a16="http://schemas.microsoft.com/office/drawing/2014/main" id="{71374028-499E-1A40-DF72-D07DCE475171}"/>
               </a:ext>
             </a:extLst>
           </p:cNvPr>
@@ -6640,8 +5961,8 @@
         </p:blipFill>
         <p:spPr bwMode="auto">
           <a:xfrm>
-            <a:off x="0" y="2831978"/>
-            <a:ext cx="3885962" cy="4033482"/>
+            <a:off x="9964316" y="1664067"/>
+            <a:ext cx="2228013" cy="1304026"/>
           </a:xfrm>
           <a:prstGeom prst="rect">
             <a:avLst/>
@@ -6660,62 +5981,49 @@
       </p:pic>
       <p:pic>
         <p:nvPicPr>
-          <p:cNvPr id="12" name="Picture 11">
+          <p:cNvPr id="1026" name="Picture 2" descr="SQLite">
             <a:extLst>
               <a:ext uri="{FF2B5EF4-FFF2-40B4-BE49-F238E27FC236}">
-                <a16:creationId xmlns:a16="http://schemas.microsoft.com/office/drawing/2014/main" id="{B89AD3A4-174A-04EE-D74B-D1F93B3D0A8F}"/>
+                <a16:creationId xmlns:a16="http://schemas.microsoft.com/office/drawing/2014/main" id="{BE7CD0DE-8BE0-3867-BEA2-6F7CDF74CA70}"/>
               </a:ext>
             </a:extLst>
           </p:cNvPr>
           <p:cNvPicPr>
-            <a:picLocks noChangeAspect="1"/>
+            <a:picLocks noChangeAspect="1" noChangeArrowheads="1"/>
           </p:cNvPicPr>
           <p:nvPr/>
         </p:nvPicPr>
         <p:blipFill>
-          <a:blip r:embed="rId3"/>
+          <a:blip r:embed="rId3">
+            <a:extLst>
+              <a:ext uri="{28A0092B-C50C-407E-A947-70E740481C1C}">
+                <a14:useLocalDpi xmlns:a14="http://schemas.microsoft.com/office/drawing/2010/main" val="0"/>
+              </a:ext>
+            </a:extLst>
+          </a:blip>
+          <a:srcRect/>
           <a:stretch>
             <a:fillRect/>
           </a:stretch>
         </p:blipFill>
-        <p:spPr>
+        <p:spPr bwMode="auto">
           <a:xfrm>
-            <a:off x="3885962" y="2670761"/>
-            <a:ext cx="3960240" cy="4194699"/>
+            <a:off x="9964316" y="5571594"/>
+            <a:ext cx="2095500" cy="962025"/>
           </a:xfrm>
           <a:prstGeom prst="rect">
             <a:avLst/>
           </a:prstGeom>
-        </p:spPr>
-      </p:pic>
-      <p:pic>
-        <p:nvPicPr>
-          <p:cNvPr id="14" name="Picture 13">
-            <a:extLst>
-              <a:ext uri="{FF2B5EF4-FFF2-40B4-BE49-F238E27FC236}">
-                <a16:creationId xmlns:a16="http://schemas.microsoft.com/office/drawing/2014/main" id="{08A9D1A6-E582-0897-BD4E-3DB3FBF2C76E}"/>
-              </a:ext>
-            </a:extLst>
-          </p:cNvPr>
-          <p:cNvPicPr>
-            <a:picLocks noChangeAspect="1"/>
-          </p:cNvPicPr>
-          <p:nvPr/>
-        </p:nvPicPr>
-        <p:blipFill>
-          <a:blip r:embed="rId4"/>
-          <a:stretch>
-            <a:fillRect/>
-          </a:stretch>
-        </p:blipFill>
-        <p:spPr>
-          <a:xfrm>
-            <a:off x="7971570" y="2663301"/>
-            <a:ext cx="4096652" cy="4194699"/>
-          </a:xfrm>
-          <a:prstGeom prst="rect">
-            <a:avLst/>
-          </a:prstGeom>
+          <a:noFill/>
+          <a:extLst>
+            <a:ext uri="{909E8E84-426E-40DD-AFC4-6F175D3DCCD1}">
+              <a14:hiddenFill xmlns:a14="http://schemas.microsoft.com/office/drawing/2010/main">
+                <a:solidFill>
+                  <a:srgbClr val="FFFFFF"/>
+                </a:solidFill>
+              </a14:hiddenFill>
+            </a:ext>
+          </a:extLst>
         </p:spPr>
       </p:pic>
     </p:spTree>
@@ -6728,6 +6036,232 @@
   <p:clrMapOvr>
     <a:masterClrMapping/>
   </p:clrMapOvr>
+  <p:timing>
+    <p:tnLst>
+      <p:par>
+        <p:cTn id="1" dur="indefinite" restart="never" nodeType="tmRoot">
+          <p:childTnLst>
+            <p:seq concurrent="1" nextAc="seek">
+              <p:cTn id="2" dur="indefinite" nodeType="mainSeq">
+                <p:childTnLst>
+                  <p:par>
+                    <p:cTn id="3" fill="hold">
+                      <p:stCondLst>
+                        <p:cond delay="indefinite"/>
+                      </p:stCondLst>
+                      <p:childTnLst>
+                        <p:par>
+                          <p:cTn id="4" fill="hold">
+                            <p:stCondLst>
+                              <p:cond delay="0"/>
+                            </p:stCondLst>
+                            <p:childTnLst>
+                              <p:par>
+                                <p:cTn id="5" presetID="1" presetClass="entr" presetSubtype="0" fill="hold" nodeType="clickEffect">
+                                  <p:stCondLst>
+                                    <p:cond delay="0"/>
+                                  </p:stCondLst>
+                                  <p:childTnLst>
+                                    <p:set>
+                                      <p:cBhvr>
+                                        <p:cTn id="6" dur="1" fill="hold">
+                                          <p:stCondLst>
+                                            <p:cond delay="0"/>
+                                          </p:stCondLst>
+                                        </p:cTn>
+                                        <p:tgtEl>
+                                          <p:spTgt spid="2">
+                                            <p:txEl>
+                                              <p:pRg st="2" end="2"/>
+                                            </p:txEl>
+                                          </p:spTgt>
+                                        </p:tgtEl>
+                                        <p:attrNameLst>
+                                          <p:attrName>style.visibility</p:attrName>
+                                        </p:attrNameLst>
+                                      </p:cBhvr>
+                                      <p:to>
+                                        <p:strVal val="visible"/>
+                                      </p:to>
+                                    </p:set>
+                                  </p:childTnLst>
+                                </p:cTn>
+                              </p:par>
+                            </p:childTnLst>
+                          </p:cTn>
+                        </p:par>
+                      </p:childTnLst>
+                    </p:cTn>
+                  </p:par>
+                  <p:par>
+                    <p:cTn id="7" fill="hold">
+                      <p:stCondLst>
+                        <p:cond delay="indefinite"/>
+                      </p:stCondLst>
+                      <p:childTnLst>
+                        <p:par>
+                          <p:cTn id="8" fill="hold">
+                            <p:stCondLst>
+                              <p:cond delay="0"/>
+                            </p:stCondLst>
+                            <p:childTnLst>
+                              <p:par>
+                                <p:cTn id="9" presetID="1" presetClass="entr" presetSubtype="0" fill="hold" nodeType="clickEffect">
+                                  <p:stCondLst>
+                                    <p:cond delay="0"/>
+                                  </p:stCondLst>
+                                  <p:childTnLst>
+                                    <p:set>
+                                      <p:cBhvr>
+                                        <p:cTn id="10" dur="1" fill="hold">
+                                          <p:stCondLst>
+                                            <p:cond delay="0"/>
+                                          </p:stCondLst>
+                                        </p:cTn>
+                                        <p:tgtEl>
+                                          <p:spTgt spid="2">
+                                            <p:txEl>
+                                              <p:pRg st="4" end="4"/>
+                                            </p:txEl>
+                                          </p:spTgt>
+                                        </p:tgtEl>
+                                        <p:attrNameLst>
+                                          <p:attrName>style.visibility</p:attrName>
+                                        </p:attrNameLst>
+                                      </p:cBhvr>
+                                      <p:to>
+                                        <p:strVal val="visible"/>
+                                      </p:to>
+                                    </p:set>
+                                  </p:childTnLst>
+                                </p:cTn>
+                              </p:par>
+                            </p:childTnLst>
+                          </p:cTn>
+                        </p:par>
+                      </p:childTnLst>
+                    </p:cTn>
+                  </p:par>
+                  <p:par>
+                    <p:cTn id="11" fill="hold">
+                      <p:stCondLst>
+                        <p:cond delay="indefinite"/>
+                      </p:stCondLst>
+                      <p:childTnLst>
+                        <p:par>
+                          <p:cTn id="12" fill="hold">
+                            <p:stCondLst>
+                              <p:cond delay="0"/>
+                            </p:stCondLst>
+                            <p:childTnLst>
+                              <p:par>
+                                <p:cTn id="13" presetID="1" presetClass="entr" presetSubtype="0" fill="hold" nodeType="clickEffect">
+                                  <p:stCondLst>
+                                    <p:cond delay="0"/>
+                                  </p:stCondLst>
+                                  <p:childTnLst>
+                                    <p:set>
+                                      <p:cBhvr>
+                                        <p:cTn id="14" dur="1" fill="hold">
+                                          <p:stCondLst>
+                                            <p:cond delay="0"/>
+                                          </p:stCondLst>
+                                        </p:cTn>
+                                        <p:tgtEl>
+                                          <p:spTgt spid="2">
+                                            <p:txEl>
+                                              <p:pRg st="6" end="6"/>
+                                            </p:txEl>
+                                          </p:spTgt>
+                                        </p:tgtEl>
+                                        <p:attrNameLst>
+                                          <p:attrName>style.visibility</p:attrName>
+                                        </p:attrNameLst>
+                                      </p:cBhvr>
+                                      <p:to>
+                                        <p:strVal val="visible"/>
+                                      </p:to>
+                                    </p:set>
+                                  </p:childTnLst>
+                                </p:cTn>
+                              </p:par>
+                            </p:childTnLst>
+                          </p:cTn>
+                        </p:par>
+                      </p:childTnLst>
+                    </p:cTn>
+                  </p:par>
+                  <p:par>
+                    <p:cTn id="15" fill="hold">
+                      <p:stCondLst>
+                        <p:cond delay="indefinite"/>
+                      </p:stCondLst>
+                      <p:childTnLst>
+                        <p:par>
+                          <p:cTn id="16" fill="hold">
+                            <p:stCondLst>
+                              <p:cond delay="0"/>
+                            </p:stCondLst>
+                            <p:childTnLst>
+                              <p:par>
+                                <p:cTn id="17" presetID="1" presetClass="entr" presetSubtype="0" fill="hold" nodeType="clickEffect">
+                                  <p:stCondLst>
+                                    <p:cond delay="0"/>
+                                  </p:stCondLst>
+                                  <p:childTnLst>
+                                    <p:set>
+                                      <p:cBhvr>
+                                        <p:cTn id="18" dur="1" fill="hold">
+                                          <p:stCondLst>
+                                            <p:cond delay="0"/>
+                                          </p:stCondLst>
+                                        </p:cTn>
+                                        <p:tgtEl>
+                                          <p:spTgt spid="2">
+                                            <p:txEl>
+                                              <p:pRg st="8" end="8"/>
+                                            </p:txEl>
+                                          </p:spTgt>
+                                        </p:tgtEl>
+                                        <p:attrNameLst>
+                                          <p:attrName>style.visibility</p:attrName>
+                                        </p:attrNameLst>
+                                      </p:cBhvr>
+                                      <p:to>
+                                        <p:strVal val="visible"/>
+                                      </p:to>
+                                    </p:set>
+                                  </p:childTnLst>
+                                </p:cTn>
+                              </p:par>
+                            </p:childTnLst>
+                          </p:cTn>
+                        </p:par>
+                      </p:childTnLst>
+                    </p:cTn>
+                  </p:par>
+                </p:childTnLst>
+              </p:cTn>
+              <p:prevCondLst>
+                <p:cond evt="onPrev" delay="0">
+                  <p:tgtEl>
+                    <p:sldTgt/>
+                  </p:tgtEl>
+                </p:cond>
+              </p:prevCondLst>
+              <p:nextCondLst>
+                <p:cond evt="onNext" delay="0">
+                  <p:tgtEl>
+                    <p:sldTgt/>
+                  </p:tgtEl>
+                </p:cond>
+              </p:nextCondLst>
+            </p:seq>
+          </p:childTnLst>
+        </p:cTn>
+      </p:par>
+    </p:tnLst>
+  </p:timing>
 </p:sld>
 </file>
 
@@ -6753,7 +6287,7 @@
           <p:cNvPr id="2" name="Title 1">
             <a:extLst>
               <a:ext uri="{FF2B5EF4-FFF2-40B4-BE49-F238E27FC236}">
-                <a16:creationId xmlns:a16="http://schemas.microsoft.com/office/drawing/2014/main" id="{449549B9-AA3B-F6AD-8781-2B65F4BE34CA}"/>
+                <a16:creationId xmlns:a16="http://schemas.microsoft.com/office/drawing/2014/main" id="{7FDA3CF6-7953-E76A-A38F-9C433E66D3D0}"/>
               </a:ext>
             </a:extLst>
           </p:cNvPr>
@@ -6764,8 +6298,8 @@
         </p:nvSpPr>
         <p:spPr>
           <a:xfrm>
-            <a:off x="179723" y="7459"/>
-            <a:ext cx="11671965" cy="816746"/>
+            <a:off x="2943325" y="43177"/>
+            <a:ext cx="7257590" cy="405962"/>
           </a:xfrm>
           <a:prstGeom prst="rect">
             <a:avLst/>
@@ -6773,7 +6307,7 @@
         </p:spPr>
         <p:txBody>
           <a:bodyPr vert="horz" lIns="91440" tIns="45720" rIns="91440" bIns="45720" rtlCol="0" anchor="t">
-            <a:normAutofit/>
+            <a:normAutofit fontScale="92500" lnSpcReduction="10000"/>
           </a:bodyPr>
           <a:lstStyle>
             <a:lvl1pPr algn="l" defTabSz="914400" rtl="0" eaLnBrk="1" latinLnBrk="0" hangingPunct="1">
@@ -6796,8 +6330,8 @@
           </a:lstStyle>
           <a:p>
             <a:r>
-              <a:rPr lang="en-US" sz="4000" b="1" dirty="0"/>
-              <a:t>2. Machine Learning Models</a:t>
+              <a:rPr lang="en-US" sz="2400" b="1" dirty="0"/>
+              <a:t>The 4 academic success predictor models trained</a:t>
             </a:r>
           </a:p>
         </p:txBody>
@@ -6807,7 +6341,7 @@
           <p:cNvPr id="3" name="Content Placeholder 2">
             <a:extLst>
               <a:ext uri="{FF2B5EF4-FFF2-40B4-BE49-F238E27FC236}">
-                <a16:creationId xmlns:a16="http://schemas.microsoft.com/office/drawing/2014/main" id="{194ADFD9-E933-01EA-FABE-D5F49A9AB86B}"/>
+                <a16:creationId xmlns:a16="http://schemas.microsoft.com/office/drawing/2014/main" id="{929A4A6F-DDE7-CF7A-E2CC-AE862CBA2A3B}"/>
               </a:ext>
             </a:extLst>
           </p:cNvPr>
@@ -6818,8 +6352,8 @@
         </p:nvSpPr>
         <p:spPr>
           <a:xfrm>
-            <a:off x="484912" y="828015"/>
-            <a:ext cx="11671965" cy="1898094"/>
+            <a:off x="156476" y="898055"/>
+            <a:ext cx="5730521" cy="2434888"/>
           </a:xfrm>
           <a:prstGeom prst="rect">
             <a:avLst/>
@@ -6994,114 +6528,1571 @@
             </a:lvl9pPr>
           </a:lstStyle>
           <a:p>
-            <a:r>
-              <a:rPr lang="en-US" sz="2000" dirty="0"/>
-              <a:t>The dataset was divided into </a:t>
-            </a:r>
-            <a:r>
-              <a:rPr lang="en-US" sz="2000" b="1" dirty="0"/>
-              <a:t>20% test and 80% train. </a:t>
-            </a:r>
-          </a:p>
-          <a:p>
-            <a:r>
-              <a:rPr lang="en-US" sz="2000" b="1" dirty="0"/>
-              <a:t>14 Machine learning </a:t>
-            </a:r>
-            <a:r>
-              <a:rPr lang="en-US" sz="2000" dirty="0"/>
-              <a:t>techniques were used, and their performance was compared to choose the best one.</a:t>
-            </a:r>
-          </a:p>
-          <a:p>
-            <a:r>
-              <a:rPr lang="en-US" sz="2000" dirty="0"/>
-              <a:t>Hyperparameter tuning was conducted using </a:t>
-            </a:r>
-            <a:r>
-              <a:rPr lang="en-US" sz="2000" dirty="0" err="1"/>
-              <a:t>GridSearchCV</a:t>
-            </a:r>
-            <a:r>
-              <a:rPr lang="en-US" sz="2000" dirty="0"/>
-              <a:t> for optimal results.</a:t>
-            </a:r>
-          </a:p>
-          <a:p>
-            <a:pPr marL="0" indent="0">
-              <a:buNone/>
+            <a:pPr algn="just">
+              <a:buFont typeface="Arial" panose="020B0604020202020204" pitchFamily="34" charset="0"/>
+              <a:buChar char="•"/>
             </a:pPr>
-            <a:endParaRPr lang="en-US" sz="2000" dirty="0"/>
-          </a:p>
-          <a:p>
-            <a:pPr marL="0" indent="0">
-              <a:buNone/>
+            <a:r>
+              <a:rPr lang="en-US" sz="1600" b="1" i="0" dirty="0">
+                <a:solidFill>
+                  <a:srgbClr val="31333F"/>
+                </a:solidFill>
+                <a:effectLst/>
+                <a:latin typeface="Source Sans Pro" panose="020B0503030403020204" pitchFamily="34" charset="0"/>
+              </a:rPr>
+              <a:t>Type</a:t>
+            </a:r>
+            <a:r>
+              <a:rPr lang="en-US" sz="1600" b="0" i="0" dirty="0">
+                <a:solidFill>
+                  <a:srgbClr val="31333F"/>
+                </a:solidFill>
+                <a:effectLst/>
+                <a:latin typeface="Source Sans Pro" panose="020B0503030403020204" pitchFamily="34" charset="0"/>
+              </a:rPr>
+              <a:t>: Logistic Regression Model</a:t>
+            </a:r>
+          </a:p>
+          <a:p>
+            <a:pPr algn="just">
+              <a:buFont typeface="Arial" panose="020B0604020202020204" pitchFamily="34" charset="0"/>
+              <a:buChar char="•"/>
             </a:pPr>
-            <a:endParaRPr lang="en-US" sz="2000" dirty="0"/>
+            <a:r>
+              <a:rPr lang="en-US" sz="1600" b="1" i="0" dirty="0">
+                <a:solidFill>
+                  <a:srgbClr val="31333F"/>
+                </a:solidFill>
+                <a:effectLst/>
+                <a:latin typeface="Source Sans Pro" panose="020B0503030403020204" pitchFamily="34" charset="0"/>
+              </a:rPr>
+              <a:t>Objective</a:t>
+            </a:r>
+            <a:r>
+              <a:rPr lang="en-US" sz="1600" b="0" i="0" dirty="0">
+                <a:solidFill>
+                  <a:srgbClr val="31333F"/>
+                </a:solidFill>
+                <a:effectLst/>
+                <a:latin typeface="Source Sans Pro" panose="020B0503030403020204" pitchFamily="34" charset="0"/>
+              </a:rPr>
+              <a:t>: Predict graduation and dropout rates</a:t>
+            </a:r>
+          </a:p>
+          <a:p>
+            <a:pPr algn="just">
+              <a:buFont typeface="Arial" panose="020B0604020202020204" pitchFamily="34" charset="0"/>
+              <a:buChar char="•"/>
+            </a:pPr>
+            <a:r>
+              <a:rPr lang="en-US" sz="1600" b="1" i="0" dirty="0">
+                <a:solidFill>
+                  <a:srgbClr val="31333F"/>
+                </a:solidFill>
+                <a:effectLst/>
+                <a:latin typeface="Source Sans Pro" panose="020B0503030403020204" pitchFamily="34" charset="0"/>
+              </a:rPr>
+              <a:t>Accuracy</a:t>
+            </a:r>
+            <a:r>
+              <a:rPr lang="en-US" sz="1600" b="0" i="0" dirty="0">
+                <a:solidFill>
+                  <a:srgbClr val="31333F"/>
+                </a:solidFill>
+                <a:effectLst/>
+                <a:latin typeface="Source Sans Pro" panose="020B0503030403020204" pitchFamily="34" charset="0"/>
+              </a:rPr>
+              <a:t>: 92%</a:t>
+            </a:r>
+          </a:p>
+          <a:p>
+            <a:pPr algn="just">
+              <a:buFont typeface="Arial" panose="020B0604020202020204" pitchFamily="34" charset="0"/>
+              <a:buChar char="•"/>
+            </a:pPr>
+            <a:r>
+              <a:rPr lang="en-US" sz="1600" b="1" i="0" dirty="0">
+                <a:solidFill>
+                  <a:srgbClr val="31333F"/>
+                </a:solidFill>
+                <a:effectLst/>
+                <a:latin typeface="Source Sans Pro" panose="020B0503030403020204" pitchFamily="34" charset="0"/>
+              </a:rPr>
+              <a:t>Dataset</a:t>
+            </a:r>
+            <a:r>
+              <a:rPr lang="en-US" sz="1600" b="0" i="0" dirty="0">
+                <a:solidFill>
+                  <a:srgbClr val="31333F"/>
+                </a:solidFill>
+                <a:effectLst/>
+                <a:latin typeface="Source Sans Pro" panose="020B0503030403020204" pitchFamily="34" charset="0"/>
+              </a:rPr>
+              <a:t>: </a:t>
+            </a:r>
+            <a:r>
+              <a:rPr lang="en-US" sz="1600" b="0" i="0" dirty="0">
+                <a:solidFill>
+                  <a:srgbClr val="FF0000"/>
+                </a:solidFill>
+                <a:effectLst/>
+                <a:latin typeface="Source Sans Pro" panose="020B0503030403020204" pitchFamily="34" charset="0"/>
+              </a:rPr>
+              <a:t>4424 students and 36 features. </a:t>
+            </a:r>
+            <a:r>
+              <a:rPr lang="en-US" sz="1600" b="0" i="0" dirty="0">
+                <a:solidFill>
+                  <a:srgbClr val="31333F"/>
+                </a:solidFill>
+                <a:effectLst/>
+                <a:latin typeface="Source Sans Pro" panose="020B0503030403020204" pitchFamily="34" charset="0"/>
+              </a:rPr>
+              <a:t>Socio-economic, demographic, macro, and enrollment data, academic features.</a:t>
+            </a:r>
+          </a:p>
+          <a:p>
+            <a:pPr algn="just">
+              <a:buFont typeface="Arial" panose="020B0604020202020204" pitchFamily="34" charset="0"/>
+              <a:buChar char="•"/>
+            </a:pPr>
+            <a:r>
+              <a:rPr lang="en-US" sz="1600" b="1" i="0" dirty="0">
+                <a:solidFill>
+                  <a:srgbClr val="31333F"/>
+                </a:solidFill>
+                <a:effectLst/>
+                <a:latin typeface="Source Sans Pro" panose="020B0503030403020204" pitchFamily="34" charset="0"/>
+              </a:rPr>
+              <a:t>Preprocessing</a:t>
+            </a:r>
+            <a:r>
+              <a:rPr lang="en-US" sz="1600" b="0" i="0" dirty="0">
+                <a:solidFill>
+                  <a:srgbClr val="31333F"/>
+                </a:solidFill>
+                <a:effectLst/>
+                <a:latin typeface="Source Sans Pro" panose="020B0503030403020204" pitchFamily="34" charset="0"/>
+              </a:rPr>
+              <a:t>: (3630x33)</a:t>
+            </a:r>
+          </a:p>
+          <a:p>
+            <a:pPr algn="just">
+              <a:buFont typeface="Arial" panose="020B0604020202020204" pitchFamily="34" charset="0"/>
+              <a:buChar char="•"/>
+            </a:pPr>
+            <a:r>
+              <a:rPr lang="en-US" sz="1600" b="1" i="0" dirty="0">
+                <a:solidFill>
+                  <a:srgbClr val="31333F"/>
+                </a:solidFill>
+                <a:effectLst/>
+                <a:latin typeface="Source Sans Pro" panose="020B0503030403020204" pitchFamily="34" charset="0"/>
+              </a:rPr>
+              <a:t>Key Factors</a:t>
+            </a:r>
+            <a:r>
+              <a:rPr lang="en-US" sz="1600" b="0" i="0" dirty="0">
+                <a:solidFill>
+                  <a:srgbClr val="31333F"/>
+                </a:solidFill>
+                <a:effectLst/>
+                <a:latin typeface="Source Sans Pro" panose="020B0503030403020204" pitchFamily="34" charset="0"/>
+              </a:rPr>
+              <a:t>: Academic and soci</a:t>
+            </a:r>
+            <a:r>
+              <a:rPr lang="en-US" sz="1600" dirty="0">
+                <a:solidFill>
+                  <a:srgbClr val="31333F"/>
+                </a:solidFill>
+                <a:latin typeface="Source Sans Pro" panose="020B0503030403020204" pitchFamily="34" charset="0"/>
+              </a:rPr>
+              <a:t>o-</a:t>
+            </a:r>
+            <a:r>
+              <a:rPr lang="en-US" sz="1600" b="0" i="0" dirty="0">
+                <a:solidFill>
+                  <a:srgbClr val="31333F"/>
+                </a:solidFill>
+                <a:effectLst/>
+                <a:latin typeface="Source Sans Pro" panose="020B0503030403020204" pitchFamily="34" charset="0"/>
+              </a:rPr>
+              <a:t>economic factors</a:t>
+            </a:r>
+          </a:p>
+          <a:p>
+            <a:pPr algn="just">
+              <a:buFont typeface="Arial" panose="020B0604020202020204" pitchFamily="34" charset="0"/>
+              <a:buChar char="•"/>
+            </a:pPr>
+            <a:endParaRPr lang="en-US" sz="1600" b="0" i="0" dirty="0">
+              <a:solidFill>
+                <a:srgbClr val="31333F"/>
+              </a:solidFill>
+              <a:effectLst/>
+              <a:latin typeface="Source Sans Pro" panose="020B0503030403020204" pitchFamily="34" charset="0"/>
+            </a:endParaRPr>
+          </a:p>
+          <a:p>
+            <a:pPr algn="just">
+              <a:buFont typeface="Arial" panose="020B0604020202020204" pitchFamily="34" charset="0"/>
+              <a:buChar char="•"/>
+            </a:pPr>
+            <a:endParaRPr lang="en-US" sz="1600" b="0" i="0" dirty="0">
+              <a:solidFill>
+                <a:srgbClr val="31333F"/>
+              </a:solidFill>
+              <a:effectLst/>
+              <a:latin typeface="Source Sans Pro" panose="020B0503030403020204" pitchFamily="34" charset="0"/>
+            </a:endParaRPr>
           </a:p>
         </p:txBody>
       </p:sp>
-      <p:pic>
-        <p:nvPicPr>
-          <p:cNvPr id="9" name="Picture 8">
+      <p:sp>
+        <p:nvSpPr>
+          <p:cNvPr id="4" name="Title 1">
             <a:extLst>
               <a:ext uri="{FF2B5EF4-FFF2-40B4-BE49-F238E27FC236}">
-                <a16:creationId xmlns:a16="http://schemas.microsoft.com/office/drawing/2014/main" id="{0F52FD65-A55C-0051-031A-D99538D418E1}"/>
+                <a16:creationId xmlns:a16="http://schemas.microsoft.com/office/drawing/2014/main" id="{5BD6B677-8CFA-EEC1-796C-57FFBA31DE96}"/>
               </a:ext>
             </a:extLst>
           </p:cNvPr>
-          <p:cNvPicPr>
-            <a:picLocks noChangeAspect="1"/>
-          </p:cNvPicPr>
+          <p:cNvSpPr txBox="1">
+            <a:spLocks/>
+          </p:cNvSpPr>
           <p:nvPr/>
-        </p:nvPicPr>
-        <p:blipFill>
-          <a:blip r:embed="rId2"/>
-          <a:stretch>
-            <a:fillRect/>
-          </a:stretch>
-        </p:blipFill>
+        </p:nvSpPr>
         <p:spPr>
           <a:xfrm>
-            <a:off x="0" y="2828079"/>
-            <a:ext cx="12192000" cy="4029921"/>
+            <a:off x="406205" y="563585"/>
+            <a:ext cx="1944240" cy="363826"/>
           </a:xfrm>
           <a:prstGeom prst="rect">
             <a:avLst/>
           </a:prstGeom>
         </p:spPr>
-      </p:pic>
+        <p:txBody>
+          <a:bodyPr vert="horz" lIns="91440" tIns="45720" rIns="91440" bIns="45720" rtlCol="0" anchor="t">
+            <a:normAutofit fontScale="92500" lnSpcReduction="20000"/>
+          </a:bodyPr>
+          <a:lstStyle>
+            <a:lvl1pPr algn="l" defTabSz="914400" rtl="0" eaLnBrk="1" latinLnBrk="0" hangingPunct="1">
+              <a:lnSpc>
+                <a:spcPct val="100000"/>
+              </a:lnSpc>
+              <a:spcBef>
+                <a:spcPct val="0"/>
+              </a:spcBef>
+              <a:buNone/>
+              <a:defRPr sz="4400" kern="1200">
+                <a:solidFill>
+                  <a:schemeClr val="tx1"/>
+                </a:solidFill>
+                <a:latin typeface="+mj-lt"/>
+                <a:ea typeface="+mj-ea"/>
+                <a:cs typeface="+mj-cs"/>
+              </a:defRPr>
+            </a:lvl1pPr>
+          </a:lstStyle>
+          <a:p>
+            <a:r>
+              <a:rPr lang="en-US" sz="2400" b="1" dirty="0"/>
+              <a:t>Model 1</a:t>
+            </a:r>
+          </a:p>
+        </p:txBody>
+      </p:sp>
       <p:sp>
         <p:nvSpPr>
-          <p:cNvPr id="4" name="TextBox 3">
+          <p:cNvPr id="7" name="Content Placeholder 2">
             <a:extLst>
               <a:ext uri="{FF2B5EF4-FFF2-40B4-BE49-F238E27FC236}">
-                <a16:creationId xmlns:a16="http://schemas.microsoft.com/office/drawing/2014/main" id="{74E2B99A-0C54-B17F-C16B-D6613DF6A8FD}"/>
+                <a16:creationId xmlns:a16="http://schemas.microsoft.com/office/drawing/2014/main" id="{58595C4A-A2C7-C58B-C09A-00D93520C001}"/>
               </a:ext>
             </a:extLst>
           </p:cNvPr>
-          <p:cNvSpPr txBox="1"/>
+          <p:cNvSpPr txBox="1">
+            <a:spLocks/>
+          </p:cNvSpPr>
           <p:nvPr/>
         </p:nvSpPr>
         <p:spPr>
           <a:xfrm>
-            <a:off x="392815" y="2802110"/>
-            <a:ext cx="3273663" cy="307777"/>
+            <a:off x="6096000" y="898055"/>
+            <a:ext cx="6016086" cy="2671863"/>
           </a:xfrm>
           <a:prstGeom prst="rect">
             <a:avLst/>
           </a:prstGeom>
-          <a:noFill/>
         </p:spPr>
         <p:txBody>
-          <a:bodyPr wrap="square" rtlCol="0">
-            <a:spAutoFit/>
+          <a:bodyPr vert="horz" lIns="91440" tIns="45720" rIns="91440" bIns="45720" rtlCol="0">
+            <a:normAutofit lnSpcReduction="10000"/>
           </a:bodyPr>
-          <a:lstStyle/>
-          <a:p>
-            <a:r>
-              <a:rPr lang="en-US" sz="1400" b="1" dirty="0"/>
-              <a:t>Logistic Regression: 92% Accuracy</a:t>
+          <a:lstStyle>
+            <a:lvl1pPr marL="228600" indent="-228600" algn="l" defTabSz="914400" rtl="0" eaLnBrk="1" latinLnBrk="0" hangingPunct="1">
+              <a:lnSpc>
+                <a:spcPct val="100000"/>
+              </a:lnSpc>
+              <a:spcBef>
+                <a:spcPts val="1000"/>
+              </a:spcBef>
+              <a:buFont typeface="System Font Regular"/>
+              <a:buChar char="–"/>
+              <a:defRPr sz="2400" b="0" i="0" kern="1200">
+                <a:solidFill>
+                  <a:schemeClr val="tx1"/>
+                </a:solidFill>
+                <a:latin typeface="+mn-lt"/>
+                <a:ea typeface="+mn-ea"/>
+                <a:cs typeface="+mn-cs"/>
+              </a:defRPr>
+            </a:lvl1pPr>
+            <a:lvl2pPr marL="685800" indent="-228600" algn="l" defTabSz="914400" rtl="0" eaLnBrk="1" latinLnBrk="0" hangingPunct="1">
+              <a:lnSpc>
+                <a:spcPct val="100000"/>
+              </a:lnSpc>
+              <a:spcBef>
+                <a:spcPts val="500"/>
+              </a:spcBef>
+              <a:buFont typeface="System Font Regular"/>
+              <a:buChar char="–"/>
+              <a:defRPr sz="2000" b="0" i="0" kern="1200">
+                <a:solidFill>
+                  <a:schemeClr val="tx1"/>
+                </a:solidFill>
+                <a:latin typeface="+mn-lt"/>
+                <a:ea typeface="+mn-ea"/>
+                <a:cs typeface="+mn-cs"/>
+              </a:defRPr>
+            </a:lvl2pPr>
+            <a:lvl3pPr marL="1143000" indent="-228600" algn="l" defTabSz="914400" rtl="0" eaLnBrk="1" latinLnBrk="0" hangingPunct="1">
+              <a:lnSpc>
+                <a:spcPct val="100000"/>
+              </a:lnSpc>
+              <a:spcBef>
+                <a:spcPts val="500"/>
+              </a:spcBef>
+              <a:buFont typeface="System Font Regular"/>
+              <a:buChar char="–"/>
+              <a:defRPr sz="1800" b="0" i="0" kern="1200">
+                <a:solidFill>
+                  <a:schemeClr val="tx1"/>
+                </a:solidFill>
+                <a:latin typeface="+mn-lt"/>
+                <a:ea typeface="+mn-ea"/>
+                <a:cs typeface="+mn-cs"/>
+              </a:defRPr>
+            </a:lvl3pPr>
+            <a:lvl4pPr marL="1600200" indent="-228600" algn="l" defTabSz="914400" rtl="0" eaLnBrk="1" latinLnBrk="0" hangingPunct="1">
+              <a:lnSpc>
+                <a:spcPct val="100000"/>
+              </a:lnSpc>
+              <a:spcBef>
+                <a:spcPts val="500"/>
+              </a:spcBef>
+              <a:buFont typeface="System Font Regular"/>
+              <a:buChar char="–"/>
+              <a:defRPr sz="1600" b="0" i="0" kern="1200">
+                <a:solidFill>
+                  <a:schemeClr val="tx1"/>
+                </a:solidFill>
+                <a:latin typeface="+mn-lt"/>
+                <a:ea typeface="+mn-ea"/>
+                <a:cs typeface="+mn-cs"/>
+              </a:defRPr>
+            </a:lvl4pPr>
+            <a:lvl5pPr marL="2057400" indent="-228600" algn="l" defTabSz="914400" rtl="0" eaLnBrk="1" latinLnBrk="0" hangingPunct="1">
+              <a:lnSpc>
+                <a:spcPct val="100000"/>
+              </a:lnSpc>
+              <a:spcBef>
+                <a:spcPts val="500"/>
+              </a:spcBef>
+              <a:buFont typeface="System Font Regular"/>
+              <a:buChar char="–"/>
+              <a:defRPr sz="1600" b="0" i="0" kern="1200">
+                <a:solidFill>
+                  <a:schemeClr val="tx1"/>
+                </a:solidFill>
+                <a:latin typeface="+mn-lt"/>
+                <a:ea typeface="+mn-ea"/>
+                <a:cs typeface="+mn-cs"/>
+              </a:defRPr>
+            </a:lvl5pPr>
+            <a:lvl6pPr marL="2514600" indent="-228600" algn="l" defTabSz="914400" rtl="0" eaLnBrk="1" latinLnBrk="0" hangingPunct="1">
+              <a:lnSpc>
+                <a:spcPct val="90000"/>
+              </a:lnSpc>
+              <a:spcBef>
+                <a:spcPts val="500"/>
+              </a:spcBef>
+              <a:buFont typeface="Arial" panose="020B0604020202020204" pitchFamily="34" charset="0"/>
+              <a:buChar char="•"/>
+              <a:defRPr sz="1800" kern="1200">
+                <a:solidFill>
+                  <a:schemeClr val="tx1"/>
+                </a:solidFill>
+                <a:latin typeface="+mn-lt"/>
+                <a:ea typeface="+mn-ea"/>
+                <a:cs typeface="+mn-cs"/>
+              </a:defRPr>
+            </a:lvl6pPr>
+            <a:lvl7pPr marL="2971800" indent="-228600" algn="l" defTabSz="914400" rtl="0" eaLnBrk="1" latinLnBrk="0" hangingPunct="1">
+              <a:lnSpc>
+                <a:spcPct val="90000"/>
+              </a:lnSpc>
+              <a:spcBef>
+                <a:spcPts val="500"/>
+              </a:spcBef>
+              <a:buFont typeface="Arial" panose="020B0604020202020204" pitchFamily="34" charset="0"/>
+              <a:buChar char="•"/>
+              <a:defRPr sz="1800" kern="1200">
+                <a:solidFill>
+                  <a:schemeClr val="tx1"/>
+                </a:solidFill>
+                <a:latin typeface="+mn-lt"/>
+                <a:ea typeface="+mn-ea"/>
+                <a:cs typeface="+mn-cs"/>
+              </a:defRPr>
+            </a:lvl7pPr>
+            <a:lvl8pPr marL="3429000" indent="-228600" algn="l" defTabSz="914400" rtl="0" eaLnBrk="1" latinLnBrk="0" hangingPunct="1">
+              <a:lnSpc>
+                <a:spcPct val="90000"/>
+              </a:lnSpc>
+              <a:spcBef>
+                <a:spcPts val="500"/>
+              </a:spcBef>
+              <a:buFont typeface="Arial" panose="020B0604020202020204" pitchFamily="34" charset="0"/>
+              <a:buChar char="•"/>
+              <a:defRPr sz="1800" kern="1200">
+                <a:solidFill>
+                  <a:schemeClr val="tx1"/>
+                </a:solidFill>
+                <a:latin typeface="+mn-lt"/>
+                <a:ea typeface="+mn-ea"/>
+                <a:cs typeface="+mn-cs"/>
+              </a:defRPr>
+            </a:lvl8pPr>
+            <a:lvl9pPr marL="3886200" indent="-228600" algn="l" defTabSz="914400" rtl="0" eaLnBrk="1" latinLnBrk="0" hangingPunct="1">
+              <a:lnSpc>
+                <a:spcPct val="90000"/>
+              </a:lnSpc>
+              <a:spcBef>
+                <a:spcPts val="500"/>
+              </a:spcBef>
+              <a:buFont typeface="Arial" panose="020B0604020202020204" pitchFamily="34" charset="0"/>
+              <a:buChar char="•"/>
+              <a:defRPr sz="1800" kern="1200">
+                <a:solidFill>
+                  <a:schemeClr val="tx1"/>
+                </a:solidFill>
+                <a:latin typeface="+mn-lt"/>
+                <a:ea typeface="+mn-ea"/>
+                <a:cs typeface="+mn-cs"/>
+              </a:defRPr>
+            </a:lvl9pPr>
+          </a:lstStyle>
+          <a:p>
+            <a:pPr algn="just">
+              <a:buFont typeface="Arial" panose="020B0604020202020204" pitchFamily="34" charset="0"/>
+              <a:buChar char="•"/>
+            </a:pPr>
+            <a:r>
+              <a:rPr lang="en-US" sz="1600" b="1" i="0" dirty="0">
+                <a:solidFill>
+                  <a:srgbClr val="31333F"/>
+                </a:solidFill>
+                <a:effectLst/>
+                <a:latin typeface="Source Sans Pro" panose="020B0503030403020204" pitchFamily="34" charset="0"/>
+              </a:rPr>
+              <a:t>Type</a:t>
+            </a:r>
+            <a:r>
+              <a:rPr lang="en-US" sz="1600" b="0" i="0" dirty="0">
+                <a:solidFill>
+                  <a:srgbClr val="31333F"/>
+                </a:solidFill>
+                <a:effectLst/>
+                <a:latin typeface="Source Sans Pro" panose="020B0503030403020204" pitchFamily="34" charset="0"/>
+              </a:rPr>
+              <a:t>: Support Vector Classifier Model</a:t>
+            </a:r>
+          </a:p>
+          <a:p>
+            <a:pPr algn="just">
+              <a:buFont typeface="Arial" panose="020B0604020202020204" pitchFamily="34" charset="0"/>
+              <a:buChar char="•"/>
+            </a:pPr>
+            <a:r>
+              <a:rPr lang="en-US" sz="1600" b="1" i="0" dirty="0">
+                <a:solidFill>
+                  <a:srgbClr val="31333F"/>
+                </a:solidFill>
+                <a:effectLst/>
+                <a:latin typeface="Source Sans Pro" panose="020B0503030403020204" pitchFamily="34" charset="0"/>
+              </a:rPr>
+              <a:t>Objective</a:t>
+            </a:r>
+            <a:r>
+              <a:rPr lang="en-US" sz="1600" b="0" i="0" dirty="0">
+                <a:solidFill>
+                  <a:srgbClr val="31333F"/>
+                </a:solidFill>
+                <a:effectLst/>
+                <a:latin typeface="Source Sans Pro" panose="020B0503030403020204" pitchFamily="34" charset="0"/>
+              </a:rPr>
+              <a:t>: Predict pass or fail rate in a Math class</a:t>
+            </a:r>
+          </a:p>
+          <a:p>
+            <a:pPr algn="just">
+              <a:buFont typeface="Arial" panose="020B0604020202020204" pitchFamily="34" charset="0"/>
+              <a:buChar char="•"/>
+            </a:pPr>
+            <a:r>
+              <a:rPr lang="en-US" sz="1600" b="1" i="0" dirty="0">
+                <a:solidFill>
+                  <a:srgbClr val="31333F"/>
+                </a:solidFill>
+                <a:effectLst/>
+                <a:latin typeface="Source Sans Pro" panose="020B0503030403020204" pitchFamily="34" charset="0"/>
+              </a:rPr>
+              <a:t>Accuracy</a:t>
+            </a:r>
+            <a:r>
+              <a:rPr lang="en-US" sz="1600" b="0" i="0" dirty="0">
+                <a:solidFill>
+                  <a:srgbClr val="31333F"/>
+                </a:solidFill>
+                <a:effectLst/>
+                <a:latin typeface="Source Sans Pro" panose="020B0503030403020204" pitchFamily="34" charset="0"/>
+              </a:rPr>
+              <a:t>: 91%</a:t>
+            </a:r>
+          </a:p>
+          <a:p>
+            <a:pPr algn="just">
+              <a:buFont typeface="Arial" panose="020B0604020202020204" pitchFamily="34" charset="0"/>
+              <a:buChar char="•"/>
+            </a:pPr>
+            <a:r>
+              <a:rPr lang="en-US" sz="1600" b="1" i="0" dirty="0">
+                <a:solidFill>
+                  <a:srgbClr val="31333F"/>
+                </a:solidFill>
+                <a:effectLst/>
+                <a:latin typeface="Source Sans Pro" panose="020B0503030403020204" pitchFamily="34" charset="0"/>
+              </a:rPr>
+              <a:t>Dataset</a:t>
+            </a:r>
+            <a:r>
+              <a:rPr lang="en-US" sz="1600" b="0" i="0" dirty="0">
+                <a:solidFill>
+                  <a:srgbClr val="31333F"/>
+                </a:solidFill>
+                <a:effectLst/>
+                <a:latin typeface="Source Sans Pro" panose="020B0503030403020204" pitchFamily="34" charset="0"/>
+              </a:rPr>
+              <a:t>: From high school, Includes </a:t>
+            </a:r>
+            <a:r>
+              <a:rPr lang="en-US" sz="1600" b="0" i="0" dirty="0">
+                <a:solidFill>
+                  <a:srgbClr val="FF0000"/>
+                </a:solidFill>
+                <a:effectLst/>
+                <a:latin typeface="Source Sans Pro" panose="020B0503030403020204" pitchFamily="34" charset="0"/>
+              </a:rPr>
+              <a:t>32 features and 395 data </a:t>
+            </a:r>
+            <a:r>
+              <a:rPr lang="en-US" sz="1600" b="0" i="0" dirty="0">
+                <a:solidFill>
+                  <a:srgbClr val="31333F"/>
+                </a:solidFill>
+                <a:effectLst/>
+                <a:latin typeface="Source Sans Pro" panose="020B0503030403020204" pitchFamily="34" charset="0"/>
+              </a:rPr>
+              <a:t>points. Contains student grades, demographic, social and school-related features.</a:t>
+            </a:r>
+          </a:p>
+          <a:p>
+            <a:pPr algn="just">
+              <a:buFont typeface="Arial" panose="020B0604020202020204" pitchFamily="34" charset="0"/>
+              <a:buChar char="•"/>
+            </a:pPr>
+            <a:r>
+              <a:rPr lang="en-US" sz="1600" b="1" i="0" dirty="0">
+                <a:solidFill>
+                  <a:srgbClr val="31333F"/>
+                </a:solidFill>
+                <a:effectLst/>
+                <a:latin typeface="Source Sans Pro" panose="020B0503030403020204" pitchFamily="34" charset="0"/>
+              </a:rPr>
+              <a:t>Key Factors</a:t>
+            </a:r>
+            <a:r>
+              <a:rPr lang="en-US" sz="1600" b="0" i="0" dirty="0">
+                <a:solidFill>
+                  <a:srgbClr val="31333F"/>
+                </a:solidFill>
+                <a:effectLst/>
+                <a:latin typeface="Source Sans Pro" panose="020B0503030403020204" pitchFamily="34" charset="0"/>
+              </a:rPr>
+              <a:t>: Academic performance (grades, study time), social behaviors (going out, travel), and other factors like health and parent's job.</a:t>
+            </a:r>
+          </a:p>
+        </p:txBody>
+      </p:sp>
+      <p:sp>
+        <p:nvSpPr>
+          <p:cNvPr id="8" name="Title 1">
+            <a:extLst>
+              <a:ext uri="{FF2B5EF4-FFF2-40B4-BE49-F238E27FC236}">
+                <a16:creationId xmlns:a16="http://schemas.microsoft.com/office/drawing/2014/main" id="{59C420DB-7C2A-6676-5C75-CF889913C58D}"/>
+              </a:ext>
+            </a:extLst>
+          </p:cNvPr>
+          <p:cNvSpPr txBox="1">
+            <a:spLocks/>
+          </p:cNvSpPr>
+          <p:nvPr/>
+        </p:nvSpPr>
+        <p:spPr>
+          <a:xfrm>
+            <a:off x="6282672" y="534229"/>
+            <a:ext cx="1944240" cy="363826"/>
+          </a:xfrm>
+          <a:prstGeom prst="rect">
+            <a:avLst/>
+          </a:prstGeom>
+        </p:spPr>
+        <p:txBody>
+          <a:bodyPr vert="horz" lIns="91440" tIns="45720" rIns="91440" bIns="45720" rtlCol="0" anchor="t">
+            <a:normAutofit fontScale="92500" lnSpcReduction="20000"/>
+          </a:bodyPr>
+          <a:lstStyle>
+            <a:lvl1pPr algn="l" defTabSz="914400" rtl="0" eaLnBrk="1" latinLnBrk="0" hangingPunct="1">
+              <a:lnSpc>
+                <a:spcPct val="100000"/>
+              </a:lnSpc>
+              <a:spcBef>
+                <a:spcPct val="0"/>
+              </a:spcBef>
+              <a:buNone/>
+              <a:defRPr sz="4400" kern="1200">
+                <a:solidFill>
+                  <a:schemeClr val="tx1"/>
+                </a:solidFill>
+                <a:latin typeface="+mj-lt"/>
+                <a:ea typeface="+mj-ea"/>
+                <a:cs typeface="+mj-cs"/>
+              </a:defRPr>
+            </a:lvl1pPr>
+          </a:lstStyle>
+          <a:p>
+            <a:r>
+              <a:rPr lang="en-US" sz="2400" b="1" dirty="0"/>
+              <a:t>Model 2</a:t>
+            </a:r>
+          </a:p>
+        </p:txBody>
+      </p:sp>
+      <p:cxnSp>
+        <p:nvCxnSpPr>
+          <p:cNvPr id="10" name="Straight Connector 9">
+            <a:extLst>
+              <a:ext uri="{FF2B5EF4-FFF2-40B4-BE49-F238E27FC236}">
+                <a16:creationId xmlns:a16="http://schemas.microsoft.com/office/drawing/2014/main" id="{BB924863-74E9-16F5-91AC-24C1AC4956AD}"/>
+              </a:ext>
+            </a:extLst>
+          </p:cNvPr>
+          <p:cNvCxnSpPr>
+            <a:cxnSpLocks/>
+          </p:cNvCxnSpPr>
+          <p:nvPr/>
+        </p:nvCxnSpPr>
+        <p:spPr>
+          <a:xfrm>
+            <a:off x="5939161" y="701336"/>
+            <a:ext cx="0" cy="6054571"/>
+          </a:xfrm>
+          <a:prstGeom prst="line">
+            <a:avLst/>
+          </a:prstGeom>
+        </p:spPr>
+        <p:style>
+          <a:lnRef idx="1">
+            <a:schemeClr val="dk1"/>
+          </a:lnRef>
+          <a:fillRef idx="0">
+            <a:schemeClr val="dk1"/>
+          </a:fillRef>
+          <a:effectRef idx="0">
+            <a:schemeClr val="dk1"/>
+          </a:effectRef>
+          <a:fontRef idx="minor">
+            <a:schemeClr val="tx1"/>
+          </a:fontRef>
+        </p:style>
+      </p:cxnSp>
+      <p:cxnSp>
+        <p:nvCxnSpPr>
+          <p:cNvPr id="13" name="Straight Connector 12">
+            <a:extLst>
+              <a:ext uri="{FF2B5EF4-FFF2-40B4-BE49-F238E27FC236}">
+                <a16:creationId xmlns:a16="http://schemas.microsoft.com/office/drawing/2014/main" id="{04DB8860-A0B6-28BC-108F-4FE9DBE17CA5}"/>
+              </a:ext>
+            </a:extLst>
+          </p:cNvPr>
+          <p:cNvCxnSpPr>
+            <a:cxnSpLocks/>
+          </p:cNvCxnSpPr>
+          <p:nvPr/>
+        </p:nvCxnSpPr>
+        <p:spPr>
+          <a:xfrm>
+            <a:off x="186672" y="3486581"/>
+            <a:ext cx="12192000" cy="0"/>
+          </a:xfrm>
+          <a:prstGeom prst="line">
+            <a:avLst/>
+          </a:prstGeom>
+        </p:spPr>
+        <p:style>
+          <a:lnRef idx="1">
+            <a:schemeClr val="dk1"/>
+          </a:lnRef>
+          <a:fillRef idx="0">
+            <a:schemeClr val="dk1"/>
+          </a:fillRef>
+          <a:effectRef idx="0">
+            <a:schemeClr val="dk1"/>
+          </a:effectRef>
+          <a:fontRef idx="minor">
+            <a:schemeClr val="tx1"/>
+          </a:fontRef>
+        </p:style>
+      </p:cxnSp>
+      <p:sp>
+        <p:nvSpPr>
+          <p:cNvPr id="17" name="Title 1">
+            <a:extLst>
+              <a:ext uri="{FF2B5EF4-FFF2-40B4-BE49-F238E27FC236}">
+                <a16:creationId xmlns:a16="http://schemas.microsoft.com/office/drawing/2014/main" id="{AE6DBF65-6A7D-E477-6037-ACB021F4B1E5}"/>
+              </a:ext>
+            </a:extLst>
+          </p:cNvPr>
+          <p:cNvSpPr txBox="1">
+            <a:spLocks/>
+          </p:cNvSpPr>
+          <p:nvPr/>
+        </p:nvSpPr>
+        <p:spPr>
+          <a:xfrm>
+            <a:off x="156476" y="3558859"/>
+            <a:ext cx="1944240" cy="363826"/>
+          </a:xfrm>
+          <a:prstGeom prst="rect">
+            <a:avLst/>
+          </a:prstGeom>
+        </p:spPr>
+        <p:txBody>
+          <a:bodyPr vert="horz" lIns="91440" tIns="45720" rIns="91440" bIns="45720" rtlCol="0" anchor="t">
+            <a:normAutofit fontScale="92500" lnSpcReduction="20000"/>
+          </a:bodyPr>
+          <a:lstStyle>
+            <a:lvl1pPr algn="l" defTabSz="914400" rtl="0" eaLnBrk="1" latinLnBrk="0" hangingPunct="1">
+              <a:lnSpc>
+                <a:spcPct val="100000"/>
+              </a:lnSpc>
+              <a:spcBef>
+                <a:spcPct val="0"/>
+              </a:spcBef>
+              <a:buNone/>
+              <a:defRPr sz="4400" kern="1200">
+                <a:solidFill>
+                  <a:schemeClr val="tx1"/>
+                </a:solidFill>
+                <a:latin typeface="+mj-lt"/>
+                <a:ea typeface="+mj-ea"/>
+                <a:cs typeface="+mj-cs"/>
+              </a:defRPr>
+            </a:lvl1pPr>
+          </a:lstStyle>
+          <a:p>
+            <a:r>
+              <a:rPr lang="en-US" sz="2400" b="1" dirty="0"/>
+              <a:t>Model 3</a:t>
+            </a:r>
+          </a:p>
+        </p:txBody>
+      </p:sp>
+      <p:sp>
+        <p:nvSpPr>
+          <p:cNvPr id="18" name="Content Placeholder 2">
+            <a:extLst>
+              <a:ext uri="{FF2B5EF4-FFF2-40B4-BE49-F238E27FC236}">
+                <a16:creationId xmlns:a16="http://schemas.microsoft.com/office/drawing/2014/main" id="{27739F8E-1F55-23AA-3EF0-0DC42A83E0C6}"/>
+              </a:ext>
+            </a:extLst>
+          </p:cNvPr>
+          <p:cNvSpPr txBox="1">
+            <a:spLocks/>
+          </p:cNvSpPr>
+          <p:nvPr/>
+        </p:nvSpPr>
+        <p:spPr>
+          <a:xfrm>
+            <a:off x="51809" y="3851666"/>
+            <a:ext cx="5783032" cy="2957002"/>
+          </a:xfrm>
+          <a:prstGeom prst="rect">
+            <a:avLst/>
+          </a:prstGeom>
+        </p:spPr>
+        <p:txBody>
+          <a:bodyPr vert="horz" lIns="91440" tIns="45720" rIns="91440" bIns="45720" rtlCol="0">
+            <a:normAutofit lnSpcReduction="10000"/>
+          </a:bodyPr>
+          <a:lstStyle>
+            <a:lvl1pPr marL="228600" indent="-228600" algn="l" defTabSz="914400" rtl="0" eaLnBrk="1" latinLnBrk="0" hangingPunct="1">
+              <a:lnSpc>
+                <a:spcPct val="100000"/>
+              </a:lnSpc>
+              <a:spcBef>
+                <a:spcPts val="1000"/>
+              </a:spcBef>
+              <a:buFont typeface="System Font Regular"/>
+              <a:buChar char="–"/>
+              <a:defRPr sz="2400" b="0" i="0" kern="1200">
+                <a:solidFill>
+                  <a:schemeClr val="tx1"/>
+                </a:solidFill>
+                <a:latin typeface="+mn-lt"/>
+                <a:ea typeface="+mn-ea"/>
+                <a:cs typeface="+mn-cs"/>
+              </a:defRPr>
+            </a:lvl1pPr>
+            <a:lvl2pPr marL="685800" indent="-228600" algn="l" defTabSz="914400" rtl="0" eaLnBrk="1" latinLnBrk="0" hangingPunct="1">
+              <a:lnSpc>
+                <a:spcPct val="100000"/>
+              </a:lnSpc>
+              <a:spcBef>
+                <a:spcPts val="500"/>
+              </a:spcBef>
+              <a:buFont typeface="System Font Regular"/>
+              <a:buChar char="–"/>
+              <a:defRPr sz="2000" b="0" i="0" kern="1200">
+                <a:solidFill>
+                  <a:schemeClr val="tx1"/>
+                </a:solidFill>
+                <a:latin typeface="+mn-lt"/>
+                <a:ea typeface="+mn-ea"/>
+                <a:cs typeface="+mn-cs"/>
+              </a:defRPr>
+            </a:lvl2pPr>
+            <a:lvl3pPr marL="1143000" indent="-228600" algn="l" defTabSz="914400" rtl="0" eaLnBrk="1" latinLnBrk="0" hangingPunct="1">
+              <a:lnSpc>
+                <a:spcPct val="100000"/>
+              </a:lnSpc>
+              <a:spcBef>
+                <a:spcPts val="500"/>
+              </a:spcBef>
+              <a:buFont typeface="System Font Regular"/>
+              <a:buChar char="–"/>
+              <a:defRPr sz="1800" b="0" i="0" kern="1200">
+                <a:solidFill>
+                  <a:schemeClr val="tx1"/>
+                </a:solidFill>
+                <a:latin typeface="+mn-lt"/>
+                <a:ea typeface="+mn-ea"/>
+                <a:cs typeface="+mn-cs"/>
+              </a:defRPr>
+            </a:lvl3pPr>
+            <a:lvl4pPr marL="1600200" indent="-228600" algn="l" defTabSz="914400" rtl="0" eaLnBrk="1" latinLnBrk="0" hangingPunct="1">
+              <a:lnSpc>
+                <a:spcPct val="100000"/>
+              </a:lnSpc>
+              <a:spcBef>
+                <a:spcPts val="500"/>
+              </a:spcBef>
+              <a:buFont typeface="System Font Regular"/>
+              <a:buChar char="–"/>
+              <a:defRPr sz="1600" b="0" i="0" kern="1200">
+                <a:solidFill>
+                  <a:schemeClr val="tx1"/>
+                </a:solidFill>
+                <a:latin typeface="+mn-lt"/>
+                <a:ea typeface="+mn-ea"/>
+                <a:cs typeface="+mn-cs"/>
+              </a:defRPr>
+            </a:lvl4pPr>
+            <a:lvl5pPr marL="2057400" indent="-228600" algn="l" defTabSz="914400" rtl="0" eaLnBrk="1" latinLnBrk="0" hangingPunct="1">
+              <a:lnSpc>
+                <a:spcPct val="100000"/>
+              </a:lnSpc>
+              <a:spcBef>
+                <a:spcPts val="500"/>
+              </a:spcBef>
+              <a:buFont typeface="System Font Regular"/>
+              <a:buChar char="–"/>
+              <a:defRPr sz="1600" b="0" i="0" kern="1200">
+                <a:solidFill>
+                  <a:schemeClr val="tx1"/>
+                </a:solidFill>
+                <a:latin typeface="+mn-lt"/>
+                <a:ea typeface="+mn-ea"/>
+                <a:cs typeface="+mn-cs"/>
+              </a:defRPr>
+            </a:lvl5pPr>
+            <a:lvl6pPr marL="2514600" indent="-228600" algn="l" defTabSz="914400" rtl="0" eaLnBrk="1" latinLnBrk="0" hangingPunct="1">
+              <a:lnSpc>
+                <a:spcPct val="90000"/>
+              </a:lnSpc>
+              <a:spcBef>
+                <a:spcPts val="500"/>
+              </a:spcBef>
+              <a:buFont typeface="Arial" panose="020B0604020202020204" pitchFamily="34" charset="0"/>
+              <a:buChar char="•"/>
+              <a:defRPr sz="1800" kern="1200">
+                <a:solidFill>
+                  <a:schemeClr val="tx1"/>
+                </a:solidFill>
+                <a:latin typeface="+mn-lt"/>
+                <a:ea typeface="+mn-ea"/>
+                <a:cs typeface="+mn-cs"/>
+              </a:defRPr>
+            </a:lvl6pPr>
+            <a:lvl7pPr marL="2971800" indent="-228600" algn="l" defTabSz="914400" rtl="0" eaLnBrk="1" latinLnBrk="0" hangingPunct="1">
+              <a:lnSpc>
+                <a:spcPct val="90000"/>
+              </a:lnSpc>
+              <a:spcBef>
+                <a:spcPts val="500"/>
+              </a:spcBef>
+              <a:buFont typeface="Arial" panose="020B0604020202020204" pitchFamily="34" charset="0"/>
+              <a:buChar char="•"/>
+              <a:defRPr sz="1800" kern="1200">
+                <a:solidFill>
+                  <a:schemeClr val="tx1"/>
+                </a:solidFill>
+                <a:latin typeface="+mn-lt"/>
+                <a:ea typeface="+mn-ea"/>
+                <a:cs typeface="+mn-cs"/>
+              </a:defRPr>
+            </a:lvl7pPr>
+            <a:lvl8pPr marL="3429000" indent="-228600" algn="l" defTabSz="914400" rtl="0" eaLnBrk="1" latinLnBrk="0" hangingPunct="1">
+              <a:lnSpc>
+                <a:spcPct val="90000"/>
+              </a:lnSpc>
+              <a:spcBef>
+                <a:spcPts val="500"/>
+              </a:spcBef>
+              <a:buFont typeface="Arial" panose="020B0604020202020204" pitchFamily="34" charset="0"/>
+              <a:buChar char="•"/>
+              <a:defRPr sz="1800" kern="1200">
+                <a:solidFill>
+                  <a:schemeClr val="tx1"/>
+                </a:solidFill>
+                <a:latin typeface="+mn-lt"/>
+                <a:ea typeface="+mn-ea"/>
+                <a:cs typeface="+mn-cs"/>
+              </a:defRPr>
+            </a:lvl8pPr>
+            <a:lvl9pPr marL="3886200" indent="-228600" algn="l" defTabSz="914400" rtl="0" eaLnBrk="1" latinLnBrk="0" hangingPunct="1">
+              <a:lnSpc>
+                <a:spcPct val="90000"/>
+              </a:lnSpc>
+              <a:spcBef>
+                <a:spcPts val="500"/>
+              </a:spcBef>
+              <a:buFont typeface="Arial" panose="020B0604020202020204" pitchFamily="34" charset="0"/>
+              <a:buChar char="•"/>
+              <a:defRPr sz="1800" kern="1200">
+                <a:solidFill>
+                  <a:schemeClr val="tx1"/>
+                </a:solidFill>
+                <a:latin typeface="+mn-lt"/>
+                <a:ea typeface="+mn-ea"/>
+                <a:cs typeface="+mn-cs"/>
+              </a:defRPr>
+            </a:lvl9pPr>
+          </a:lstStyle>
+          <a:p>
+            <a:pPr algn="just">
+              <a:buFont typeface="Arial" panose="020B0604020202020204" pitchFamily="34" charset="0"/>
+              <a:buChar char="•"/>
+            </a:pPr>
+            <a:r>
+              <a:rPr lang="en-US" sz="1600" b="1" i="0" dirty="0">
+                <a:solidFill>
+                  <a:srgbClr val="31333F"/>
+                </a:solidFill>
+                <a:effectLst/>
+                <a:latin typeface="Source Sans Pro" panose="020B0503030403020204" pitchFamily="34" charset="0"/>
+              </a:rPr>
+              <a:t>Type</a:t>
+            </a:r>
+            <a:r>
+              <a:rPr lang="en-US" sz="1600" b="0" i="0" dirty="0">
+                <a:solidFill>
+                  <a:srgbClr val="31333F"/>
+                </a:solidFill>
+                <a:effectLst/>
+                <a:latin typeface="Source Sans Pro" panose="020B0503030403020204" pitchFamily="34" charset="0"/>
+              </a:rPr>
+              <a:t>: Support Vector Classifier Model</a:t>
+            </a:r>
+          </a:p>
+          <a:p>
+            <a:pPr algn="just">
+              <a:buFont typeface="Arial" panose="020B0604020202020204" pitchFamily="34" charset="0"/>
+              <a:buChar char="•"/>
+            </a:pPr>
+            <a:r>
+              <a:rPr lang="en-US" sz="1600" b="1" i="0" dirty="0">
+                <a:solidFill>
+                  <a:srgbClr val="31333F"/>
+                </a:solidFill>
+                <a:effectLst/>
+                <a:latin typeface="Source Sans Pro" panose="020B0503030403020204" pitchFamily="34" charset="0"/>
+              </a:rPr>
+              <a:t>Objective</a:t>
+            </a:r>
+            <a:r>
+              <a:rPr lang="en-US" sz="1600" b="0" i="0" dirty="0">
+                <a:solidFill>
+                  <a:srgbClr val="31333F"/>
+                </a:solidFill>
+                <a:effectLst/>
+                <a:latin typeface="Source Sans Pro" panose="020B0503030403020204" pitchFamily="34" charset="0"/>
+              </a:rPr>
+              <a:t>: Predict pass or fail rate in a Portuguese language class</a:t>
+            </a:r>
+          </a:p>
+          <a:p>
+            <a:pPr algn="just">
+              <a:buFont typeface="Arial" panose="020B0604020202020204" pitchFamily="34" charset="0"/>
+              <a:buChar char="•"/>
+            </a:pPr>
+            <a:r>
+              <a:rPr lang="en-US" sz="1600" b="1" i="0" dirty="0">
+                <a:solidFill>
+                  <a:srgbClr val="31333F"/>
+                </a:solidFill>
+                <a:effectLst/>
+                <a:latin typeface="Source Sans Pro" panose="020B0503030403020204" pitchFamily="34" charset="0"/>
+              </a:rPr>
+              <a:t>Accuracy</a:t>
+            </a:r>
+            <a:r>
+              <a:rPr lang="en-US" sz="1600" b="0" i="0" dirty="0">
+                <a:solidFill>
+                  <a:srgbClr val="31333F"/>
+                </a:solidFill>
+                <a:effectLst/>
+                <a:latin typeface="Source Sans Pro" panose="020B0503030403020204" pitchFamily="34" charset="0"/>
+              </a:rPr>
+              <a:t>: 95%</a:t>
+            </a:r>
+          </a:p>
+          <a:p>
+            <a:pPr algn="just">
+              <a:buFont typeface="Arial" panose="020B0604020202020204" pitchFamily="34" charset="0"/>
+              <a:buChar char="•"/>
+            </a:pPr>
+            <a:r>
+              <a:rPr lang="en-US" sz="1600" b="1" i="0" dirty="0">
+                <a:solidFill>
+                  <a:srgbClr val="31333F"/>
+                </a:solidFill>
+                <a:effectLst/>
+                <a:latin typeface="Source Sans Pro" panose="020B0503030403020204" pitchFamily="34" charset="0"/>
+              </a:rPr>
+              <a:t>Dataset</a:t>
+            </a:r>
+            <a:r>
+              <a:rPr lang="en-US" sz="1600" b="0" i="0" dirty="0">
+                <a:solidFill>
+                  <a:srgbClr val="31333F"/>
+                </a:solidFill>
+                <a:effectLst/>
+                <a:latin typeface="Source Sans Pro" panose="020B0503030403020204" pitchFamily="34" charset="0"/>
+              </a:rPr>
+              <a:t>: From high school, includes student grades, demographic, social and school-related features. It </a:t>
+            </a:r>
+            <a:r>
+              <a:rPr lang="en-US" sz="1600" b="0" i="0" dirty="0">
+                <a:solidFill>
+                  <a:srgbClr val="FF0000"/>
+                </a:solidFill>
+                <a:effectLst/>
+                <a:latin typeface="Source Sans Pro" panose="020B0503030403020204" pitchFamily="34" charset="0"/>
+              </a:rPr>
+              <a:t>has 32 features and 649 data points.</a:t>
+            </a:r>
+          </a:p>
+          <a:p>
+            <a:pPr algn="just">
+              <a:buFont typeface="Arial" panose="020B0604020202020204" pitchFamily="34" charset="0"/>
+              <a:buChar char="•"/>
+            </a:pPr>
+            <a:r>
+              <a:rPr lang="en-US" sz="1600" b="1" i="0" dirty="0">
+                <a:solidFill>
+                  <a:srgbClr val="31333F"/>
+                </a:solidFill>
+                <a:effectLst/>
+                <a:latin typeface="Source Sans Pro" panose="020B0503030403020204" pitchFamily="34" charset="0"/>
+              </a:rPr>
+              <a:t>Insights</a:t>
+            </a:r>
+            <a:r>
+              <a:rPr lang="en-US" sz="1600" b="0" i="0" dirty="0">
+                <a:solidFill>
+                  <a:srgbClr val="31333F"/>
+                </a:solidFill>
+                <a:effectLst/>
+                <a:latin typeface="Source Sans Pro" panose="020B0503030403020204" pitchFamily="34" charset="0"/>
+              </a:rPr>
+              <a:t>: The model considers academic records, health status, family relations, free time and aspirations for higher education as key features.</a:t>
+            </a:r>
+          </a:p>
+        </p:txBody>
+      </p:sp>
+      <p:sp>
+        <p:nvSpPr>
+          <p:cNvPr id="20" name="Content Placeholder 2">
+            <a:extLst>
+              <a:ext uri="{FF2B5EF4-FFF2-40B4-BE49-F238E27FC236}">
+                <a16:creationId xmlns:a16="http://schemas.microsoft.com/office/drawing/2014/main" id="{D70BF404-2F71-FF9B-EEC9-36CB0DC5F974}"/>
+              </a:ext>
+            </a:extLst>
+          </p:cNvPr>
+          <p:cNvSpPr txBox="1">
+            <a:spLocks/>
+          </p:cNvSpPr>
+          <p:nvPr/>
+        </p:nvSpPr>
+        <p:spPr>
+          <a:xfrm>
+            <a:off x="6070884" y="3848209"/>
+            <a:ext cx="5783032" cy="2957002"/>
+          </a:xfrm>
+          <a:prstGeom prst="rect">
+            <a:avLst/>
+          </a:prstGeom>
+        </p:spPr>
+        <p:txBody>
+          <a:bodyPr vert="horz" lIns="91440" tIns="45720" rIns="91440" bIns="45720" rtlCol="0">
+            <a:normAutofit lnSpcReduction="10000"/>
+          </a:bodyPr>
+          <a:lstStyle>
+            <a:lvl1pPr marL="228600" indent="-228600" algn="l" defTabSz="914400" rtl="0" eaLnBrk="1" latinLnBrk="0" hangingPunct="1">
+              <a:lnSpc>
+                <a:spcPct val="100000"/>
+              </a:lnSpc>
+              <a:spcBef>
+                <a:spcPts val="1000"/>
+              </a:spcBef>
+              <a:buFont typeface="System Font Regular"/>
+              <a:buChar char="–"/>
+              <a:defRPr sz="2400" b="0" i="0" kern="1200">
+                <a:solidFill>
+                  <a:schemeClr val="tx1"/>
+                </a:solidFill>
+                <a:latin typeface="+mn-lt"/>
+                <a:ea typeface="+mn-ea"/>
+                <a:cs typeface="+mn-cs"/>
+              </a:defRPr>
+            </a:lvl1pPr>
+            <a:lvl2pPr marL="685800" indent="-228600" algn="l" defTabSz="914400" rtl="0" eaLnBrk="1" latinLnBrk="0" hangingPunct="1">
+              <a:lnSpc>
+                <a:spcPct val="100000"/>
+              </a:lnSpc>
+              <a:spcBef>
+                <a:spcPts val="500"/>
+              </a:spcBef>
+              <a:buFont typeface="System Font Regular"/>
+              <a:buChar char="–"/>
+              <a:defRPr sz="2000" b="0" i="0" kern="1200">
+                <a:solidFill>
+                  <a:schemeClr val="tx1"/>
+                </a:solidFill>
+                <a:latin typeface="+mn-lt"/>
+                <a:ea typeface="+mn-ea"/>
+                <a:cs typeface="+mn-cs"/>
+              </a:defRPr>
+            </a:lvl2pPr>
+            <a:lvl3pPr marL="1143000" indent="-228600" algn="l" defTabSz="914400" rtl="0" eaLnBrk="1" latinLnBrk="0" hangingPunct="1">
+              <a:lnSpc>
+                <a:spcPct val="100000"/>
+              </a:lnSpc>
+              <a:spcBef>
+                <a:spcPts val="500"/>
+              </a:spcBef>
+              <a:buFont typeface="System Font Regular"/>
+              <a:buChar char="–"/>
+              <a:defRPr sz="1800" b="0" i="0" kern="1200">
+                <a:solidFill>
+                  <a:schemeClr val="tx1"/>
+                </a:solidFill>
+                <a:latin typeface="+mn-lt"/>
+                <a:ea typeface="+mn-ea"/>
+                <a:cs typeface="+mn-cs"/>
+              </a:defRPr>
+            </a:lvl3pPr>
+            <a:lvl4pPr marL="1600200" indent="-228600" algn="l" defTabSz="914400" rtl="0" eaLnBrk="1" latinLnBrk="0" hangingPunct="1">
+              <a:lnSpc>
+                <a:spcPct val="100000"/>
+              </a:lnSpc>
+              <a:spcBef>
+                <a:spcPts val="500"/>
+              </a:spcBef>
+              <a:buFont typeface="System Font Regular"/>
+              <a:buChar char="–"/>
+              <a:defRPr sz="1600" b="0" i="0" kern="1200">
+                <a:solidFill>
+                  <a:schemeClr val="tx1"/>
+                </a:solidFill>
+                <a:latin typeface="+mn-lt"/>
+                <a:ea typeface="+mn-ea"/>
+                <a:cs typeface="+mn-cs"/>
+              </a:defRPr>
+            </a:lvl4pPr>
+            <a:lvl5pPr marL="2057400" indent="-228600" algn="l" defTabSz="914400" rtl="0" eaLnBrk="1" latinLnBrk="0" hangingPunct="1">
+              <a:lnSpc>
+                <a:spcPct val="100000"/>
+              </a:lnSpc>
+              <a:spcBef>
+                <a:spcPts val="500"/>
+              </a:spcBef>
+              <a:buFont typeface="System Font Regular"/>
+              <a:buChar char="–"/>
+              <a:defRPr sz="1600" b="0" i="0" kern="1200">
+                <a:solidFill>
+                  <a:schemeClr val="tx1"/>
+                </a:solidFill>
+                <a:latin typeface="+mn-lt"/>
+                <a:ea typeface="+mn-ea"/>
+                <a:cs typeface="+mn-cs"/>
+              </a:defRPr>
+            </a:lvl5pPr>
+            <a:lvl6pPr marL="2514600" indent="-228600" algn="l" defTabSz="914400" rtl="0" eaLnBrk="1" latinLnBrk="0" hangingPunct="1">
+              <a:lnSpc>
+                <a:spcPct val="90000"/>
+              </a:lnSpc>
+              <a:spcBef>
+                <a:spcPts val="500"/>
+              </a:spcBef>
+              <a:buFont typeface="Arial" panose="020B0604020202020204" pitchFamily="34" charset="0"/>
+              <a:buChar char="•"/>
+              <a:defRPr sz="1800" kern="1200">
+                <a:solidFill>
+                  <a:schemeClr val="tx1"/>
+                </a:solidFill>
+                <a:latin typeface="+mn-lt"/>
+                <a:ea typeface="+mn-ea"/>
+                <a:cs typeface="+mn-cs"/>
+              </a:defRPr>
+            </a:lvl6pPr>
+            <a:lvl7pPr marL="2971800" indent="-228600" algn="l" defTabSz="914400" rtl="0" eaLnBrk="1" latinLnBrk="0" hangingPunct="1">
+              <a:lnSpc>
+                <a:spcPct val="90000"/>
+              </a:lnSpc>
+              <a:spcBef>
+                <a:spcPts val="500"/>
+              </a:spcBef>
+              <a:buFont typeface="Arial" panose="020B0604020202020204" pitchFamily="34" charset="0"/>
+              <a:buChar char="•"/>
+              <a:defRPr sz="1800" kern="1200">
+                <a:solidFill>
+                  <a:schemeClr val="tx1"/>
+                </a:solidFill>
+                <a:latin typeface="+mn-lt"/>
+                <a:ea typeface="+mn-ea"/>
+                <a:cs typeface="+mn-cs"/>
+              </a:defRPr>
+            </a:lvl7pPr>
+            <a:lvl8pPr marL="3429000" indent="-228600" algn="l" defTabSz="914400" rtl="0" eaLnBrk="1" latinLnBrk="0" hangingPunct="1">
+              <a:lnSpc>
+                <a:spcPct val="90000"/>
+              </a:lnSpc>
+              <a:spcBef>
+                <a:spcPts val="500"/>
+              </a:spcBef>
+              <a:buFont typeface="Arial" panose="020B0604020202020204" pitchFamily="34" charset="0"/>
+              <a:buChar char="•"/>
+              <a:defRPr sz="1800" kern="1200">
+                <a:solidFill>
+                  <a:schemeClr val="tx1"/>
+                </a:solidFill>
+                <a:latin typeface="+mn-lt"/>
+                <a:ea typeface="+mn-ea"/>
+                <a:cs typeface="+mn-cs"/>
+              </a:defRPr>
+            </a:lvl8pPr>
+            <a:lvl9pPr marL="3886200" indent="-228600" algn="l" defTabSz="914400" rtl="0" eaLnBrk="1" latinLnBrk="0" hangingPunct="1">
+              <a:lnSpc>
+                <a:spcPct val="90000"/>
+              </a:lnSpc>
+              <a:spcBef>
+                <a:spcPts val="500"/>
+              </a:spcBef>
+              <a:buFont typeface="Arial" panose="020B0604020202020204" pitchFamily="34" charset="0"/>
+              <a:buChar char="•"/>
+              <a:defRPr sz="1800" kern="1200">
+                <a:solidFill>
+                  <a:schemeClr val="tx1"/>
+                </a:solidFill>
+                <a:latin typeface="+mn-lt"/>
+                <a:ea typeface="+mn-ea"/>
+                <a:cs typeface="+mn-cs"/>
+              </a:defRPr>
+            </a:lvl9pPr>
+          </a:lstStyle>
+          <a:p>
+            <a:pPr algn="just">
+              <a:buFont typeface="Arial" panose="020B0604020202020204" pitchFamily="34" charset="0"/>
+              <a:buChar char="•"/>
+            </a:pPr>
+            <a:r>
+              <a:rPr lang="en-US" sz="1600" b="1" i="0" dirty="0">
+                <a:solidFill>
+                  <a:srgbClr val="31333F"/>
+                </a:solidFill>
+                <a:effectLst/>
+                <a:latin typeface="Source Sans Pro" panose="020B0503030403020204" pitchFamily="34" charset="0"/>
+              </a:rPr>
+              <a:t>Type</a:t>
+            </a:r>
+            <a:r>
+              <a:rPr lang="en-US" sz="1600" b="0" i="0" dirty="0">
+                <a:solidFill>
+                  <a:srgbClr val="31333F"/>
+                </a:solidFill>
+                <a:effectLst/>
+                <a:latin typeface="Source Sans Pro" panose="020B0503030403020204" pitchFamily="34" charset="0"/>
+              </a:rPr>
+              <a:t>: Stacking </a:t>
+            </a:r>
+            <a:r>
+              <a:rPr lang="en-US" sz="1600" dirty="0">
+                <a:solidFill>
+                  <a:srgbClr val="31333F"/>
+                </a:solidFill>
+                <a:latin typeface="Source Sans Pro" panose="020B0503030403020204" pitchFamily="34" charset="0"/>
+              </a:rPr>
+              <a:t>Classifier (Random Forest, </a:t>
+            </a:r>
+            <a:r>
+              <a:rPr lang="en-US" sz="1600" dirty="0" err="1">
+                <a:solidFill>
+                  <a:srgbClr val="31333F"/>
+                </a:solidFill>
+                <a:latin typeface="Source Sans Pro" panose="020B0503030403020204" pitchFamily="34" charset="0"/>
+              </a:rPr>
+              <a:t>Adaboost</a:t>
+            </a:r>
+            <a:r>
+              <a:rPr lang="en-US" sz="1600" dirty="0">
+                <a:solidFill>
+                  <a:srgbClr val="31333F"/>
+                </a:solidFill>
+                <a:latin typeface="Source Sans Pro" panose="020B0503030403020204" pitchFamily="34" charset="0"/>
+              </a:rPr>
+              <a:t>, Logistic regression (LR) as base learners and LR as final learner)</a:t>
+            </a:r>
+          </a:p>
+          <a:p>
+            <a:pPr algn="just">
+              <a:buFont typeface="Arial" panose="020B0604020202020204" pitchFamily="34" charset="0"/>
+              <a:buChar char="•"/>
+            </a:pPr>
+            <a:r>
+              <a:rPr lang="en-US" sz="1600" b="1" i="0" dirty="0">
+                <a:solidFill>
+                  <a:srgbClr val="31333F"/>
+                </a:solidFill>
+                <a:effectLst/>
+                <a:latin typeface="Source Sans Pro" panose="020B0503030403020204" pitchFamily="34" charset="0"/>
+              </a:rPr>
+              <a:t>Objective</a:t>
+            </a:r>
+            <a:r>
+              <a:rPr lang="en-US" sz="1600" b="0" i="0" dirty="0">
+                <a:solidFill>
+                  <a:srgbClr val="31333F"/>
+                </a:solidFill>
+                <a:effectLst/>
+                <a:latin typeface="Source Sans Pro" panose="020B0503030403020204" pitchFamily="34" charset="0"/>
+              </a:rPr>
+              <a:t>: Predict pass or fail rate in an </a:t>
+            </a:r>
+            <a:r>
+              <a:rPr lang="en-US" sz="1600" dirty="0">
+                <a:solidFill>
+                  <a:srgbClr val="31333F"/>
+                </a:solidFill>
+                <a:latin typeface="Source Sans Pro" panose="020B0503030403020204" pitchFamily="34" charset="0"/>
+              </a:rPr>
+              <a:t>academic year</a:t>
+            </a:r>
+          </a:p>
+          <a:p>
+            <a:pPr algn="just">
+              <a:buFont typeface="Arial" panose="020B0604020202020204" pitchFamily="34" charset="0"/>
+              <a:buChar char="•"/>
+            </a:pPr>
+            <a:r>
+              <a:rPr lang="en-US" sz="1600" b="1" i="0" dirty="0">
+                <a:solidFill>
+                  <a:srgbClr val="31333F"/>
+                </a:solidFill>
+                <a:effectLst/>
+                <a:latin typeface="Source Sans Pro" panose="020B0503030403020204" pitchFamily="34" charset="0"/>
+              </a:rPr>
+              <a:t>Accuracy</a:t>
+            </a:r>
+            <a:r>
+              <a:rPr lang="en-US" sz="1600" b="0" i="0" dirty="0">
+                <a:solidFill>
+                  <a:srgbClr val="31333F"/>
+                </a:solidFill>
+                <a:effectLst/>
+                <a:latin typeface="Source Sans Pro" panose="020B0503030403020204" pitchFamily="34" charset="0"/>
+              </a:rPr>
+              <a:t>: 83% </a:t>
+            </a:r>
+            <a:r>
+              <a:rPr lang="en-US" sz="1600" b="0" i="0" dirty="0">
+                <a:solidFill>
+                  <a:srgbClr val="FF0000"/>
+                </a:solidFill>
+                <a:effectLst/>
+                <a:latin typeface="Source Sans Pro" panose="020B0503030403020204" pitchFamily="34" charset="0"/>
+              </a:rPr>
+              <a:t>(lower accuracy)</a:t>
+            </a:r>
+          </a:p>
+          <a:p>
+            <a:pPr algn="just">
+              <a:buFont typeface="Arial" panose="020B0604020202020204" pitchFamily="34" charset="0"/>
+              <a:buChar char="•"/>
+            </a:pPr>
+            <a:r>
+              <a:rPr lang="en-US" sz="1600" b="1" i="0" dirty="0">
+                <a:solidFill>
+                  <a:srgbClr val="31333F"/>
+                </a:solidFill>
+                <a:effectLst/>
+                <a:latin typeface="Source Sans Pro" panose="020B0503030403020204" pitchFamily="34" charset="0"/>
+              </a:rPr>
+              <a:t>Dataset</a:t>
+            </a:r>
+            <a:r>
+              <a:rPr lang="en-US" sz="1600" b="0" i="0" dirty="0">
+                <a:solidFill>
+                  <a:srgbClr val="31333F"/>
+                </a:solidFill>
+                <a:effectLst/>
+                <a:latin typeface="Source Sans Pro" panose="020B0503030403020204" pitchFamily="34" charset="0"/>
+              </a:rPr>
+              <a:t>: From university, includes student grades, demographic, social and school-related features. It </a:t>
+            </a:r>
+            <a:r>
+              <a:rPr lang="en-US" sz="1600" b="0" i="0" dirty="0">
+                <a:solidFill>
+                  <a:srgbClr val="FF0000"/>
+                </a:solidFill>
+                <a:effectLst/>
+                <a:latin typeface="Source Sans Pro" panose="020B0503030403020204" pitchFamily="34" charset="0"/>
+              </a:rPr>
+              <a:t>has 31 features and 145 data points.</a:t>
+            </a:r>
+          </a:p>
+          <a:p>
+            <a:pPr algn="just">
+              <a:buFont typeface="Arial" panose="020B0604020202020204" pitchFamily="34" charset="0"/>
+              <a:buChar char="•"/>
+            </a:pPr>
+            <a:r>
+              <a:rPr lang="en-US" sz="1600" b="1" i="0" dirty="0">
+                <a:solidFill>
+                  <a:srgbClr val="31333F"/>
+                </a:solidFill>
+                <a:effectLst/>
+                <a:latin typeface="Source Sans Pro" panose="020B0503030403020204" pitchFamily="34" charset="0"/>
+              </a:rPr>
+              <a:t>Insights</a:t>
+            </a:r>
+            <a:r>
+              <a:rPr lang="en-US" sz="1600" b="0" i="0" dirty="0">
+                <a:solidFill>
+                  <a:srgbClr val="31333F"/>
+                </a:solidFill>
+                <a:effectLst/>
+                <a:latin typeface="Source Sans Pro" panose="020B0503030403020204" pitchFamily="34" charset="0"/>
+              </a:rPr>
+              <a:t>: Not possible from stacking but base learners considered: academic, social, and socio-economic features important</a:t>
+            </a:r>
+          </a:p>
+        </p:txBody>
+      </p:sp>
+      <p:sp>
+        <p:nvSpPr>
+          <p:cNvPr id="21" name="Title 1">
+            <a:extLst>
+              <a:ext uri="{FF2B5EF4-FFF2-40B4-BE49-F238E27FC236}">
+                <a16:creationId xmlns:a16="http://schemas.microsoft.com/office/drawing/2014/main" id="{638C79DB-6E4C-3025-3B85-3FA2129AE0F0}"/>
+              </a:ext>
+            </a:extLst>
+          </p:cNvPr>
+          <p:cNvSpPr txBox="1">
+            <a:spLocks/>
+          </p:cNvSpPr>
+          <p:nvPr/>
+        </p:nvSpPr>
+        <p:spPr>
+          <a:xfrm>
+            <a:off x="6145854" y="3527151"/>
+            <a:ext cx="1944240" cy="363826"/>
+          </a:xfrm>
+          <a:prstGeom prst="rect">
+            <a:avLst/>
+          </a:prstGeom>
+        </p:spPr>
+        <p:txBody>
+          <a:bodyPr vert="horz" lIns="91440" tIns="45720" rIns="91440" bIns="45720" rtlCol="0" anchor="t">
+            <a:normAutofit fontScale="92500" lnSpcReduction="20000"/>
+          </a:bodyPr>
+          <a:lstStyle>
+            <a:lvl1pPr algn="l" defTabSz="914400" rtl="0" eaLnBrk="1" latinLnBrk="0" hangingPunct="1">
+              <a:lnSpc>
+                <a:spcPct val="100000"/>
+              </a:lnSpc>
+              <a:spcBef>
+                <a:spcPct val="0"/>
+              </a:spcBef>
+              <a:buNone/>
+              <a:defRPr sz="4400" kern="1200">
+                <a:solidFill>
+                  <a:schemeClr val="tx1"/>
+                </a:solidFill>
+                <a:latin typeface="+mj-lt"/>
+                <a:ea typeface="+mj-ea"/>
+                <a:cs typeface="+mj-cs"/>
+              </a:defRPr>
+            </a:lvl1pPr>
+          </a:lstStyle>
+          <a:p>
+            <a:r>
+              <a:rPr lang="en-US" sz="2400" b="1" dirty="0"/>
+              <a:t>Model 4</a:t>
             </a:r>
           </a:p>
         </p:txBody>
@@ -7109,7 +8100,7 @@
     </p:spTree>
     <p:extLst>
       <p:ext uri="{BB962C8B-B14F-4D97-AF65-F5344CB8AC3E}">
-        <p14:creationId xmlns:p14="http://schemas.microsoft.com/office/powerpoint/2010/main" val="1989057776"/>
+        <p14:creationId xmlns:p14="http://schemas.microsoft.com/office/powerpoint/2010/main" val="232401482"/>
       </p:ext>
     </p:extLst>
   </p:cSld>
@@ -7128,9 +8119,6 @@
                     <p:cTn id="3" fill="hold">
                       <p:stCondLst>
                         <p:cond delay="indefinite"/>
-                        <p:cond evt="onBegin" delay="0">
-                          <p:tn val="2"/>
-                        </p:cond>
                       </p:stCondLst>
                       <p:childTnLst>
                         <p:par>
@@ -7140,7 +8128,7 @@
                             </p:stCondLst>
                             <p:childTnLst>
                               <p:par>
-                                <p:cTn id="5" presetID="1" presetClass="entr" presetSubtype="0" fill="hold" grpId="0" nodeType="withEffect">
+                                <p:cTn id="5" presetID="1" presetClass="entr" presetSubtype="0" fill="hold" grpId="0" nodeType="clickEffect">
                                   <p:stCondLst>
                                     <p:cond delay="0"/>
                                   </p:stCondLst>
@@ -7153,7 +8141,178 @@
                                           </p:stCondLst>
                                         </p:cTn>
                                         <p:tgtEl>
-                                          <p:spTgt spid="4"/>
+                                          <p:spTgt spid="8"/>
+                                        </p:tgtEl>
+                                        <p:attrNameLst>
+                                          <p:attrName>style.visibility</p:attrName>
+                                        </p:attrNameLst>
+                                      </p:cBhvr>
+                                      <p:to>
+                                        <p:strVal val="visible"/>
+                                      </p:to>
+                                    </p:set>
+                                  </p:childTnLst>
+                                </p:cTn>
+                              </p:par>
+                              <p:par>
+                                <p:cTn id="7" presetID="1" presetClass="entr" presetSubtype="0" fill="hold" grpId="0" nodeType="withEffect">
+                                  <p:stCondLst>
+                                    <p:cond delay="0"/>
+                                  </p:stCondLst>
+                                  <p:childTnLst>
+                                    <p:set>
+                                      <p:cBhvr>
+                                        <p:cTn id="8" dur="1" fill="hold">
+                                          <p:stCondLst>
+                                            <p:cond delay="0"/>
+                                          </p:stCondLst>
+                                        </p:cTn>
+                                        <p:tgtEl>
+                                          <p:spTgt spid="7"/>
+                                        </p:tgtEl>
+                                        <p:attrNameLst>
+                                          <p:attrName>style.visibility</p:attrName>
+                                        </p:attrNameLst>
+                                      </p:cBhvr>
+                                      <p:to>
+                                        <p:strVal val="visible"/>
+                                      </p:to>
+                                    </p:set>
+                                  </p:childTnLst>
+                                </p:cTn>
+                              </p:par>
+                            </p:childTnLst>
+                          </p:cTn>
+                        </p:par>
+                      </p:childTnLst>
+                    </p:cTn>
+                  </p:par>
+                  <p:par>
+                    <p:cTn id="9" fill="hold">
+                      <p:stCondLst>
+                        <p:cond delay="indefinite"/>
+                      </p:stCondLst>
+                      <p:childTnLst>
+                        <p:par>
+                          <p:cTn id="10" fill="hold">
+                            <p:stCondLst>
+                              <p:cond delay="0"/>
+                            </p:stCondLst>
+                            <p:childTnLst>
+                              <p:par>
+                                <p:cTn id="11" presetID="1" presetClass="entr" presetSubtype="0" fill="hold" grpId="0" nodeType="clickEffect">
+                                  <p:stCondLst>
+                                    <p:cond delay="0"/>
+                                  </p:stCondLst>
+                                  <p:childTnLst>
+                                    <p:set>
+                                      <p:cBhvr>
+                                        <p:cTn id="12" dur="1" fill="hold">
+                                          <p:stCondLst>
+                                            <p:cond delay="0"/>
+                                          </p:stCondLst>
+                                        </p:cTn>
+                                        <p:tgtEl>
+                                          <p:spTgt spid="17"/>
+                                        </p:tgtEl>
+                                        <p:attrNameLst>
+                                          <p:attrName>style.visibility</p:attrName>
+                                        </p:attrNameLst>
+                                      </p:cBhvr>
+                                      <p:to>
+                                        <p:strVal val="visible"/>
+                                      </p:to>
+                                    </p:set>
+                                  </p:childTnLst>
+                                </p:cTn>
+                              </p:par>
+                              <p:par>
+                                <p:cTn id="13" presetID="1" presetClass="entr" presetSubtype="0" fill="hold" grpId="0" nodeType="withEffect">
+                                  <p:stCondLst>
+                                    <p:cond delay="0"/>
+                                  </p:stCondLst>
+                                  <p:childTnLst>
+                                    <p:set>
+                                      <p:cBhvr>
+                                        <p:cTn id="14" dur="1" fill="hold">
+                                          <p:stCondLst>
+                                            <p:cond delay="0"/>
+                                          </p:stCondLst>
+                                        </p:cTn>
+                                        <p:tgtEl>
+                                          <p:spTgt spid="18"/>
+                                        </p:tgtEl>
+                                        <p:attrNameLst>
+                                          <p:attrName>style.visibility</p:attrName>
+                                        </p:attrNameLst>
+                                      </p:cBhvr>
+                                      <p:to>
+                                        <p:strVal val="visible"/>
+                                      </p:to>
+                                    </p:set>
+                                  </p:childTnLst>
+                                </p:cTn>
+                              </p:par>
+                            </p:childTnLst>
+                          </p:cTn>
+                        </p:par>
+                      </p:childTnLst>
+                    </p:cTn>
+                  </p:par>
+                  <p:par>
+                    <p:cTn id="15" fill="hold">
+                      <p:stCondLst>
+                        <p:cond delay="indefinite"/>
+                      </p:stCondLst>
+                      <p:childTnLst>
+                        <p:par>
+                          <p:cTn id="16" fill="hold">
+                            <p:stCondLst>
+                              <p:cond delay="0"/>
+                            </p:stCondLst>
+                            <p:childTnLst>
+                              <p:par>
+                                <p:cTn id="17" presetID="1" presetClass="entr" presetSubtype="0" fill="hold" grpId="0" nodeType="clickEffect">
+                                  <p:stCondLst>
+                                    <p:cond delay="0"/>
+                                  </p:stCondLst>
+                                  <p:childTnLst>
+                                    <p:set>
+                                      <p:cBhvr>
+                                        <p:cTn id="18" dur="1" fill="hold">
+                                          <p:stCondLst>
+                                            <p:cond delay="0"/>
+                                          </p:stCondLst>
+                                        </p:cTn>
+                                        <p:tgtEl>
+                                          <p:spTgt spid="20"/>
+                                        </p:tgtEl>
+                                        <p:attrNameLst>
+                                          <p:attrName>style.visibility</p:attrName>
+                                        </p:attrNameLst>
+                                      </p:cBhvr>
+                                      <p:to>
+                                        <p:strVal val="visible"/>
+                                      </p:to>
+                                    </p:set>
+                                  </p:childTnLst>
+                                </p:cTn>
+                              </p:par>
+                              <p:par>
+                                <p:cTn id="19" presetID="1" presetClass="entr" presetSubtype="0" fill="hold" grpId="0" nodeType="withEffect">
+                                  <p:stCondLst>
+                                    <p:cond delay="0"/>
+                                  </p:stCondLst>
+                                  <p:childTnLst>
+                                    <p:set>
+                                      <p:cBhvr>
+                                        <p:cTn id="20" dur="1" fill="hold">
+                                          <p:stCondLst>
+                                            <p:cond delay="0"/>
+                                          </p:stCondLst>
+                                        </p:cTn>
+                                        <p:tgtEl>
+                                          <p:spTgt spid="21"/>
                                         </p:tgtEl>
                                         <p:attrNameLst>
                                           <p:attrName>style.visibility</p:attrName>
@@ -7194,7 +8353,12 @@
       </p:par>
     </p:tnLst>
     <p:bldLst>
-      <p:bldP spid="4" grpId="0"/>
+      <p:bldP spid="7" grpId="0"/>
+      <p:bldP spid="8" grpId="0"/>
+      <p:bldP spid="17" grpId="0"/>
+      <p:bldP spid="18" grpId="0"/>
+      <p:bldP spid="20" grpId="0"/>
+      <p:bldP spid="21" grpId="0"/>
     </p:bldLst>
   </p:timing>
 </p:sld>
@@ -7205,13 +8369,7 @@
   <p:cSld>
     <p:spTree>
       <p:nvGrpSpPr>
-        <p:cNvPr id="1" name="">
-          <a:extLst>
-            <a:ext uri="{FF2B5EF4-FFF2-40B4-BE49-F238E27FC236}">
-              <a16:creationId xmlns:a16="http://schemas.microsoft.com/office/drawing/2014/main" id="{CEE6D8A8-23B7-62BD-C065-D8999C3BC654}"/>
-            </a:ext>
-          </a:extLst>
-        </p:cNvPr>
+        <p:cNvPr id="1" name=""/>
         <p:cNvGrpSpPr/>
         <p:nvPr/>
       </p:nvGrpSpPr>
@@ -7228,7 +8386,7 @@
           <p:cNvPr id="2" name="Title 1">
             <a:extLst>
               <a:ext uri="{FF2B5EF4-FFF2-40B4-BE49-F238E27FC236}">
-                <a16:creationId xmlns:a16="http://schemas.microsoft.com/office/drawing/2014/main" id="{A6EA8072-F54D-38EA-9623-99F03DD6BEDB}"/>
+                <a16:creationId xmlns:a16="http://schemas.microsoft.com/office/drawing/2014/main" id="{449549B9-AA3B-F6AD-8781-2B65F4BE34CA}"/>
               </a:ext>
             </a:extLst>
           </p:cNvPr>
@@ -7239,8 +8397,8 @@
         </p:nvSpPr>
         <p:spPr>
           <a:xfrm>
-            <a:off x="179723" y="7459"/>
-            <a:ext cx="11671965" cy="816746"/>
+            <a:off x="846306" y="2797126"/>
+            <a:ext cx="3806351" cy="816746"/>
           </a:xfrm>
           <a:prstGeom prst="rect">
             <a:avLst/>
@@ -7272,17 +8430,83 @@
           <a:p>
             <a:r>
               <a:rPr lang="en-US" sz="4000" b="1" dirty="0"/>
-              <a:t>3. Feature Importance</a:t>
+              <a:t>How it works</a:t>
             </a:r>
           </a:p>
         </p:txBody>
       </p:sp>
+      <p:pic>
+        <p:nvPicPr>
+          <p:cNvPr id="20" name="Picture 19" descr="A screenshot of a computer screen&#10;&#10;Description automatically generated">
+            <a:extLst>
+              <a:ext uri="{FF2B5EF4-FFF2-40B4-BE49-F238E27FC236}">
+                <a16:creationId xmlns:a16="http://schemas.microsoft.com/office/drawing/2014/main" id="{E82FED20-3224-66B9-428A-49EF06531B84}"/>
+              </a:ext>
+            </a:extLst>
+          </p:cNvPr>
+          <p:cNvPicPr>
+            <a:picLocks noChangeAspect="1"/>
+          </p:cNvPicPr>
+          <p:nvPr/>
+        </p:nvPicPr>
+        <p:blipFill>
+          <a:blip r:embed="rId2">
+            <a:extLst>
+              <a:ext uri="{28A0092B-C50C-407E-A947-70E740481C1C}">
+                <a14:useLocalDpi xmlns:a14="http://schemas.microsoft.com/office/drawing/2010/main" val="0"/>
+              </a:ext>
+            </a:extLst>
+          </a:blip>
+          <a:stretch>
+            <a:fillRect/>
+          </a:stretch>
+        </p:blipFill>
+        <p:spPr>
+          <a:xfrm>
+            <a:off x="5456806" y="31072"/>
+            <a:ext cx="4976428" cy="6795856"/>
+          </a:xfrm>
+          <a:prstGeom prst="rect">
+            <a:avLst/>
+          </a:prstGeom>
+        </p:spPr>
+      </p:pic>
+    </p:spTree>
+    <p:extLst>
+      <p:ext uri="{BB962C8B-B14F-4D97-AF65-F5344CB8AC3E}">
+        <p14:creationId xmlns:p14="http://schemas.microsoft.com/office/powerpoint/2010/main" val="1989057776"/>
+      </p:ext>
+    </p:extLst>
+  </p:cSld>
+  <p:clrMapOvr>
+    <a:masterClrMapping/>
+  </p:clrMapOvr>
+</p:sld>
+</file>
+
+<file path=ppt/slides/slide6.xml><?xml version="1.0" encoding="utf-8"?>
+<p:sld xmlns:a="http://schemas.openxmlformats.org/drawingml/2006/main" xmlns:r="http://schemas.openxmlformats.org/officeDocument/2006/relationships" xmlns:p="http://schemas.openxmlformats.org/presentationml/2006/main">
+  <p:cSld>
+    <p:spTree>
+      <p:nvGrpSpPr>
+        <p:cNvPr id="1" name=""/>
+        <p:cNvGrpSpPr/>
+        <p:nvPr/>
+      </p:nvGrpSpPr>
+      <p:grpSpPr>
+        <a:xfrm>
+          <a:off x="0" y="0"/>
+          <a:ext cx="0" cy="0"/>
+          <a:chOff x="0" y="0"/>
+          <a:chExt cx="0" cy="0"/>
+        </a:xfrm>
+      </p:grpSpPr>
       <p:sp>
         <p:nvSpPr>
-          <p:cNvPr id="3" name="Content Placeholder 2">
+          <p:cNvPr id="2" name="Title 1">
             <a:extLst>
               <a:ext uri="{FF2B5EF4-FFF2-40B4-BE49-F238E27FC236}">
-                <a16:creationId xmlns:a16="http://schemas.microsoft.com/office/drawing/2014/main" id="{B798E076-BB89-E9B6-1E08-5DF247F78C72}"/>
+                <a16:creationId xmlns:a16="http://schemas.microsoft.com/office/drawing/2014/main" id="{F5545963-FC16-A5AD-BA4F-E06D0F02B300}"/>
               </a:ext>
             </a:extLst>
           </p:cNvPr>
@@ -7293,8 +8517,62 @@
         </p:nvSpPr>
         <p:spPr>
           <a:xfrm>
-            <a:off x="484913" y="824205"/>
-            <a:ext cx="9706652" cy="4901892"/>
+            <a:off x="439926" y="3404081"/>
+            <a:ext cx="7084999" cy="620887"/>
+          </a:xfrm>
+          <a:prstGeom prst="rect">
+            <a:avLst/>
+          </a:prstGeom>
+        </p:spPr>
+        <p:txBody>
+          <a:bodyPr vert="horz" lIns="91440" tIns="45720" rIns="91440" bIns="45720" rtlCol="0" anchor="t">
+            <a:normAutofit/>
+          </a:bodyPr>
+          <a:lstStyle>
+            <a:lvl1pPr algn="l" defTabSz="914400" rtl="0" eaLnBrk="1" latinLnBrk="0" hangingPunct="1">
+              <a:lnSpc>
+                <a:spcPct val="100000"/>
+              </a:lnSpc>
+              <a:spcBef>
+                <a:spcPct val="0"/>
+              </a:spcBef>
+              <a:buNone/>
+              <a:defRPr sz="4400" kern="1200">
+                <a:solidFill>
+                  <a:schemeClr val="tx1"/>
+                </a:solidFill>
+                <a:latin typeface="+mj-lt"/>
+                <a:ea typeface="+mj-ea"/>
+                <a:cs typeface="+mj-cs"/>
+              </a:defRPr>
+            </a:lvl1pPr>
+          </a:lstStyle>
+          <a:p>
+            <a:r>
+              <a:rPr lang="en-US" sz="3200" b="1" dirty="0"/>
+              <a:t>Future Work and Considerations</a:t>
+            </a:r>
+          </a:p>
+        </p:txBody>
+      </p:sp>
+      <p:sp>
+        <p:nvSpPr>
+          <p:cNvPr id="3" name="Content Placeholder 2">
+            <a:extLst>
+              <a:ext uri="{FF2B5EF4-FFF2-40B4-BE49-F238E27FC236}">
+                <a16:creationId xmlns:a16="http://schemas.microsoft.com/office/drawing/2014/main" id="{F84AA83B-A8B9-D1FD-DEE3-C4B82DD42AAC}"/>
+              </a:ext>
+            </a:extLst>
+          </p:cNvPr>
+          <p:cNvSpPr txBox="1">
+            <a:spLocks/>
+          </p:cNvSpPr>
+          <p:nvPr/>
+        </p:nvSpPr>
+        <p:spPr>
+          <a:xfrm>
+            <a:off x="439926" y="4040691"/>
+            <a:ext cx="11312148" cy="1727555"/>
           </a:xfrm>
           <a:prstGeom prst="rect">
             <a:avLst/>
@@ -7469,136 +8747,106 @@
             </a:lvl9pPr>
           </a:lstStyle>
           <a:p>
-            <a:endParaRPr lang="en-US" sz="2000" dirty="0"/>
+            <a:pPr algn="just"/>
+            <a:r>
+              <a:rPr lang="en-US" sz="2000" dirty="0"/>
+              <a:t>Creating our </a:t>
+            </a:r>
+            <a:r>
+              <a:rPr lang="en-US" sz="2000" dirty="0">
+                <a:solidFill>
+                  <a:srgbClr val="FF0000"/>
+                </a:solidFill>
+              </a:rPr>
+              <a:t>own dataset </a:t>
+            </a:r>
+            <a:r>
+              <a:rPr lang="en-US" sz="2000" dirty="0"/>
+              <a:t>by creating a comprehensive and ethical </a:t>
+            </a:r>
+            <a:r>
+              <a:rPr lang="en-US" sz="2000" dirty="0">
+                <a:solidFill>
+                  <a:srgbClr val="FF0000"/>
+                </a:solidFill>
+              </a:rPr>
+              <a:t>survey</a:t>
+            </a:r>
+            <a:r>
+              <a:rPr lang="en-US" sz="2000" dirty="0">
+                <a:solidFill>
+                  <a:srgbClr val="00B050"/>
+                </a:solidFill>
+              </a:rPr>
+              <a:t> </a:t>
+            </a:r>
+            <a:r>
+              <a:rPr lang="en-US" sz="2000" dirty="0"/>
+              <a:t>to integrate personalization variables, as done by </a:t>
+            </a:r>
+            <a:r>
+              <a:rPr lang="en-US" sz="2000" dirty="0" err="1"/>
+              <a:t>Nabizadeh</a:t>
+            </a:r>
+            <a:r>
+              <a:rPr lang="en-US" sz="2000" dirty="0"/>
+              <a:t>, S. et al</a:t>
+            </a:r>
+            <a:r>
+              <a:rPr lang="en-US" sz="2000" baseline="50000" dirty="0"/>
+              <a:t>1</a:t>
+            </a:r>
+            <a:r>
+              <a:rPr lang="en-US" sz="2000" dirty="0"/>
+              <a:t>. </a:t>
+            </a:r>
+          </a:p>
+          <a:p>
+            <a:pPr algn="just"/>
+            <a:r>
+              <a:rPr lang="en-US" sz="2000" dirty="0"/>
+              <a:t>Integrate to </a:t>
+            </a:r>
+            <a:r>
+              <a:rPr lang="en-US" sz="2000" dirty="0">
+                <a:solidFill>
+                  <a:srgbClr val="FF0000"/>
+                </a:solidFill>
+              </a:rPr>
+              <a:t>Univer</a:t>
+            </a:r>
+            <a:r>
+              <a:rPr lang="en-US" sz="2000" dirty="0"/>
+              <a:t> system to develop a real-time recommendation system.</a:t>
+            </a:r>
+          </a:p>
+          <a:p>
+            <a:pPr algn="just"/>
+            <a:r>
+              <a:rPr lang="en-US" sz="2000" dirty="0"/>
+              <a:t>Collaborate with other universities for more a </a:t>
+            </a:r>
+            <a:r>
+              <a:rPr lang="en-US" sz="2000" dirty="0">
+                <a:solidFill>
+                  <a:srgbClr val="FF0000"/>
+                </a:solidFill>
+              </a:rPr>
+              <a:t>representative</a:t>
+            </a:r>
+            <a:r>
+              <a:rPr lang="en-US" sz="2000" dirty="0"/>
+              <a:t> sampling.</a:t>
+            </a:r>
           </a:p>
         </p:txBody>
       </p:sp>
-      <p:pic>
-        <p:nvPicPr>
-          <p:cNvPr id="5" name="Picture 4">
-            <a:extLst>
-              <a:ext uri="{FF2B5EF4-FFF2-40B4-BE49-F238E27FC236}">
-                <a16:creationId xmlns:a16="http://schemas.microsoft.com/office/drawing/2014/main" id="{313F40C7-C3B4-FD60-1FD6-1843470D95C7}"/>
-              </a:ext>
-            </a:extLst>
-          </p:cNvPr>
-          <p:cNvPicPr>
-            <a:picLocks noChangeAspect="1"/>
-          </p:cNvPicPr>
-          <p:nvPr/>
-        </p:nvPicPr>
-        <p:blipFill>
-          <a:blip r:embed="rId3"/>
-          <a:stretch>
-            <a:fillRect/>
-          </a:stretch>
-        </p:blipFill>
-        <p:spPr>
-          <a:xfrm>
-            <a:off x="0" y="725975"/>
-            <a:ext cx="4879910" cy="2891207"/>
-          </a:xfrm>
-          <a:prstGeom prst="rect">
-            <a:avLst/>
-          </a:prstGeom>
-        </p:spPr>
-      </p:pic>
-      <p:pic>
-        <p:nvPicPr>
-          <p:cNvPr id="7" name="Picture 6">
-            <a:extLst>
-              <a:ext uri="{FF2B5EF4-FFF2-40B4-BE49-F238E27FC236}">
-                <a16:creationId xmlns:a16="http://schemas.microsoft.com/office/drawing/2014/main" id="{CF5CBB59-C8AD-3048-447E-1B2A802B8C7E}"/>
-              </a:ext>
-            </a:extLst>
-          </p:cNvPr>
-          <p:cNvPicPr>
-            <a:picLocks noChangeAspect="1"/>
-          </p:cNvPicPr>
-          <p:nvPr/>
-        </p:nvPicPr>
-        <p:blipFill>
-          <a:blip r:embed="rId4"/>
-          <a:stretch>
-            <a:fillRect/>
-          </a:stretch>
-        </p:blipFill>
-        <p:spPr>
-          <a:xfrm>
-            <a:off x="6196925" y="373686"/>
-            <a:ext cx="5834486" cy="2957545"/>
-          </a:xfrm>
-          <a:prstGeom prst="rect">
-            <a:avLst/>
-          </a:prstGeom>
-        </p:spPr>
-      </p:pic>
-      <p:pic>
-        <p:nvPicPr>
-          <p:cNvPr id="10" name="Picture 9">
-            <a:extLst>
-              <a:ext uri="{FF2B5EF4-FFF2-40B4-BE49-F238E27FC236}">
-                <a16:creationId xmlns:a16="http://schemas.microsoft.com/office/drawing/2014/main" id="{78FD9E5C-FBD4-DDF9-3ADC-001D197EC007}"/>
-              </a:ext>
-            </a:extLst>
-          </p:cNvPr>
-          <p:cNvPicPr>
-            <a:picLocks noChangeAspect="1"/>
-          </p:cNvPicPr>
-          <p:nvPr/>
-        </p:nvPicPr>
-        <p:blipFill>
-          <a:blip r:embed="rId5"/>
-          <a:stretch>
-            <a:fillRect/>
-          </a:stretch>
-        </p:blipFill>
-        <p:spPr>
-          <a:xfrm>
-            <a:off x="0" y="4173617"/>
-            <a:ext cx="4879910" cy="2715646"/>
-          </a:xfrm>
-          <a:prstGeom prst="rect">
-            <a:avLst/>
-          </a:prstGeom>
-        </p:spPr>
-      </p:pic>
-      <p:pic>
-        <p:nvPicPr>
-          <p:cNvPr id="12" name="Picture 11">
-            <a:extLst>
-              <a:ext uri="{FF2B5EF4-FFF2-40B4-BE49-F238E27FC236}">
-                <a16:creationId xmlns:a16="http://schemas.microsoft.com/office/drawing/2014/main" id="{A6F6AC2E-64B7-112D-FB04-BAF6BC76F6B7}"/>
-              </a:ext>
-            </a:extLst>
-          </p:cNvPr>
-          <p:cNvPicPr>
-            <a:picLocks noChangeAspect="1"/>
-          </p:cNvPicPr>
-          <p:nvPr/>
-        </p:nvPicPr>
-        <p:blipFill>
-          <a:blip r:embed="rId6"/>
-          <a:stretch>
-            <a:fillRect/>
-          </a:stretch>
-        </p:blipFill>
-        <p:spPr>
-          <a:xfrm>
-            <a:off x="6848486" y="3781750"/>
-            <a:ext cx="5114986" cy="2996157"/>
-          </a:xfrm>
-          <a:prstGeom prst="rect">
-            <a:avLst/>
-          </a:prstGeom>
-        </p:spPr>
-      </p:pic>
       <p:sp>
         <p:nvSpPr>
-          <p:cNvPr id="13" name="TextBox 12">
+          <p:cNvPr id="4" name="TextBox 3">
             <a:extLst>
               <a:ext uri="{FF2B5EF4-FFF2-40B4-BE49-F238E27FC236}">
-                <a16:creationId xmlns:a16="http://schemas.microsoft.com/office/drawing/2014/main" id="{CB626391-DF5E-684B-02C3-E7179BB9F331}"/>
+                <a16:creationId xmlns:a16="http://schemas.microsoft.com/office/drawing/2014/main" id="{AE2E60D9-90F6-A598-946D-2BB6D7EFF76A}"/>
               </a:ext>
             </a:extLst>
           </p:cNvPr>
@@ -7607,52 +8855,65 @@
         </p:nvSpPr>
         <p:spPr>
           <a:xfrm>
-            <a:off x="4286243" y="3530740"/>
-            <a:ext cx="3155910" cy="369332"/>
+            <a:off x="277378" y="6250377"/>
+            <a:ext cx="8807899" cy="600164"/>
           </a:xfrm>
           <a:prstGeom prst="rect">
             <a:avLst/>
           </a:prstGeom>
-          <a:ln>
-            <a:solidFill>
-              <a:srgbClr val="FF0000"/>
-            </a:solidFill>
-          </a:ln>
+          <a:noFill/>
         </p:spPr>
-        <p:style>
-          <a:lnRef idx="2">
-            <a:schemeClr val="accent5"/>
-          </a:lnRef>
-          <a:fillRef idx="1">
-            <a:schemeClr val="lt1"/>
-          </a:fillRef>
-          <a:effectRef idx="0">
-            <a:schemeClr val="accent5"/>
-          </a:effectRef>
-          <a:fontRef idx="minor">
-            <a:schemeClr val="dk1"/>
-          </a:fontRef>
-        </p:style>
         <p:txBody>
           <a:bodyPr wrap="square" rtlCol="0">
             <a:spAutoFit/>
           </a:bodyPr>
           <a:lstStyle/>
           <a:p>
-            <a:pPr algn="ctr"/>
-            <a:r>
-              <a:rPr lang="en-US" dirty="0"/>
-              <a:t>What are the main factors?</a:t>
+            <a:pPr marL="342900" indent="-342900" algn="just">
+              <a:buFont typeface="+mj-lt"/>
+              <a:buAutoNum type="arabicPeriod"/>
+            </a:pPr>
+            <a:r>
+              <a:rPr lang="en-US" sz="1100" dirty="0" err="1"/>
+              <a:t>Nabizadeh</a:t>
+            </a:r>
+            <a:r>
+              <a:rPr lang="en-US" sz="1100" dirty="0"/>
+              <a:t>, S., </a:t>
+            </a:r>
+            <a:r>
+              <a:rPr lang="en-US" sz="1100" dirty="0" err="1"/>
+              <a:t>Hajian</a:t>
+            </a:r>
+            <a:r>
+              <a:rPr lang="en-US" sz="1100" dirty="0"/>
+              <a:t>, S., </a:t>
+            </a:r>
+            <a:r>
+              <a:rPr lang="en-US" sz="1100" dirty="0" err="1"/>
+              <a:t>Sheikhan</a:t>
+            </a:r>
+            <a:r>
+              <a:rPr lang="en-US" sz="1100" dirty="0"/>
+              <a:t>, Z., &amp; </a:t>
+            </a:r>
+            <a:r>
+              <a:rPr lang="en-US" sz="1100" dirty="0" err="1"/>
+              <a:t>Rafiei</a:t>
+            </a:r>
+            <a:r>
+              <a:rPr lang="en-US" sz="1100" dirty="0"/>
+              <a:t>, F. (2019). Prediction of academic achievement based on learning strategies and outcome expectations among medical students. In BMC Medical Education (Vol. 19, Issue 1). Springer Science and Business Media LLC. https://doi.org/10.1186/s12909-019-1527-9</a:t>
             </a:r>
           </a:p>
         </p:txBody>
       </p:sp>
       <p:sp>
         <p:nvSpPr>
-          <p:cNvPr id="4" name="Content Placeholder 2">
+          <p:cNvPr id="5" name="Title 1">
             <a:extLst>
               <a:ext uri="{FF2B5EF4-FFF2-40B4-BE49-F238E27FC236}">
-                <a16:creationId xmlns:a16="http://schemas.microsoft.com/office/drawing/2014/main" id="{AD0DDD01-C327-5EF9-5088-559C2500F569}"/>
+                <a16:creationId xmlns:a16="http://schemas.microsoft.com/office/drawing/2014/main" id="{50906F5B-DE7B-9988-CF48-C8BCE78DEE30}"/>
               </a:ext>
             </a:extLst>
           </p:cNvPr>
@@ -7663,8 +8924,62 @@
         </p:nvSpPr>
         <p:spPr>
           <a:xfrm>
-            <a:off x="4850516" y="3969035"/>
-            <a:ext cx="2085409" cy="776652"/>
+            <a:off x="439926" y="448824"/>
+            <a:ext cx="7084999" cy="620887"/>
+          </a:xfrm>
+          <a:prstGeom prst="rect">
+            <a:avLst/>
+          </a:prstGeom>
+        </p:spPr>
+        <p:txBody>
+          <a:bodyPr vert="horz" lIns="91440" tIns="45720" rIns="91440" bIns="45720" rtlCol="0" anchor="t">
+            <a:normAutofit/>
+          </a:bodyPr>
+          <a:lstStyle>
+            <a:lvl1pPr algn="l" defTabSz="914400" rtl="0" eaLnBrk="1" latinLnBrk="0" hangingPunct="1">
+              <a:lnSpc>
+                <a:spcPct val="100000"/>
+              </a:lnSpc>
+              <a:spcBef>
+                <a:spcPct val="0"/>
+              </a:spcBef>
+              <a:buNone/>
+              <a:defRPr sz="4400" kern="1200">
+                <a:solidFill>
+                  <a:schemeClr val="tx1"/>
+                </a:solidFill>
+                <a:latin typeface="+mj-lt"/>
+                <a:ea typeface="+mj-ea"/>
+                <a:cs typeface="+mj-cs"/>
+              </a:defRPr>
+            </a:lvl1pPr>
+          </a:lstStyle>
+          <a:p>
+            <a:r>
+              <a:rPr lang="en-US" sz="3200" b="1" dirty="0"/>
+              <a:t>Implications and use cases</a:t>
+            </a:r>
+          </a:p>
+        </p:txBody>
+      </p:sp>
+      <p:sp>
+        <p:nvSpPr>
+          <p:cNvPr id="6" name="Content Placeholder 2">
+            <a:extLst>
+              <a:ext uri="{FF2B5EF4-FFF2-40B4-BE49-F238E27FC236}">
+                <a16:creationId xmlns:a16="http://schemas.microsoft.com/office/drawing/2014/main" id="{0DC68635-6D16-96E3-A67E-DE8F1CA29556}"/>
+              </a:ext>
+            </a:extLst>
+          </p:cNvPr>
+          <p:cNvSpPr txBox="1">
+            <a:spLocks/>
+          </p:cNvSpPr>
+          <p:nvPr/>
+        </p:nvSpPr>
+        <p:spPr>
+          <a:xfrm>
+            <a:off x="439926" y="1105478"/>
+            <a:ext cx="11312148" cy="2282880"/>
           </a:xfrm>
           <a:prstGeom prst="rect">
             <a:avLst/>
@@ -7839,35 +9154,114 @@
             </a:lvl9pPr>
           </a:lstStyle>
           <a:p>
-            <a:pPr marL="0" indent="0" algn="just">
-              <a:buNone/>
-            </a:pPr>
-            <a:r>
-              <a:rPr lang="en-US" sz="1600" b="1" dirty="0"/>
-              <a:t>1. Academic</a:t>
-            </a:r>
-          </a:p>
-          <a:p>
-            <a:pPr marL="0" indent="0" algn="just">
-              <a:buNone/>
-            </a:pPr>
-            <a:r>
-              <a:rPr lang="en-US" sz="1600" b="1" dirty="0"/>
-              <a:t>2. Socio-economic</a:t>
-            </a:r>
-          </a:p>
-          <a:p>
-            <a:pPr marL="0" indent="0" algn="just">
-              <a:buNone/>
-            </a:pPr>
-            <a:endParaRPr lang="en-US" sz="1600" b="1" dirty="0"/>
+            <a:pPr algn="just"/>
+            <a:r>
+              <a:rPr lang="en-US" sz="2000" dirty="0">
+                <a:solidFill>
+                  <a:srgbClr val="FF0000"/>
+                </a:solidFill>
+              </a:rPr>
+              <a:t>Customized </a:t>
+            </a:r>
+            <a:r>
+              <a:rPr lang="en-US" sz="2000" dirty="0"/>
+              <a:t>learning paths</a:t>
+            </a:r>
+          </a:p>
+          <a:p>
+            <a:pPr algn="just"/>
+            <a:r>
+              <a:rPr lang="en-US" sz="2000" dirty="0"/>
+              <a:t>Data-driven</a:t>
+            </a:r>
+            <a:r>
+              <a:rPr lang="en-US" sz="2000" dirty="0">
+                <a:solidFill>
+                  <a:srgbClr val="FF0000"/>
+                </a:solidFill>
+              </a:rPr>
+              <a:t> </a:t>
+            </a:r>
+            <a:r>
+              <a:rPr lang="en-US" sz="2000" dirty="0"/>
+              <a:t>decision making: </a:t>
+            </a:r>
+            <a:r>
+              <a:rPr lang="en-US" sz="2000" dirty="0">
+                <a:solidFill>
+                  <a:srgbClr val="FF0000"/>
+                </a:solidFill>
+              </a:rPr>
+              <a:t>resource allocation </a:t>
+            </a:r>
+            <a:r>
+              <a:rPr lang="en-US" sz="2000" dirty="0"/>
+              <a:t>and </a:t>
+            </a:r>
+            <a:r>
+              <a:rPr lang="en-US" sz="2000" dirty="0">
+                <a:solidFill>
+                  <a:srgbClr val="FF0000"/>
+                </a:solidFill>
+              </a:rPr>
+              <a:t>curriculum development</a:t>
+            </a:r>
+          </a:p>
+          <a:p>
+            <a:pPr algn="just"/>
+            <a:r>
+              <a:rPr lang="en-US" sz="2000" dirty="0"/>
+              <a:t>Identify </a:t>
+            </a:r>
+            <a:r>
+              <a:rPr lang="en-US" sz="2000" dirty="0">
+                <a:solidFill>
+                  <a:srgbClr val="FF0000"/>
+                </a:solidFill>
+              </a:rPr>
+              <a:t>at-risk </a:t>
+            </a:r>
+            <a:r>
+              <a:rPr lang="en-US" sz="2000" dirty="0"/>
+              <a:t>students</a:t>
+            </a:r>
+          </a:p>
+          <a:p>
+            <a:pPr algn="just"/>
+            <a:r>
+              <a:rPr lang="en-US" sz="2000" dirty="0"/>
+              <a:t>Addressing </a:t>
+            </a:r>
+            <a:r>
+              <a:rPr lang="en-US" sz="2000" dirty="0">
+                <a:solidFill>
+                  <a:srgbClr val="FF0000"/>
+                </a:solidFill>
+              </a:rPr>
+              <a:t>educational disparities</a:t>
+            </a:r>
+          </a:p>
+          <a:p>
+            <a:pPr algn="just"/>
+            <a:r>
+              <a:rPr lang="en-US" sz="2000" dirty="0"/>
+              <a:t>Informing </a:t>
+            </a:r>
+            <a:r>
+              <a:rPr lang="en-US" sz="2000" dirty="0">
+                <a:solidFill>
+                  <a:srgbClr val="FF0000"/>
+                </a:solidFill>
+              </a:rPr>
+              <a:t>policy development</a:t>
+            </a:r>
           </a:p>
         </p:txBody>
       </p:sp>
     </p:spTree>
     <p:extLst>
       <p:ext uri="{BB962C8B-B14F-4D97-AF65-F5344CB8AC3E}">
-        <p14:creationId xmlns:p14="http://schemas.microsoft.com/office/powerpoint/2010/main" val="3908141196"/>
+        <p14:creationId xmlns:p14="http://schemas.microsoft.com/office/powerpoint/2010/main" val="2870169506"/>
       </p:ext>
     </p:extLst>
   </p:cSld>
@@ -7886,9 +9280,6 @@
                     <p:cTn id="3" fill="hold">
                       <p:stCondLst>
                         <p:cond delay="indefinite"/>
-                        <p:cond evt="onBegin" delay="0">
-                          <p:tn val="2"/>
-                        </p:cond>
                       </p:stCondLst>
                       <p:childTnLst>
                         <p:par>
@@ -7898,7 +9289,7 @@
                             </p:stCondLst>
                             <p:childTnLst>
                               <p:par>
-                                <p:cTn id="5" presetID="1" presetClass="entr" presetSubtype="0" fill="hold" grpId="0" nodeType="withEffect">
+                                <p:cTn id="5" presetID="1" presetClass="entr" presetSubtype="0" fill="hold" grpId="0" nodeType="clickEffect">
                                   <p:stCondLst>
                                     <p:cond delay="0"/>
                                   </p:stCondLst>
@@ -7911,7 +9302,34 @@
                                           </p:stCondLst>
                                         </p:cTn>
                                         <p:tgtEl>
-                                          <p:spTgt spid="4"/>
+                                          <p:spTgt spid="2"/>
+                                        </p:tgtEl>
+                                        <p:attrNameLst>
+                                          <p:attrName>style.visibility</p:attrName>
+                                        </p:attrNameLst>
+                                      </p:cBhvr>
+                                      <p:to>
+                                        <p:strVal val="visible"/>
+                                      </p:to>
+                                    </p:set>
+                                  </p:childTnLst>
+                                </p:cTn>
+                              </p:par>
+                              <p:par>
+                                <p:cTn id="7" presetID="1" presetClass="entr" presetSubtype="0" fill="hold" grpId="0" nodeType="withEffect">
+                                  <p:stCondLst>
+                                    <p:cond delay="0"/>
+                                  </p:stCondLst>
+                                  <p:childTnLst>
+                                    <p:set>
+                                      <p:cBhvr>
+                                        <p:cTn id="8" dur="1" fill="hold">
+                                          <p:stCondLst>
+                                            <p:cond delay="0"/>
+                                          </p:stCondLst>
+                                        </p:cTn>
+                                        <p:tgtEl>
+                                          <p:spTgt spid="3"/>
                                         </p:tgtEl>
                                         <p:attrNameLst>
                                           <p:attrName>style.visibility</p:attrName>
@@ -7952,502 +9370,10 @@
       </p:par>
     </p:tnLst>
     <p:bldLst>
-      <p:bldP spid="4" grpId="0"/>
+      <p:bldP spid="2" grpId="0"/>
+      <p:bldP spid="3" grpId="0"/>
     </p:bldLst>
   </p:timing>
-</p:sld>
-</file>
-
-<file path=ppt/slides/slide6.xml><?xml version="1.0" encoding="utf-8"?>
-<p:sld xmlns:a="http://schemas.openxmlformats.org/drawingml/2006/main" xmlns:r="http://schemas.openxmlformats.org/officeDocument/2006/relationships" xmlns:p="http://schemas.openxmlformats.org/presentationml/2006/main">
-  <p:cSld>
-    <p:spTree>
-      <p:nvGrpSpPr>
-        <p:cNvPr id="1" name=""/>
-        <p:cNvGrpSpPr/>
-        <p:nvPr/>
-      </p:nvGrpSpPr>
-      <p:grpSpPr>
-        <a:xfrm>
-          <a:off x="0" y="0"/>
-          <a:ext cx="0" cy="0"/>
-          <a:chOff x="0" y="0"/>
-          <a:chExt cx="0" cy="0"/>
-        </a:xfrm>
-      </p:grpSpPr>
-      <p:sp>
-        <p:nvSpPr>
-          <p:cNvPr id="2" name="Title 1">
-            <a:extLst>
-              <a:ext uri="{FF2B5EF4-FFF2-40B4-BE49-F238E27FC236}">
-                <a16:creationId xmlns:a16="http://schemas.microsoft.com/office/drawing/2014/main" id="{F5545963-FC16-A5AD-BA4F-E06D0F02B300}"/>
-              </a:ext>
-            </a:extLst>
-          </p:cNvPr>
-          <p:cNvSpPr txBox="1">
-            <a:spLocks/>
-          </p:cNvSpPr>
-          <p:nvPr/>
-        </p:nvSpPr>
-        <p:spPr>
-          <a:xfrm>
-            <a:off x="260017" y="301074"/>
-            <a:ext cx="11671965" cy="816746"/>
-          </a:xfrm>
-          <a:prstGeom prst="rect">
-            <a:avLst/>
-          </a:prstGeom>
-        </p:spPr>
-        <p:txBody>
-          <a:bodyPr vert="horz" lIns="91440" tIns="45720" rIns="91440" bIns="45720" rtlCol="0" anchor="t">
-            <a:normAutofit/>
-          </a:bodyPr>
-          <a:lstStyle>
-            <a:lvl1pPr algn="l" defTabSz="914400" rtl="0" eaLnBrk="1" latinLnBrk="0" hangingPunct="1">
-              <a:lnSpc>
-                <a:spcPct val="100000"/>
-              </a:lnSpc>
-              <a:spcBef>
-                <a:spcPct val="0"/>
-              </a:spcBef>
-              <a:buNone/>
-              <a:defRPr sz="4400" kern="1200">
-                <a:solidFill>
-                  <a:schemeClr val="tx1"/>
-                </a:solidFill>
-                <a:latin typeface="+mj-lt"/>
-                <a:ea typeface="+mj-ea"/>
-                <a:cs typeface="+mj-cs"/>
-              </a:defRPr>
-            </a:lvl1pPr>
-          </a:lstStyle>
-          <a:p>
-            <a:r>
-              <a:rPr lang="en-US" sz="4000" b="1" dirty="0"/>
-              <a:t>Future Work and Considerations</a:t>
-            </a:r>
-          </a:p>
-        </p:txBody>
-      </p:sp>
-      <p:sp>
-        <p:nvSpPr>
-          <p:cNvPr id="3" name="Content Placeholder 2">
-            <a:extLst>
-              <a:ext uri="{FF2B5EF4-FFF2-40B4-BE49-F238E27FC236}">
-                <a16:creationId xmlns:a16="http://schemas.microsoft.com/office/drawing/2014/main" id="{F84AA83B-A8B9-D1FD-DEE3-C4B82DD42AAC}"/>
-              </a:ext>
-            </a:extLst>
-          </p:cNvPr>
-          <p:cNvSpPr txBox="1">
-            <a:spLocks/>
-          </p:cNvSpPr>
-          <p:nvPr/>
-        </p:nvSpPr>
-        <p:spPr>
-          <a:xfrm>
-            <a:off x="803428" y="1648886"/>
-            <a:ext cx="10585142" cy="4070425"/>
-          </a:xfrm>
-          <a:prstGeom prst="rect">
-            <a:avLst/>
-          </a:prstGeom>
-        </p:spPr>
-        <p:txBody>
-          <a:bodyPr vert="horz" lIns="91440" tIns="45720" rIns="91440" bIns="45720" rtlCol="0">
-            <a:normAutofit lnSpcReduction="10000"/>
-          </a:bodyPr>
-          <a:lstStyle>
-            <a:lvl1pPr marL="228600" indent="-228600" algn="l" defTabSz="914400" rtl="0" eaLnBrk="1" latinLnBrk="0" hangingPunct="1">
-              <a:lnSpc>
-                <a:spcPct val="100000"/>
-              </a:lnSpc>
-              <a:spcBef>
-                <a:spcPts val="1000"/>
-              </a:spcBef>
-              <a:buFont typeface="System Font Regular"/>
-              <a:buChar char="–"/>
-              <a:defRPr sz="2400" b="0" i="0" kern="1200">
-                <a:solidFill>
-                  <a:schemeClr val="tx1"/>
-                </a:solidFill>
-                <a:latin typeface="+mn-lt"/>
-                <a:ea typeface="+mn-ea"/>
-                <a:cs typeface="+mn-cs"/>
-              </a:defRPr>
-            </a:lvl1pPr>
-            <a:lvl2pPr marL="685800" indent="-228600" algn="l" defTabSz="914400" rtl="0" eaLnBrk="1" latinLnBrk="0" hangingPunct="1">
-              <a:lnSpc>
-                <a:spcPct val="100000"/>
-              </a:lnSpc>
-              <a:spcBef>
-                <a:spcPts val="500"/>
-              </a:spcBef>
-              <a:buFont typeface="System Font Regular"/>
-              <a:buChar char="–"/>
-              <a:defRPr sz="2000" b="0" i="0" kern="1200">
-                <a:solidFill>
-                  <a:schemeClr val="tx1"/>
-                </a:solidFill>
-                <a:latin typeface="+mn-lt"/>
-                <a:ea typeface="+mn-ea"/>
-                <a:cs typeface="+mn-cs"/>
-              </a:defRPr>
-            </a:lvl2pPr>
-            <a:lvl3pPr marL="1143000" indent="-228600" algn="l" defTabSz="914400" rtl="0" eaLnBrk="1" latinLnBrk="0" hangingPunct="1">
-              <a:lnSpc>
-                <a:spcPct val="100000"/>
-              </a:lnSpc>
-              <a:spcBef>
-                <a:spcPts val="500"/>
-              </a:spcBef>
-              <a:buFont typeface="System Font Regular"/>
-              <a:buChar char="–"/>
-              <a:defRPr sz="1800" b="0" i="0" kern="1200">
-                <a:solidFill>
-                  <a:schemeClr val="tx1"/>
-                </a:solidFill>
-                <a:latin typeface="+mn-lt"/>
-                <a:ea typeface="+mn-ea"/>
-                <a:cs typeface="+mn-cs"/>
-              </a:defRPr>
-            </a:lvl3pPr>
-            <a:lvl4pPr marL="1600200" indent="-228600" algn="l" defTabSz="914400" rtl="0" eaLnBrk="1" latinLnBrk="0" hangingPunct="1">
-              <a:lnSpc>
-                <a:spcPct val="100000"/>
-              </a:lnSpc>
-              <a:spcBef>
-                <a:spcPts val="500"/>
-              </a:spcBef>
-              <a:buFont typeface="System Font Regular"/>
-              <a:buChar char="–"/>
-              <a:defRPr sz="1600" b="0" i="0" kern="1200">
-                <a:solidFill>
-                  <a:schemeClr val="tx1"/>
-                </a:solidFill>
-                <a:latin typeface="+mn-lt"/>
-                <a:ea typeface="+mn-ea"/>
-                <a:cs typeface="+mn-cs"/>
-              </a:defRPr>
-            </a:lvl4pPr>
-            <a:lvl5pPr marL="2057400" indent="-228600" algn="l" defTabSz="914400" rtl="0" eaLnBrk="1" latinLnBrk="0" hangingPunct="1">
-              <a:lnSpc>
-                <a:spcPct val="100000"/>
-              </a:lnSpc>
-              <a:spcBef>
-                <a:spcPts val="500"/>
-              </a:spcBef>
-              <a:buFont typeface="System Font Regular"/>
-              <a:buChar char="–"/>
-              <a:defRPr sz="1600" b="0" i="0" kern="1200">
-                <a:solidFill>
-                  <a:schemeClr val="tx1"/>
-                </a:solidFill>
-                <a:latin typeface="+mn-lt"/>
-                <a:ea typeface="+mn-ea"/>
-                <a:cs typeface="+mn-cs"/>
-              </a:defRPr>
-            </a:lvl5pPr>
-            <a:lvl6pPr marL="2514600" indent="-228600" algn="l" defTabSz="914400" rtl="0" eaLnBrk="1" latinLnBrk="0" hangingPunct="1">
-              <a:lnSpc>
-                <a:spcPct val="90000"/>
-              </a:lnSpc>
-              <a:spcBef>
-                <a:spcPts val="500"/>
-              </a:spcBef>
-              <a:buFont typeface="Arial" panose="020B0604020202020204" pitchFamily="34" charset="0"/>
-              <a:buChar char="•"/>
-              <a:defRPr sz="1800" kern="1200">
-                <a:solidFill>
-                  <a:schemeClr val="tx1"/>
-                </a:solidFill>
-                <a:latin typeface="+mn-lt"/>
-                <a:ea typeface="+mn-ea"/>
-                <a:cs typeface="+mn-cs"/>
-              </a:defRPr>
-            </a:lvl6pPr>
-            <a:lvl7pPr marL="2971800" indent="-228600" algn="l" defTabSz="914400" rtl="0" eaLnBrk="1" latinLnBrk="0" hangingPunct="1">
-              <a:lnSpc>
-                <a:spcPct val="90000"/>
-              </a:lnSpc>
-              <a:spcBef>
-                <a:spcPts val="500"/>
-              </a:spcBef>
-              <a:buFont typeface="Arial" panose="020B0604020202020204" pitchFamily="34" charset="0"/>
-              <a:buChar char="•"/>
-              <a:defRPr sz="1800" kern="1200">
-                <a:solidFill>
-                  <a:schemeClr val="tx1"/>
-                </a:solidFill>
-                <a:latin typeface="+mn-lt"/>
-                <a:ea typeface="+mn-ea"/>
-                <a:cs typeface="+mn-cs"/>
-              </a:defRPr>
-            </a:lvl7pPr>
-            <a:lvl8pPr marL="3429000" indent="-228600" algn="l" defTabSz="914400" rtl="0" eaLnBrk="1" latinLnBrk="0" hangingPunct="1">
-              <a:lnSpc>
-                <a:spcPct val="90000"/>
-              </a:lnSpc>
-              <a:spcBef>
-                <a:spcPts val="500"/>
-              </a:spcBef>
-              <a:buFont typeface="Arial" panose="020B0604020202020204" pitchFamily="34" charset="0"/>
-              <a:buChar char="•"/>
-              <a:defRPr sz="1800" kern="1200">
-                <a:solidFill>
-                  <a:schemeClr val="tx1"/>
-                </a:solidFill>
-                <a:latin typeface="+mn-lt"/>
-                <a:ea typeface="+mn-ea"/>
-                <a:cs typeface="+mn-cs"/>
-              </a:defRPr>
-            </a:lvl8pPr>
-            <a:lvl9pPr marL="3886200" indent="-228600" algn="l" defTabSz="914400" rtl="0" eaLnBrk="1" latinLnBrk="0" hangingPunct="1">
-              <a:lnSpc>
-                <a:spcPct val="90000"/>
-              </a:lnSpc>
-              <a:spcBef>
-                <a:spcPts val="500"/>
-              </a:spcBef>
-              <a:buFont typeface="Arial" panose="020B0604020202020204" pitchFamily="34" charset="0"/>
-              <a:buChar char="•"/>
-              <a:defRPr sz="1800" kern="1200">
-                <a:solidFill>
-                  <a:schemeClr val="tx1"/>
-                </a:solidFill>
-                <a:latin typeface="+mn-lt"/>
-                <a:ea typeface="+mn-ea"/>
-                <a:cs typeface="+mn-cs"/>
-              </a:defRPr>
-            </a:lvl9pPr>
-          </a:lstStyle>
-          <a:p>
-            <a:pPr algn="just">
-              <a:lnSpc>
-                <a:spcPct val="150000"/>
-              </a:lnSpc>
-            </a:pPr>
-            <a:r>
-              <a:rPr lang="en-US" dirty="0"/>
-              <a:t>Creating our </a:t>
-            </a:r>
-            <a:r>
-              <a:rPr lang="en-US" dirty="0">
-                <a:solidFill>
-                  <a:srgbClr val="FF0000"/>
-                </a:solidFill>
-              </a:rPr>
-              <a:t>own dataset from </a:t>
-            </a:r>
-            <a:r>
-              <a:rPr lang="en-US" dirty="0" err="1">
-                <a:solidFill>
-                  <a:srgbClr val="FF0000"/>
-                </a:solidFill>
-              </a:rPr>
-              <a:t>KazNU</a:t>
-            </a:r>
-            <a:r>
-              <a:rPr lang="en-US" dirty="0">
-                <a:solidFill>
-                  <a:srgbClr val="FF0000"/>
-                </a:solidFill>
-              </a:rPr>
-              <a:t> </a:t>
-            </a:r>
-            <a:r>
-              <a:rPr lang="en-US" dirty="0"/>
-              <a:t>by creating a comprehensive and ethical </a:t>
-            </a:r>
-            <a:r>
-              <a:rPr lang="en-US" dirty="0">
-                <a:solidFill>
-                  <a:srgbClr val="FF0000"/>
-                </a:solidFill>
-              </a:rPr>
-              <a:t>survey</a:t>
-            </a:r>
-            <a:r>
-              <a:rPr lang="en-US" dirty="0">
-                <a:solidFill>
-                  <a:srgbClr val="00B050"/>
-                </a:solidFill>
-              </a:rPr>
-              <a:t> </a:t>
-            </a:r>
-            <a:r>
-              <a:rPr lang="en-US" dirty="0"/>
-              <a:t>to integrate personalization variables, as done by </a:t>
-            </a:r>
-            <a:r>
-              <a:rPr lang="en-US" dirty="0" err="1"/>
-              <a:t>Nabizadeh</a:t>
-            </a:r>
-            <a:r>
-              <a:rPr lang="en-US" dirty="0"/>
-              <a:t>, S. et al</a:t>
-            </a:r>
-            <a:r>
-              <a:rPr lang="en-US" sz="1800" baseline="50000" dirty="0"/>
-              <a:t>1</a:t>
-            </a:r>
-            <a:r>
-              <a:rPr lang="en-US" dirty="0"/>
-              <a:t>. </a:t>
-            </a:r>
-          </a:p>
-          <a:p>
-            <a:pPr algn="just">
-              <a:lnSpc>
-                <a:spcPct val="150000"/>
-              </a:lnSpc>
-            </a:pPr>
-            <a:r>
-              <a:rPr lang="en-US" dirty="0"/>
-              <a:t>Integrate the developed system into </a:t>
-            </a:r>
-            <a:r>
-              <a:rPr lang="en-US" dirty="0" err="1">
-                <a:solidFill>
-                  <a:srgbClr val="FF0000"/>
-                </a:solidFill>
-              </a:rPr>
-              <a:t>Univer</a:t>
-            </a:r>
-            <a:r>
-              <a:rPr lang="en-US" dirty="0"/>
-              <a:t> to develop a real-time recommendation system.</a:t>
-            </a:r>
-          </a:p>
-          <a:p>
-            <a:pPr algn="just">
-              <a:lnSpc>
-                <a:spcPct val="150000"/>
-              </a:lnSpc>
-            </a:pPr>
-            <a:r>
-              <a:rPr lang="en-US" dirty="0"/>
-              <a:t>Collaborate with other universities for a more </a:t>
-            </a:r>
-            <a:r>
-              <a:rPr lang="en-US" dirty="0">
-                <a:solidFill>
-                  <a:srgbClr val="FF0000"/>
-                </a:solidFill>
-              </a:rPr>
-              <a:t>representative</a:t>
-            </a:r>
-            <a:r>
-              <a:rPr lang="en-US" dirty="0"/>
-              <a:t> sampling.</a:t>
-            </a:r>
-          </a:p>
-          <a:p>
-            <a:pPr algn="just">
-              <a:lnSpc>
-                <a:spcPct val="150000"/>
-              </a:lnSpc>
-            </a:pPr>
-            <a:r>
-              <a:rPr lang="en-US" dirty="0"/>
-              <a:t>Explore </a:t>
-            </a:r>
-            <a:r>
-              <a:rPr lang="en-US" dirty="0">
-                <a:solidFill>
-                  <a:srgbClr val="FF0000"/>
-                </a:solidFill>
-              </a:rPr>
-              <a:t>ranking and recommendation algorithms.</a:t>
-            </a:r>
-          </a:p>
-          <a:p>
-            <a:pPr marL="0" indent="0" algn="just">
-              <a:lnSpc>
-                <a:spcPct val="150000"/>
-              </a:lnSpc>
-              <a:buNone/>
-            </a:pPr>
-            <a:endParaRPr lang="en-US" dirty="0"/>
-          </a:p>
-        </p:txBody>
-      </p:sp>
-      <p:sp>
-        <p:nvSpPr>
-          <p:cNvPr id="4" name="TextBox 3">
-            <a:extLst>
-              <a:ext uri="{FF2B5EF4-FFF2-40B4-BE49-F238E27FC236}">
-                <a16:creationId xmlns:a16="http://schemas.microsoft.com/office/drawing/2014/main" id="{AE2E60D9-90F6-A598-946D-2BB6D7EFF76A}"/>
-              </a:ext>
-            </a:extLst>
-          </p:cNvPr>
-          <p:cNvSpPr txBox="1"/>
-          <p:nvPr/>
-        </p:nvSpPr>
-        <p:spPr>
-          <a:xfrm>
-            <a:off x="277378" y="6250377"/>
-            <a:ext cx="8807899" cy="600164"/>
-          </a:xfrm>
-          <a:prstGeom prst="rect">
-            <a:avLst/>
-          </a:prstGeom>
-          <a:noFill/>
-        </p:spPr>
-        <p:txBody>
-          <a:bodyPr wrap="square" rtlCol="0">
-            <a:spAutoFit/>
-          </a:bodyPr>
-          <a:lstStyle/>
-          <a:p>
-            <a:pPr marL="342900" indent="-342900" algn="just">
-              <a:buFont typeface="+mj-lt"/>
-              <a:buAutoNum type="arabicPeriod"/>
-            </a:pPr>
-            <a:r>
-              <a:rPr lang="en-US" sz="1100" dirty="0" err="1"/>
-              <a:t>Nabizadeh</a:t>
-            </a:r>
-            <a:r>
-              <a:rPr lang="en-US" sz="1100" dirty="0"/>
-              <a:t>, S., </a:t>
-            </a:r>
-            <a:r>
-              <a:rPr lang="en-US" sz="1100" dirty="0" err="1"/>
-              <a:t>Hajian</a:t>
-            </a:r>
-            <a:r>
-              <a:rPr lang="en-US" sz="1100" dirty="0"/>
-              <a:t>, S., </a:t>
-            </a:r>
-            <a:r>
-              <a:rPr lang="en-US" sz="1100" dirty="0" err="1"/>
-              <a:t>Sheikhan</a:t>
-            </a:r>
-            <a:r>
-              <a:rPr lang="en-US" sz="1100" dirty="0"/>
-              <a:t>, Z., &amp; </a:t>
-            </a:r>
-            <a:r>
-              <a:rPr lang="en-US" sz="1100" dirty="0" err="1"/>
-              <a:t>Rafiei</a:t>
-            </a:r>
-            <a:r>
-              <a:rPr lang="en-US" sz="1100" dirty="0"/>
-              <a:t>, F. (2019). Prediction of academic achievement based on learning strategies and outcome expectations among medical students. In BMC Medical Education (Vol. 19, Issue 1). Springer Science and Business Media LLC. https://doi.org/10.1186/s12909-019-1527-9</a:t>
-            </a:r>
-          </a:p>
-        </p:txBody>
-      </p:sp>
-    </p:spTree>
-    <p:extLst>
-      <p:ext uri="{BB962C8B-B14F-4D97-AF65-F5344CB8AC3E}">
-        <p14:creationId xmlns:p14="http://schemas.microsoft.com/office/powerpoint/2010/main" val="2870169506"/>
-      </p:ext>
-    </p:extLst>
-  </p:cSld>
-  <p:clrMapOvr>
-    <a:masterClrMapping/>
-  </p:clrMapOvr>
 </p:sld>
 </file>
 
@@ -8484,6 +9410,611 @@
             <p:ph type="ctrTitle"/>
           </p:nvPr>
         </p:nvSpPr>
+        <p:spPr>
+          <a:xfrm>
+            <a:off x="104404" y="136753"/>
+            <a:ext cx="6211185" cy="517910"/>
+          </a:xfrm>
+        </p:spPr>
+        <p:txBody>
+          <a:bodyPr>
+            <a:normAutofit fontScale="90000"/>
+          </a:bodyPr>
+          <a:lstStyle/>
+          <a:p>
+            <a:r>
+              <a:rPr lang="en-US" dirty="0"/>
+              <a:t>Demonstration</a:t>
+            </a:r>
+          </a:p>
+        </p:txBody>
+      </p:sp>
+      <p:pic>
+        <p:nvPicPr>
+          <p:cNvPr id="5" name="Picture 4" descr="A qr code with a few squares&#10;&#10;Description automatically generated">
+            <a:extLst>
+              <a:ext uri="{FF2B5EF4-FFF2-40B4-BE49-F238E27FC236}">
+                <a16:creationId xmlns:a16="http://schemas.microsoft.com/office/drawing/2014/main" id="{64DF2795-33F4-1515-2045-B361B184267D}"/>
+              </a:ext>
+            </a:extLst>
+          </p:cNvPr>
+          <p:cNvPicPr>
+            <a:picLocks noChangeAspect="1"/>
+          </p:cNvPicPr>
+          <p:nvPr/>
+        </p:nvPicPr>
+        <p:blipFill>
+          <a:blip r:embed="rId2">
+            <a:extLst>
+              <a:ext uri="{28A0092B-C50C-407E-A947-70E740481C1C}">
+                <a14:useLocalDpi xmlns:a14="http://schemas.microsoft.com/office/drawing/2010/main" val="0"/>
+              </a:ext>
+            </a:extLst>
+          </a:blip>
+          <a:stretch>
+            <a:fillRect/>
+          </a:stretch>
+        </p:blipFill>
+        <p:spPr>
+          <a:xfrm>
+            <a:off x="6540759" y="1206759"/>
+            <a:ext cx="5651241" cy="5651241"/>
+          </a:xfrm>
+          <a:prstGeom prst="rect">
+            <a:avLst/>
+          </a:prstGeom>
+        </p:spPr>
+      </p:pic>
+      <p:sp>
+        <p:nvSpPr>
+          <p:cNvPr id="6" name="Content Placeholder 2">
+            <a:extLst>
+              <a:ext uri="{FF2B5EF4-FFF2-40B4-BE49-F238E27FC236}">
+                <a16:creationId xmlns:a16="http://schemas.microsoft.com/office/drawing/2014/main" id="{22C0E38B-A5F4-F111-22E4-A3CC7988EAEF}"/>
+              </a:ext>
+            </a:extLst>
+          </p:cNvPr>
+          <p:cNvSpPr txBox="1">
+            <a:spLocks/>
+          </p:cNvSpPr>
+          <p:nvPr/>
+        </p:nvSpPr>
+        <p:spPr>
+          <a:xfrm>
+            <a:off x="6861168" y="655753"/>
+            <a:ext cx="5010418" cy="509949"/>
+          </a:xfrm>
+          <a:prstGeom prst="rect">
+            <a:avLst/>
+          </a:prstGeom>
+        </p:spPr>
+        <p:txBody>
+          <a:bodyPr vert="horz" lIns="91440" tIns="45720" rIns="91440" bIns="45720" rtlCol="0">
+            <a:normAutofit/>
+          </a:bodyPr>
+          <a:lstStyle>
+            <a:lvl1pPr marL="228600" indent="-228600" algn="l" defTabSz="914400" rtl="0" eaLnBrk="1" latinLnBrk="0" hangingPunct="1">
+              <a:lnSpc>
+                <a:spcPct val="100000"/>
+              </a:lnSpc>
+              <a:spcBef>
+                <a:spcPts val="1000"/>
+              </a:spcBef>
+              <a:buFont typeface="System Font Regular"/>
+              <a:buChar char="–"/>
+              <a:defRPr sz="2400" b="0" i="0" kern="1200">
+                <a:solidFill>
+                  <a:schemeClr val="tx1"/>
+                </a:solidFill>
+                <a:latin typeface="+mn-lt"/>
+                <a:ea typeface="+mn-ea"/>
+                <a:cs typeface="+mn-cs"/>
+              </a:defRPr>
+            </a:lvl1pPr>
+            <a:lvl2pPr marL="685800" indent="-228600" algn="l" defTabSz="914400" rtl="0" eaLnBrk="1" latinLnBrk="0" hangingPunct="1">
+              <a:lnSpc>
+                <a:spcPct val="100000"/>
+              </a:lnSpc>
+              <a:spcBef>
+                <a:spcPts val="500"/>
+              </a:spcBef>
+              <a:buFont typeface="System Font Regular"/>
+              <a:buChar char="–"/>
+              <a:defRPr sz="2000" b="0" i="0" kern="1200">
+                <a:solidFill>
+                  <a:schemeClr val="tx1"/>
+                </a:solidFill>
+                <a:latin typeface="+mn-lt"/>
+                <a:ea typeface="+mn-ea"/>
+                <a:cs typeface="+mn-cs"/>
+              </a:defRPr>
+            </a:lvl2pPr>
+            <a:lvl3pPr marL="1143000" indent="-228600" algn="l" defTabSz="914400" rtl="0" eaLnBrk="1" latinLnBrk="0" hangingPunct="1">
+              <a:lnSpc>
+                <a:spcPct val="100000"/>
+              </a:lnSpc>
+              <a:spcBef>
+                <a:spcPts val="500"/>
+              </a:spcBef>
+              <a:buFont typeface="System Font Regular"/>
+              <a:buChar char="–"/>
+              <a:defRPr sz="1800" b="0" i="0" kern="1200">
+                <a:solidFill>
+                  <a:schemeClr val="tx1"/>
+                </a:solidFill>
+                <a:latin typeface="+mn-lt"/>
+                <a:ea typeface="+mn-ea"/>
+                <a:cs typeface="+mn-cs"/>
+              </a:defRPr>
+            </a:lvl3pPr>
+            <a:lvl4pPr marL="1600200" indent="-228600" algn="l" defTabSz="914400" rtl="0" eaLnBrk="1" latinLnBrk="0" hangingPunct="1">
+              <a:lnSpc>
+                <a:spcPct val="100000"/>
+              </a:lnSpc>
+              <a:spcBef>
+                <a:spcPts val="500"/>
+              </a:spcBef>
+              <a:buFont typeface="System Font Regular"/>
+              <a:buChar char="–"/>
+              <a:defRPr sz="1600" b="0" i="0" kern="1200">
+                <a:solidFill>
+                  <a:schemeClr val="tx1"/>
+                </a:solidFill>
+                <a:latin typeface="+mn-lt"/>
+                <a:ea typeface="+mn-ea"/>
+                <a:cs typeface="+mn-cs"/>
+              </a:defRPr>
+            </a:lvl4pPr>
+            <a:lvl5pPr marL="2057400" indent="-228600" algn="l" defTabSz="914400" rtl="0" eaLnBrk="1" latinLnBrk="0" hangingPunct="1">
+              <a:lnSpc>
+                <a:spcPct val="100000"/>
+              </a:lnSpc>
+              <a:spcBef>
+                <a:spcPts val="500"/>
+              </a:spcBef>
+              <a:buFont typeface="System Font Regular"/>
+              <a:buChar char="–"/>
+              <a:defRPr sz="1600" b="0" i="0" kern="1200">
+                <a:solidFill>
+                  <a:schemeClr val="tx1"/>
+                </a:solidFill>
+                <a:latin typeface="+mn-lt"/>
+                <a:ea typeface="+mn-ea"/>
+                <a:cs typeface="+mn-cs"/>
+              </a:defRPr>
+            </a:lvl5pPr>
+            <a:lvl6pPr marL="2514600" indent="-228600" algn="l" defTabSz="914400" rtl="0" eaLnBrk="1" latinLnBrk="0" hangingPunct="1">
+              <a:lnSpc>
+                <a:spcPct val="90000"/>
+              </a:lnSpc>
+              <a:spcBef>
+                <a:spcPts val="500"/>
+              </a:spcBef>
+              <a:buFont typeface="Arial" panose="020B0604020202020204" pitchFamily="34" charset="0"/>
+              <a:buChar char="•"/>
+              <a:defRPr sz="1800" kern="1200">
+                <a:solidFill>
+                  <a:schemeClr val="tx1"/>
+                </a:solidFill>
+                <a:latin typeface="+mn-lt"/>
+                <a:ea typeface="+mn-ea"/>
+                <a:cs typeface="+mn-cs"/>
+              </a:defRPr>
+            </a:lvl6pPr>
+            <a:lvl7pPr marL="2971800" indent="-228600" algn="l" defTabSz="914400" rtl="0" eaLnBrk="1" latinLnBrk="0" hangingPunct="1">
+              <a:lnSpc>
+                <a:spcPct val="90000"/>
+              </a:lnSpc>
+              <a:spcBef>
+                <a:spcPts val="500"/>
+              </a:spcBef>
+              <a:buFont typeface="Arial" panose="020B0604020202020204" pitchFamily="34" charset="0"/>
+              <a:buChar char="•"/>
+              <a:defRPr sz="1800" kern="1200">
+                <a:solidFill>
+                  <a:schemeClr val="tx1"/>
+                </a:solidFill>
+                <a:latin typeface="+mn-lt"/>
+                <a:ea typeface="+mn-ea"/>
+                <a:cs typeface="+mn-cs"/>
+              </a:defRPr>
+            </a:lvl7pPr>
+            <a:lvl8pPr marL="3429000" indent="-228600" algn="l" defTabSz="914400" rtl="0" eaLnBrk="1" latinLnBrk="0" hangingPunct="1">
+              <a:lnSpc>
+                <a:spcPct val="90000"/>
+              </a:lnSpc>
+              <a:spcBef>
+                <a:spcPts val="500"/>
+              </a:spcBef>
+              <a:buFont typeface="Arial" panose="020B0604020202020204" pitchFamily="34" charset="0"/>
+              <a:buChar char="•"/>
+              <a:defRPr sz="1800" kern="1200">
+                <a:solidFill>
+                  <a:schemeClr val="tx1"/>
+                </a:solidFill>
+                <a:latin typeface="+mn-lt"/>
+                <a:ea typeface="+mn-ea"/>
+                <a:cs typeface="+mn-cs"/>
+              </a:defRPr>
+            </a:lvl8pPr>
+            <a:lvl9pPr marL="3886200" indent="-228600" algn="l" defTabSz="914400" rtl="0" eaLnBrk="1" latinLnBrk="0" hangingPunct="1">
+              <a:lnSpc>
+                <a:spcPct val="90000"/>
+              </a:lnSpc>
+              <a:spcBef>
+                <a:spcPts val="500"/>
+              </a:spcBef>
+              <a:buFont typeface="Arial" panose="020B0604020202020204" pitchFamily="34" charset="0"/>
+              <a:buChar char="•"/>
+              <a:defRPr sz="1800" kern="1200">
+                <a:solidFill>
+                  <a:schemeClr val="tx1"/>
+                </a:solidFill>
+                <a:latin typeface="+mn-lt"/>
+                <a:ea typeface="+mn-ea"/>
+                <a:cs typeface="+mn-cs"/>
+              </a:defRPr>
+            </a:lvl9pPr>
+          </a:lstStyle>
+          <a:p>
+            <a:pPr marL="0" indent="0" algn="just">
+              <a:buNone/>
+            </a:pPr>
+            <a:r>
+              <a:rPr lang="en-US" sz="2000" dirty="0">
+                <a:hlinkClick r:id="rId3"/>
+              </a:rPr>
+              <a:t>https://academic-success.streamlit.app/</a:t>
+            </a:r>
+            <a:endParaRPr lang="en-US" sz="2000" dirty="0"/>
+          </a:p>
+        </p:txBody>
+      </p:sp>
+      <p:pic>
+        <p:nvPicPr>
+          <p:cNvPr id="2054" name="Picture 6" descr="The most-comprehensive AI-powered DevSecOps platform | GitLab">
+            <a:extLst>
+              <a:ext uri="{FF2B5EF4-FFF2-40B4-BE49-F238E27FC236}">
+                <a16:creationId xmlns:a16="http://schemas.microsoft.com/office/drawing/2014/main" id="{46165257-6676-C0A5-9555-E8556F9A2EC6}"/>
+              </a:ext>
+            </a:extLst>
+          </p:cNvPr>
+          <p:cNvPicPr>
+            <a:picLocks noChangeAspect="1" noChangeArrowheads="1"/>
+          </p:cNvPicPr>
+          <p:nvPr/>
+        </p:nvPicPr>
+        <p:blipFill>
+          <a:blip r:embed="rId4">
+            <a:extLst>
+              <a:ext uri="{28A0092B-C50C-407E-A947-70E740481C1C}">
+                <a14:useLocalDpi xmlns:a14="http://schemas.microsoft.com/office/drawing/2010/main" val="0"/>
+              </a:ext>
+            </a:extLst>
+          </a:blip>
+          <a:srcRect/>
+          <a:stretch>
+            <a:fillRect/>
+          </a:stretch>
+        </p:blipFill>
+        <p:spPr bwMode="auto">
+          <a:xfrm>
+            <a:off x="2659378" y="3027719"/>
+            <a:ext cx="1309615" cy="286419"/>
+          </a:xfrm>
+          <a:prstGeom prst="rect">
+            <a:avLst/>
+          </a:prstGeom>
+          <a:noFill/>
+          <a:extLst>
+            <a:ext uri="{909E8E84-426E-40DD-AFC4-6F175D3DCCD1}">
+              <a14:hiddenFill xmlns:a14="http://schemas.microsoft.com/office/drawing/2010/main">
+                <a:solidFill>
+                  <a:srgbClr val="FFFFFF"/>
+                </a:solidFill>
+              </a14:hiddenFill>
+            </a:ext>
+          </a:extLst>
+        </p:spPr>
+      </p:pic>
+      <p:pic>
+        <p:nvPicPr>
+          <p:cNvPr id="2056" name="Picture 8" descr="Streamlit Logo PNG Vector (SVG) Free Download">
+            <a:extLst>
+              <a:ext uri="{FF2B5EF4-FFF2-40B4-BE49-F238E27FC236}">
+                <a16:creationId xmlns:a16="http://schemas.microsoft.com/office/drawing/2014/main" id="{3EEEB57E-FF33-57F6-8A08-FB18A3001AAD}"/>
+              </a:ext>
+            </a:extLst>
+          </p:cNvPr>
+          <p:cNvPicPr>
+            <a:picLocks noChangeAspect="1" noChangeArrowheads="1"/>
+          </p:cNvPicPr>
+          <p:nvPr/>
+        </p:nvPicPr>
+        <p:blipFill>
+          <a:blip r:embed="rId5">
+            <a:extLst>
+              <a:ext uri="{28A0092B-C50C-407E-A947-70E740481C1C}">
+                <a14:useLocalDpi xmlns:a14="http://schemas.microsoft.com/office/drawing/2010/main" val="0"/>
+              </a:ext>
+            </a:extLst>
+          </a:blip>
+          <a:srcRect/>
+          <a:stretch>
+            <a:fillRect/>
+          </a:stretch>
+        </p:blipFill>
+        <p:spPr bwMode="auto">
+          <a:xfrm>
+            <a:off x="8982004" y="-21977"/>
+            <a:ext cx="768745" cy="417685"/>
+          </a:xfrm>
+          <a:prstGeom prst="rect">
+            <a:avLst/>
+          </a:prstGeom>
+          <a:noFill/>
+          <a:extLst>
+            <a:ext uri="{909E8E84-426E-40DD-AFC4-6F175D3DCCD1}">
+              <a14:hiddenFill xmlns:a14="http://schemas.microsoft.com/office/drawing/2010/main">
+                <a:solidFill>
+                  <a:srgbClr val="FFFFFF"/>
+                </a:solidFill>
+              </a14:hiddenFill>
+            </a:ext>
+          </a:extLst>
+        </p:spPr>
+      </p:pic>
+      <p:sp>
+        <p:nvSpPr>
+          <p:cNvPr id="8" name="Content Placeholder 2">
+            <a:extLst>
+              <a:ext uri="{FF2B5EF4-FFF2-40B4-BE49-F238E27FC236}">
+                <a16:creationId xmlns:a16="http://schemas.microsoft.com/office/drawing/2014/main" id="{A950E446-D131-3236-0A36-C2794A7A076B}"/>
+              </a:ext>
+            </a:extLst>
+          </p:cNvPr>
+          <p:cNvSpPr txBox="1">
+            <a:spLocks/>
+          </p:cNvSpPr>
+          <p:nvPr/>
+        </p:nvSpPr>
+        <p:spPr>
+          <a:xfrm>
+            <a:off x="238664" y="3560167"/>
+            <a:ext cx="6151045" cy="509949"/>
+          </a:xfrm>
+          <a:prstGeom prst="rect">
+            <a:avLst/>
+          </a:prstGeom>
+        </p:spPr>
+        <p:txBody>
+          <a:bodyPr vert="horz" lIns="91440" tIns="45720" rIns="91440" bIns="45720" rtlCol="0">
+            <a:normAutofit fontScale="85000" lnSpcReduction="10000"/>
+          </a:bodyPr>
+          <a:lstStyle>
+            <a:lvl1pPr marL="228600" indent="-228600" algn="l" defTabSz="914400" rtl="0" eaLnBrk="1" latinLnBrk="0" hangingPunct="1">
+              <a:lnSpc>
+                <a:spcPct val="100000"/>
+              </a:lnSpc>
+              <a:spcBef>
+                <a:spcPts val="1000"/>
+              </a:spcBef>
+              <a:buFont typeface="System Font Regular"/>
+              <a:buChar char="–"/>
+              <a:defRPr sz="2400" b="0" i="0" kern="1200">
+                <a:solidFill>
+                  <a:schemeClr val="tx1"/>
+                </a:solidFill>
+                <a:latin typeface="+mn-lt"/>
+                <a:ea typeface="+mn-ea"/>
+                <a:cs typeface="+mn-cs"/>
+              </a:defRPr>
+            </a:lvl1pPr>
+            <a:lvl2pPr marL="685800" indent="-228600" algn="l" defTabSz="914400" rtl="0" eaLnBrk="1" latinLnBrk="0" hangingPunct="1">
+              <a:lnSpc>
+                <a:spcPct val="100000"/>
+              </a:lnSpc>
+              <a:spcBef>
+                <a:spcPts val="500"/>
+              </a:spcBef>
+              <a:buFont typeface="System Font Regular"/>
+              <a:buChar char="–"/>
+              <a:defRPr sz="2000" b="0" i="0" kern="1200">
+                <a:solidFill>
+                  <a:schemeClr val="tx1"/>
+                </a:solidFill>
+                <a:latin typeface="+mn-lt"/>
+                <a:ea typeface="+mn-ea"/>
+                <a:cs typeface="+mn-cs"/>
+              </a:defRPr>
+            </a:lvl2pPr>
+            <a:lvl3pPr marL="1143000" indent="-228600" algn="l" defTabSz="914400" rtl="0" eaLnBrk="1" latinLnBrk="0" hangingPunct="1">
+              <a:lnSpc>
+                <a:spcPct val="100000"/>
+              </a:lnSpc>
+              <a:spcBef>
+                <a:spcPts val="500"/>
+              </a:spcBef>
+              <a:buFont typeface="System Font Regular"/>
+              <a:buChar char="–"/>
+              <a:defRPr sz="1800" b="0" i="0" kern="1200">
+                <a:solidFill>
+                  <a:schemeClr val="tx1"/>
+                </a:solidFill>
+                <a:latin typeface="+mn-lt"/>
+                <a:ea typeface="+mn-ea"/>
+                <a:cs typeface="+mn-cs"/>
+              </a:defRPr>
+            </a:lvl3pPr>
+            <a:lvl4pPr marL="1600200" indent="-228600" algn="l" defTabSz="914400" rtl="0" eaLnBrk="1" latinLnBrk="0" hangingPunct="1">
+              <a:lnSpc>
+                <a:spcPct val="100000"/>
+              </a:lnSpc>
+              <a:spcBef>
+                <a:spcPts val="500"/>
+              </a:spcBef>
+              <a:buFont typeface="System Font Regular"/>
+              <a:buChar char="–"/>
+              <a:defRPr sz="1600" b="0" i="0" kern="1200">
+                <a:solidFill>
+                  <a:schemeClr val="tx1"/>
+                </a:solidFill>
+                <a:latin typeface="+mn-lt"/>
+                <a:ea typeface="+mn-ea"/>
+                <a:cs typeface="+mn-cs"/>
+              </a:defRPr>
+            </a:lvl4pPr>
+            <a:lvl5pPr marL="2057400" indent="-228600" algn="l" defTabSz="914400" rtl="0" eaLnBrk="1" latinLnBrk="0" hangingPunct="1">
+              <a:lnSpc>
+                <a:spcPct val="100000"/>
+              </a:lnSpc>
+              <a:spcBef>
+                <a:spcPts val="500"/>
+              </a:spcBef>
+              <a:buFont typeface="System Font Regular"/>
+              <a:buChar char="–"/>
+              <a:defRPr sz="1600" b="0" i="0" kern="1200">
+                <a:solidFill>
+                  <a:schemeClr val="tx1"/>
+                </a:solidFill>
+                <a:latin typeface="+mn-lt"/>
+                <a:ea typeface="+mn-ea"/>
+                <a:cs typeface="+mn-cs"/>
+              </a:defRPr>
+            </a:lvl5pPr>
+            <a:lvl6pPr marL="2514600" indent="-228600" algn="l" defTabSz="914400" rtl="0" eaLnBrk="1" latinLnBrk="0" hangingPunct="1">
+              <a:lnSpc>
+                <a:spcPct val="90000"/>
+              </a:lnSpc>
+              <a:spcBef>
+                <a:spcPts val="500"/>
+              </a:spcBef>
+              <a:buFont typeface="Arial" panose="020B0604020202020204" pitchFamily="34" charset="0"/>
+              <a:buChar char="•"/>
+              <a:defRPr sz="1800" kern="1200">
+                <a:solidFill>
+                  <a:schemeClr val="tx1"/>
+                </a:solidFill>
+                <a:latin typeface="+mn-lt"/>
+                <a:ea typeface="+mn-ea"/>
+                <a:cs typeface="+mn-cs"/>
+              </a:defRPr>
+            </a:lvl6pPr>
+            <a:lvl7pPr marL="2971800" indent="-228600" algn="l" defTabSz="914400" rtl="0" eaLnBrk="1" latinLnBrk="0" hangingPunct="1">
+              <a:lnSpc>
+                <a:spcPct val="90000"/>
+              </a:lnSpc>
+              <a:spcBef>
+                <a:spcPts val="500"/>
+              </a:spcBef>
+              <a:buFont typeface="Arial" panose="020B0604020202020204" pitchFamily="34" charset="0"/>
+              <a:buChar char="•"/>
+              <a:defRPr sz="1800" kern="1200">
+                <a:solidFill>
+                  <a:schemeClr val="tx1"/>
+                </a:solidFill>
+                <a:latin typeface="+mn-lt"/>
+                <a:ea typeface="+mn-ea"/>
+                <a:cs typeface="+mn-cs"/>
+              </a:defRPr>
+            </a:lvl7pPr>
+            <a:lvl8pPr marL="3429000" indent="-228600" algn="l" defTabSz="914400" rtl="0" eaLnBrk="1" latinLnBrk="0" hangingPunct="1">
+              <a:lnSpc>
+                <a:spcPct val="90000"/>
+              </a:lnSpc>
+              <a:spcBef>
+                <a:spcPts val="500"/>
+              </a:spcBef>
+              <a:buFont typeface="Arial" panose="020B0604020202020204" pitchFamily="34" charset="0"/>
+              <a:buChar char="•"/>
+              <a:defRPr sz="1800" kern="1200">
+                <a:solidFill>
+                  <a:schemeClr val="tx1"/>
+                </a:solidFill>
+                <a:latin typeface="+mn-lt"/>
+                <a:ea typeface="+mn-ea"/>
+                <a:cs typeface="+mn-cs"/>
+              </a:defRPr>
+            </a:lvl8pPr>
+            <a:lvl9pPr marL="3886200" indent="-228600" algn="l" defTabSz="914400" rtl="0" eaLnBrk="1" latinLnBrk="0" hangingPunct="1">
+              <a:lnSpc>
+                <a:spcPct val="90000"/>
+              </a:lnSpc>
+              <a:spcBef>
+                <a:spcPts val="500"/>
+              </a:spcBef>
+              <a:buFont typeface="Arial" panose="020B0604020202020204" pitchFamily="34" charset="0"/>
+              <a:buChar char="•"/>
+              <a:defRPr sz="1800" kern="1200">
+                <a:solidFill>
+                  <a:schemeClr val="tx1"/>
+                </a:solidFill>
+                <a:latin typeface="+mn-lt"/>
+                <a:ea typeface="+mn-ea"/>
+                <a:cs typeface="+mn-cs"/>
+              </a:defRPr>
+            </a:lvl9pPr>
+          </a:lstStyle>
+          <a:p>
+            <a:pPr marL="0" indent="0" algn="just">
+              <a:buNone/>
+            </a:pPr>
+            <a:r>
+              <a:rPr lang="en-US" dirty="0">
+                <a:hlinkClick r:id="rId6"/>
+              </a:rPr>
+              <a:t>https://gitlab.com/samsondawit/student-success</a:t>
+            </a:r>
+            <a:endParaRPr lang="en-US" dirty="0"/>
+          </a:p>
+        </p:txBody>
+      </p:sp>
+    </p:spTree>
+    <p:extLst>
+      <p:ext uri="{BB962C8B-B14F-4D97-AF65-F5344CB8AC3E}">
+        <p14:creationId xmlns:p14="http://schemas.microsoft.com/office/powerpoint/2010/main" val="887236610"/>
+      </p:ext>
+    </p:extLst>
+  </p:cSld>
+  <p:clrMapOvr>
+    <a:masterClrMapping/>
+  </p:clrMapOvr>
+</p:sld>
+</file>
+
+<file path=ppt/slides/slide8.xml><?xml version="1.0" encoding="utf-8"?>
+<p:sld xmlns:a="http://schemas.openxmlformats.org/drawingml/2006/main" xmlns:r="http://schemas.openxmlformats.org/officeDocument/2006/relationships" xmlns:p="http://schemas.openxmlformats.org/presentationml/2006/main">
+  <p:cSld>
+    <p:spTree>
+      <p:nvGrpSpPr>
+        <p:cNvPr id="1" name=""/>
+        <p:cNvGrpSpPr/>
+        <p:nvPr/>
+      </p:nvGrpSpPr>
+      <p:grpSpPr>
+        <a:xfrm>
+          <a:off x="0" y="0"/>
+          <a:ext cx="0" cy="0"/>
+          <a:chOff x="0" y="0"/>
+          <a:chExt cx="0" cy="0"/>
+        </a:xfrm>
+      </p:grpSpPr>
+      <p:sp>
+        <p:nvSpPr>
+          <p:cNvPr id="4" name="Title 3">
+            <a:extLst>
+              <a:ext uri="{FF2B5EF4-FFF2-40B4-BE49-F238E27FC236}">
+                <a16:creationId xmlns:a16="http://schemas.microsoft.com/office/drawing/2014/main" id="{DF387F08-4BF2-378D-536C-8D2FB5E0D5AF}"/>
+              </a:ext>
+            </a:extLst>
+          </p:cNvPr>
+          <p:cNvSpPr>
+            <a:spLocks noGrp="1"/>
+          </p:cNvSpPr>
+          <p:nvPr>
+            <p:ph type="ctrTitle"/>
+          </p:nvPr>
+        </p:nvSpPr>
         <p:spPr/>
         <p:txBody>
           <a:bodyPr/>
@@ -8498,10 +10029,10 @@
       </p:sp>
       <p:sp>
         <p:nvSpPr>
-          <p:cNvPr id="3" name="Subtitle 2">
+          <p:cNvPr id="5" name="Subtitle 4">
             <a:extLst>
               <a:ext uri="{FF2B5EF4-FFF2-40B4-BE49-F238E27FC236}">
-                <a16:creationId xmlns:a16="http://schemas.microsoft.com/office/drawing/2014/main" id="{A7F858B2-5186-14C4-63EF-D44580A7148C}"/>
+                <a16:creationId xmlns:a16="http://schemas.microsoft.com/office/drawing/2014/main" id="{4FF377DD-1042-BB24-A139-13431EEB6E9A}"/>
               </a:ext>
             </a:extLst>
           </p:cNvPr>
@@ -8514,14 +10045,12 @@
         </p:nvSpPr>
         <p:spPr>
           <a:xfrm>
-            <a:off x="1090069" y="4573377"/>
-            <a:ext cx="8035342" cy="882904"/>
+            <a:off x="1066801" y="3549048"/>
+            <a:ext cx="8743023" cy="1173872"/>
           </a:xfrm>
         </p:spPr>
         <p:txBody>
-          <a:bodyPr>
-            <a:normAutofit fontScale="92500" lnSpcReduction="10000"/>
-          </a:bodyPr>
+          <a:bodyPr/>
           <a:lstStyle/>
           <a:p>
             <a:r>
@@ -8540,7 +10069,7 @@
             </a:r>
             <a:r>
               <a:rPr lang="en-US" dirty="0"/>
-              <a:t>Assoc. Prof., PhD, </a:t>
+              <a:t>Assoc. Prof. </a:t>
             </a:r>
             <a:r>
               <a:rPr lang="en-US" dirty="0" err="1"/>
@@ -8548,12 +10077,10 @@
             </a:r>
             <a:r>
               <a:rPr lang="en-US" dirty="0"/>
-              <a:t> Timur </a:t>
-            </a:r>
-            <a:r>
-              <a:rPr lang="en-US" dirty="0" err="1"/>
-              <a:t>Sakenovich</a:t>
-            </a:r>
+              <a:t> Timur (PhD)</a:t>
+            </a:r>
+          </a:p>
+          <a:p>
             <a:endParaRPr lang="en-US" dirty="0"/>
           </a:p>
           <a:p>
@@ -8564,7 +10091,7 @@
     </p:spTree>
     <p:extLst>
       <p:ext uri="{BB962C8B-B14F-4D97-AF65-F5344CB8AC3E}">
-        <p14:creationId xmlns:p14="http://schemas.microsoft.com/office/powerpoint/2010/main" val="887236610"/>
+        <p14:creationId xmlns:p14="http://schemas.microsoft.com/office/powerpoint/2010/main" val="1904071638"/>
       </p:ext>
     </p:extLst>
   </p:cSld>
